--- a/20140704-Glenn-TSQL 函式介紹/TSQL 教學.pptx
+++ b/20140704-Glenn-TSQL 函式介紹/TSQL 教學.pptx
@@ -4,14 +4,22 @@
   <p:sldMasterIdLst>
     <p:sldMasterId id="2147483708" r:id="rId1"/>
   </p:sldMasterIdLst>
+  <p:notesMasterIdLst>
+    <p:notesMasterId r:id="rId14"/>
+  </p:notesMasterIdLst>
   <p:sldIdLst>
     <p:sldId id="256" r:id="rId2"/>
     <p:sldId id="257" r:id="rId3"/>
     <p:sldId id="258" r:id="rId4"/>
-    <p:sldId id="259" r:id="rId5"/>
-    <p:sldId id="260" r:id="rId6"/>
-    <p:sldId id="261" r:id="rId7"/>
-    <p:sldId id="262" r:id="rId8"/>
+    <p:sldId id="263" r:id="rId5"/>
+    <p:sldId id="259" r:id="rId6"/>
+    <p:sldId id="264" r:id="rId7"/>
+    <p:sldId id="260" r:id="rId8"/>
+    <p:sldId id="265" r:id="rId9"/>
+    <p:sldId id="266" r:id="rId10"/>
+    <p:sldId id="267" r:id="rId11"/>
+    <p:sldId id="261" r:id="rId12"/>
+    <p:sldId id="262" r:id="rId13"/>
   </p:sldIdLst>
   <p:sldSz cx="9144000" cy="6858000" type="screen4x3"/>
   <p:notesSz cx="6858000" cy="9144000"/>
@@ -113,6 +121,4553 @@
 </p:presentation>
 </file>
 
+<file path=ppt/notesMasters/notesMaster1.xml><?xml version="1.0" encoding="utf-8"?>
+<p:notesMaster xmlns:a="http://schemas.openxmlformats.org/drawingml/2006/main" xmlns:r="http://schemas.openxmlformats.org/officeDocument/2006/relationships" xmlns:p="http://schemas.openxmlformats.org/presentationml/2006/main">
+  <p:cSld>
+    <p:bg>
+      <p:bgRef idx="1001">
+        <a:schemeClr val="bg1"/>
+      </p:bgRef>
+    </p:bg>
+    <p:spTree>
+      <p:nvGrpSpPr>
+        <p:cNvPr id="1" name=""/>
+        <p:cNvGrpSpPr/>
+        <p:nvPr/>
+      </p:nvGrpSpPr>
+      <p:grpSpPr>
+        <a:xfrm>
+          <a:off x="0" y="0"/>
+          <a:ext cx="0" cy="0"/>
+          <a:chOff x="0" y="0"/>
+          <a:chExt cx="0" cy="0"/>
+        </a:xfrm>
+      </p:grpSpPr>
+      <p:sp>
+        <p:nvSpPr>
+          <p:cNvPr id="2" name="頁首版面配置區 1"/>
+          <p:cNvSpPr>
+            <a:spLocks noGrp="1"/>
+          </p:cNvSpPr>
+          <p:nvPr>
+            <p:ph type="hdr" sz="quarter"/>
+          </p:nvPr>
+        </p:nvSpPr>
+        <p:spPr>
+          <a:xfrm>
+            <a:off x="0" y="0"/>
+            <a:ext cx="2971800" cy="457200"/>
+          </a:xfrm>
+          <a:prstGeom prst="rect">
+            <a:avLst/>
+          </a:prstGeom>
+        </p:spPr>
+        <p:txBody>
+          <a:bodyPr vert="horz" lIns="91440" tIns="45720" rIns="91440" bIns="45720" rtlCol="0"/>
+          <a:lstStyle>
+            <a:lvl1pPr algn="l">
+              <a:defRPr sz="1200"/>
+            </a:lvl1pPr>
+          </a:lstStyle>
+          <a:p>
+            <a:endParaRPr lang="zh-TW" altLang="en-US"/>
+          </a:p>
+        </p:txBody>
+      </p:sp>
+      <p:sp>
+        <p:nvSpPr>
+          <p:cNvPr id="3" name="日期版面配置區 2"/>
+          <p:cNvSpPr>
+            <a:spLocks noGrp="1"/>
+          </p:cNvSpPr>
+          <p:nvPr>
+            <p:ph type="dt" idx="1"/>
+          </p:nvPr>
+        </p:nvSpPr>
+        <p:spPr>
+          <a:xfrm>
+            <a:off x="3884613" y="0"/>
+            <a:ext cx="2971800" cy="457200"/>
+          </a:xfrm>
+          <a:prstGeom prst="rect">
+            <a:avLst/>
+          </a:prstGeom>
+        </p:spPr>
+        <p:txBody>
+          <a:bodyPr vert="horz" lIns="91440" tIns="45720" rIns="91440" bIns="45720" rtlCol="0"/>
+          <a:lstStyle>
+            <a:lvl1pPr algn="r">
+              <a:defRPr sz="1200"/>
+            </a:lvl1pPr>
+          </a:lstStyle>
+          <a:p>
+            <a:fld id="{E0CCEBDF-7C09-4C72-BBA0-DD83FB7478B0}" type="datetimeFigureOut">
+              <a:rPr lang="zh-TW" altLang="en-US" smtClean="0"/>
+              <a:t>2014/7/4</a:t>
+            </a:fld>
+            <a:endParaRPr lang="zh-TW" altLang="en-US"/>
+          </a:p>
+        </p:txBody>
+      </p:sp>
+      <p:sp>
+        <p:nvSpPr>
+          <p:cNvPr id="4" name="投影片圖像版面配置區 3"/>
+          <p:cNvSpPr>
+            <a:spLocks noGrp="1" noRot="1" noChangeAspect="1"/>
+          </p:cNvSpPr>
+          <p:nvPr>
+            <p:ph type="sldImg" idx="2"/>
+          </p:nvPr>
+        </p:nvSpPr>
+        <p:spPr>
+          <a:xfrm>
+            <a:off x="1143000" y="685800"/>
+            <a:ext cx="4572000" cy="3429000"/>
+          </a:xfrm>
+          <a:prstGeom prst="rect">
+            <a:avLst/>
+          </a:prstGeom>
+          <a:noFill/>
+          <a:ln w="12700">
+            <a:solidFill>
+              <a:prstClr val="black"/>
+            </a:solidFill>
+          </a:ln>
+        </p:spPr>
+        <p:txBody>
+          <a:bodyPr vert="horz" lIns="91440" tIns="45720" rIns="91440" bIns="45720" rtlCol="0" anchor="ctr"/>
+          <a:lstStyle/>
+          <a:p>
+            <a:endParaRPr lang="zh-TW" altLang="en-US"/>
+          </a:p>
+        </p:txBody>
+      </p:sp>
+      <p:sp>
+        <p:nvSpPr>
+          <p:cNvPr id="5" name="備忘稿版面配置區 4"/>
+          <p:cNvSpPr>
+            <a:spLocks noGrp="1"/>
+          </p:cNvSpPr>
+          <p:nvPr>
+            <p:ph type="body" sz="quarter" idx="3"/>
+          </p:nvPr>
+        </p:nvSpPr>
+        <p:spPr>
+          <a:xfrm>
+            <a:off x="685800" y="4343400"/>
+            <a:ext cx="5486400" cy="4114800"/>
+          </a:xfrm>
+          <a:prstGeom prst="rect">
+            <a:avLst/>
+          </a:prstGeom>
+        </p:spPr>
+        <p:txBody>
+          <a:bodyPr vert="horz" lIns="91440" tIns="45720" rIns="91440" bIns="45720" rtlCol="0">
+            <a:normAutofit/>
+          </a:bodyPr>
+          <a:lstStyle/>
+          <a:p>
+            <a:pPr lvl="0"/>
+            <a:r>
+              <a:rPr lang="zh-TW" altLang="en-US" smtClean="0"/>
+              <a:t>按一下以編輯母片文字樣式</a:t>
+            </a:r>
+          </a:p>
+          <a:p>
+            <a:pPr lvl="1"/>
+            <a:r>
+              <a:rPr lang="zh-TW" altLang="en-US" smtClean="0"/>
+              <a:t>第二層</a:t>
+            </a:r>
+          </a:p>
+          <a:p>
+            <a:pPr lvl="2"/>
+            <a:r>
+              <a:rPr lang="zh-TW" altLang="en-US" smtClean="0"/>
+              <a:t>第三層</a:t>
+            </a:r>
+          </a:p>
+          <a:p>
+            <a:pPr lvl="3"/>
+            <a:r>
+              <a:rPr lang="zh-TW" altLang="en-US" smtClean="0"/>
+              <a:t>第四層</a:t>
+            </a:r>
+          </a:p>
+          <a:p>
+            <a:pPr lvl="4"/>
+            <a:r>
+              <a:rPr lang="zh-TW" altLang="en-US" smtClean="0"/>
+              <a:t>第五層</a:t>
+            </a:r>
+            <a:endParaRPr lang="zh-TW" altLang="en-US"/>
+          </a:p>
+        </p:txBody>
+      </p:sp>
+      <p:sp>
+        <p:nvSpPr>
+          <p:cNvPr id="6" name="頁尾版面配置區 5"/>
+          <p:cNvSpPr>
+            <a:spLocks noGrp="1"/>
+          </p:cNvSpPr>
+          <p:nvPr>
+            <p:ph type="ftr" sz="quarter" idx="4"/>
+          </p:nvPr>
+        </p:nvSpPr>
+        <p:spPr>
+          <a:xfrm>
+            <a:off x="0" y="8685213"/>
+            <a:ext cx="2971800" cy="457200"/>
+          </a:xfrm>
+          <a:prstGeom prst="rect">
+            <a:avLst/>
+          </a:prstGeom>
+        </p:spPr>
+        <p:txBody>
+          <a:bodyPr vert="horz" lIns="91440" tIns="45720" rIns="91440" bIns="45720" rtlCol="0" anchor="b"/>
+          <a:lstStyle>
+            <a:lvl1pPr algn="l">
+              <a:defRPr sz="1200"/>
+            </a:lvl1pPr>
+          </a:lstStyle>
+          <a:p>
+            <a:endParaRPr lang="zh-TW" altLang="en-US"/>
+          </a:p>
+        </p:txBody>
+      </p:sp>
+      <p:sp>
+        <p:nvSpPr>
+          <p:cNvPr id="7" name="投影片編號版面配置區 6"/>
+          <p:cNvSpPr>
+            <a:spLocks noGrp="1"/>
+          </p:cNvSpPr>
+          <p:nvPr>
+            <p:ph type="sldNum" sz="quarter" idx="5"/>
+          </p:nvPr>
+        </p:nvSpPr>
+        <p:spPr>
+          <a:xfrm>
+            <a:off x="3884613" y="8685213"/>
+            <a:ext cx="2971800" cy="457200"/>
+          </a:xfrm>
+          <a:prstGeom prst="rect">
+            <a:avLst/>
+          </a:prstGeom>
+        </p:spPr>
+        <p:txBody>
+          <a:bodyPr vert="horz" lIns="91440" tIns="45720" rIns="91440" bIns="45720" rtlCol="0" anchor="b"/>
+          <a:lstStyle>
+            <a:lvl1pPr algn="r">
+              <a:defRPr sz="1200"/>
+            </a:lvl1pPr>
+          </a:lstStyle>
+          <a:p>
+            <a:fld id="{2B1663CF-8C17-4655-AA89-0972D7B0EC7B}" type="slidenum">
+              <a:rPr lang="zh-TW" altLang="en-US" smtClean="0"/>
+              <a:t>‹#›</a:t>
+            </a:fld>
+            <a:endParaRPr lang="zh-TW" altLang="en-US"/>
+          </a:p>
+        </p:txBody>
+      </p:sp>
+    </p:spTree>
+  </p:cSld>
+  <p:clrMap bg1="lt1" tx1="dk1" bg2="lt2" tx2="dk2" accent1="accent1" accent2="accent2" accent3="accent3" accent4="accent4" accent5="accent5" accent6="accent6" hlink="hlink" folHlink="folHlink"/>
+  <p:notesStyle>
+    <a:lvl1pPr marL="0" algn="l" defTabSz="914400" rtl="0" eaLnBrk="1" latinLnBrk="0" hangingPunct="1">
+      <a:defRPr sz="1200" kern="1200">
+        <a:solidFill>
+          <a:schemeClr val="tx1"/>
+        </a:solidFill>
+        <a:latin typeface="+mn-lt"/>
+        <a:ea typeface="+mn-ea"/>
+        <a:cs typeface="+mn-cs"/>
+      </a:defRPr>
+    </a:lvl1pPr>
+    <a:lvl2pPr marL="457200" algn="l" defTabSz="914400" rtl="0" eaLnBrk="1" latinLnBrk="0" hangingPunct="1">
+      <a:defRPr sz="1200" kern="1200">
+        <a:solidFill>
+          <a:schemeClr val="tx1"/>
+        </a:solidFill>
+        <a:latin typeface="+mn-lt"/>
+        <a:ea typeface="+mn-ea"/>
+        <a:cs typeface="+mn-cs"/>
+      </a:defRPr>
+    </a:lvl2pPr>
+    <a:lvl3pPr marL="914400" algn="l" defTabSz="914400" rtl="0" eaLnBrk="1" latinLnBrk="0" hangingPunct="1">
+      <a:defRPr sz="1200" kern="1200">
+        <a:solidFill>
+          <a:schemeClr val="tx1"/>
+        </a:solidFill>
+        <a:latin typeface="+mn-lt"/>
+        <a:ea typeface="+mn-ea"/>
+        <a:cs typeface="+mn-cs"/>
+      </a:defRPr>
+    </a:lvl3pPr>
+    <a:lvl4pPr marL="1371600" algn="l" defTabSz="914400" rtl="0" eaLnBrk="1" latinLnBrk="0" hangingPunct="1">
+      <a:defRPr sz="1200" kern="1200">
+        <a:solidFill>
+          <a:schemeClr val="tx1"/>
+        </a:solidFill>
+        <a:latin typeface="+mn-lt"/>
+        <a:ea typeface="+mn-ea"/>
+        <a:cs typeface="+mn-cs"/>
+      </a:defRPr>
+    </a:lvl4pPr>
+    <a:lvl5pPr marL="1828800" algn="l" defTabSz="914400" rtl="0" eaLnBrk="1" latinLnBrk="0" hangingPunct="1">
+      <a:defRPr sz="1200" kern="1200">
+        <a:solidFill>
+          <a:schemeClr val="tx1"/>
+        </a:solidFill>
+        <a:latin typeface="+mn-lt"/>
+        <a:ea typeface="+mn-ea"/>
+        <a:cs typeface="+mn-cs"/>
+      </a:defRPr>
+    </a:lvl5pPr>
+    <a:lvl6pPr marL="2286000" algn="l" defTabSz="914400" rtl="0" eaLnBrk="1" latinLnBrk="0" hangingPunct="1">
+      <a:defRPr sz="1200" kern="1200">
+        <a:solidFill>
+          <a:schemeClr val="tx1"/>
+        </a:solidFill>
+        <a:latin typeface="+mn-lt"/>
+        <a:ea typeface="+mn-ea"/>
+        <a:cs typeface="+mn-cs"/>
+      </a:defRPr>
+    </a:lvl6pPr>
+    <a:lvl7pPr marL="2743200" algn="l" defTabSz="914400" rtl="0" eaLnBrk="1" latinLnBrk="0" hangingPunct="1">
+      <a:defRPr sz="1200" kern="1200">
+        <a:solidFill>
+          <a:schemeClr val="tx1"/>
+        </a:solidFill>
+        <a:latin typeface="+mn-lt"/>
+        <a:ea typeface="+mn-ea"/>
+        <a:cs typeface="+mn-cs"/>
+      </a:defRPr>
+    </a:lvl7pPr>
+    <a:lvl8pPr marL="3200400" algn="l" defTabSz="914400" rtl="0" eaLnBrk="1" latinLnBrk="0" hangingPunct="1">
+      <a:defRPr sz="1200" kern="1200">
+        <a:solidFill>
+          <a:schemeClr val="tx1"/>
+        </a:solidFill>
+        <a:latin typeface="+mn-lt"/>
+        <a:ea typeface="+mn-ea"/>
+        <a:cs typeface="+mn-cs"/>
+      </a:defRPr>
+    </a:lvl8pPr>
+    <a:lvl9pPr marL="3657600" algn="l" defTabSz="914400" rtl="0" eaLnBrk="1" latinLnBrk="0" hangingPunct="1">
+      <a:defRPr sz="1200" kern="1200">
+        <a:solidFill>
+          <a:schemeClr val="tx1"/>
+        </a:solidFill>
+        <a:latin typeface="+mn-lt"/>
+        <a:ea typeface="+mn-ea"/>
+        <a:cs typeface="+mn-cs"/>
+      </a:defRPr>
+    </a:lvl9pPr>
+  </p:notesStyle>
+</p:notesMaster>
+</file>
+
+<file path=ppt/notesSlides/notesSlide1.xml><?xml version="1.0" encoding="utf-8"?>
+<p:notes xmlns:a="http://schemas.openxmlformats.org/drawingml/2006/main" xmlns:r="http://schemas.openxmlformats.org/officeDocument/2006/relationships" xmlns:p="http://schemas.openxmlformats.org/presentationml/2006/main">
+  <p:cSld>
+    <p:spTree>
+      <p:nvGrpSpPr>
+        <p:cNvPr id="1" name=""/>
+        <p:cNvGrpSpPr/>
+        <p:nvPr/>
+      </p:nvGrpSpPr>
+      <p:grpSpPr>
+        <a:xfrm>
+          <a:off x="0" y="0"/>
+          <a:ext cx="0" cy="0"/>
+          <a:chOff x="0" y="0"/>
+          <a:chExt cx="0" cy="0"/>
+        </a:xfrm>
+      </p:grpSpPr>
+      <p:sp>
+        <p:nvSpPr>
+          <p:cNvPr id="2" name="投影片圖像版面配置區 1"/>
+          <p:cNvSpPr>
+            <a:spLocks noGrp="1" noRot="1" noChangeAspect="1"/>
+          </p:cNvSpPr>
+          <p:nvPr>
+            <p:ph type="sldImg"/>
+          </p:nvPr>
+        </p:nvSpPr>
+        <p:spPr/>
+      </p:sp>
+      <p:sp>
+        <p:nvSpPr>
+          <p:cNvPr id="3" name="備忘稿版面配置區 2"/>
+          <p:cNvSpPr>
+            <a:spLocks noGrp="1"/>
+          </p:cNvSpPr>
+          <p:nvPr>
+            <p:ph type="body" idx="1"/>
+          </p:nvPr>
+        </p:nvSpPr>
+        <p:spPr/>
+        <p:txBody>
+          <a:bodyPr>
+            <a:normAutofit/>
+          </a:bodyPr>
+          <a:lstStyle/>
+          <a:p>
+            <a:endParaRPr lang="zh-TW" altLang="en-US" dirty="0"/>
+          </a:p>
+        </p:txBody>
+      </p:sp>
+      <p:sp>
+        <p:nvSpPr>
+          <p:cNvPr id="4" name="投影片編號版面配置區 3"/>
+          <p:cNvSpPr>
+            <a:spLocks noGrp="1"/>
+          </p:cNvSpPr>
+          <p:nvPr>
+            <p:ph type="sldNum" sz="quarter" idx="10"/>
+          </p:nvPr>
+        </p:nvSpPr>
+        <p:spPr/>
+        <p:txBody>
+          <a:bodyPr/>
+          <a:lstStyle/>
+          <a:p>
+            <a:fld id="{2B1663CF-8C17-4655-AA89-0972D7B0EC7B}" type="slidenum">
+              <a:rPr lang="zh-TW" altLang="en-US" smtClean="0"/>
+              <a:t>3</a:t>
+            </a:fld>
+            <a:endParaRPr lang="zh-TW" altLang="en-US"/>
+          </a:p>
+        </p:txBody>
+      </p:sp>
+    </p:spTree>
+  </p:cSld>
+  <p:clrMapOvr>
+    <a:masterClrMapping/>
+  </p:clrMapOvr>
+</p:notes>
+</file>
+
+<file path=ppt/notesSlides/notesSlide2.xml><?xml version="1.0" encoding="utf-8"?>
+<p:notes xmlns:a="http://schemas.openxmlformats.org/drawingml/2006/main" xmlns:r="http://schemas.openxmlformats.org/officeDocument/2006/relationships" xmlns:p="http://schemas.openxmlformats.org/presentationml/2006/main">
+  <p:cSld>
+    <p:spTree>
+      <p:nvGrpSpPr>
+        <p:cNvPr id="1" name=""/>
+        <p:cNvGrpSpPr/>
+        <p:nvPr/>
+      </p:nvGrpSpPr>
+      <p:grpSpPr>
+        <a:xfrm>
+          <a:off x="0" y="0"/>
+          <a:ext cx="0" cy="0"/>
+          <a:chOff x="0" y="0"/>
+          <a:chExt cx="0" cy="0"/>
+        </a:xfrm>
+      </p:grpSpPr>
+      <p:sp>
+        <p:nvSpPr>
+          <p:cNvPr id="2" name="投影片圖像版面配置區 1"/>
+          <p:cNvSpPr>
+            <a:spLocks noGrp="1" noRot="1" noChangeAspect="1"/>
+          </p:cNvSpPr>
+          <p:nvPr>
+            <p:ph type="sldImg"/>
+          </p:nvPr>
+        </p:nvSpPr>
+        <p:spPr/>
+      </p:sp>
+      <p:sp>
+        <p:nvSpPr>
+          <p:cNvPr id="3" name="備忘稿版面配置區 2"/>
+          <p:cNvSpPr>
+            <a:spLocks noGrp="1"/>
+          </p:cNvSpPr>
+          <p:nvPr>
+            <p:ph type="body" idx="1"/>
+          </p:nvPr>
+        </p:nvSpPr>
+        <p:spPr/>
+        <p:txBody>
+          <a:bodyPr>
+            <a:normAutofit/>
+          </a:bodyPr>
+          <a:lstStyle/>
+          <a:p>
+            <a:r>
+              <a:rPr lang="en-US" altLang="zh-TW" sz="1200" kern="1200" dirty="0" smtClean="0">
+                <a:solidFill>
+                  <a:schemeClr val="tx1"/>
+                </a:solidFill>
+                <a:latin typeface="+mn-lt"/>
+                <a:ea typeface="+mn-ea"/>
+                <a:cs typeface="+mn-cs"/>
+              </a:rPr>
+              <a:t>select * ,</a:t>
+            </a:r>
+          </a:p>
+          <a:p>
+            <a:r>
+              <a:rPr lang="en-US" altLang="zh-TW" sz="1200" kern="1200" dirty="0" smtClean="0">
+                <a:solidFill>
+                  <a:schemeClr val="tx1"/>
+                </a:solidFill>
+                <a:latin typeface="+mn-lt"/>
+                <a:ea typeface="+mn-ea"/>
+                <a:cs typeface="+mn-cs"/>
+              </a:rPr>
+              <a:t>ROW_NUMBER() OVER(ORDER BY amount) AS </a:t>
+            </a:r>
+            <a:r>
+              <a:rPr lang="en-US" altLang="zh-TW" sz="1200" kern="1200" dirty="0" err="1" smtClean="0">
+                <a:solidFill>
+                  <a:schemeClr val="tx1"/>
+                </a:solidFill>
+                <a:latin typeface="+mn-lt"/>
+                <a:ea typeface="+mn-ea"/>
+                <a:cs typeface="+mn-cs"/>
+              </a:rPr>
+              <a:t>ROW_NUMBER_amount</a:t>
+            </a:r>
+            <a:r>
+              <a:rPr lang="en-US" altLang="zh-TW" sz="1200" kern="1200" dirty="0" smtClean="0">
+                <a:solidFill>
+                  <a:schemeClr val="tx1"/>
+                </a:solidFill>
+                <a:latin typeface="+mn-lt"/>
+                <a:ea typeface="+mn-ea"/>
+                <a:cs typeface="+mn-cs"/>
+              </a:rPr>
+              <a:t>,--</a:t>
+            </a:r>
+            <a:r>
+              <a:rPr lang="zh-TW" altLang="en-US" sz="1200" kern="1200" dirty="0" smtClean="0">
+                <a:solidFill>
+                  <a:schemeClr val="tx1"/>
+                </a:solidFill>
+                <a:latin typeface="+mn-lt"/>
+                <a:ea typeface="+mn-ea"/>
+                <a:cs typeface="+mn-cs"/>
+              </a:rPr>
+              <a:t>排序</a:t>
+            </a:r>
+            <a:r>
+              <a:rPr lang="en-US" altLang="zh-TW" sz="1200" kern="1200" dirty="0" smtClean="0">
+                <a:solidFill>
+                  <a:schemeClr val="tx1"/>
+                </a:solidFill>
+                <a:latin typeface="+mn-lt"/>
+                <a:ea typeface="+mn-ea"/>
+                <a:cs typeface="+mn-cs"/>
+              </a:rPr>
+              <a:t>(</a:t>
+            </a:r>
+            <a:r>
+              <a:rPr lang="zh-TW" altLang="en-US" sz="1200" kern="1200" dirty="0" smtClean="0">
+                <a:solidFill>
+                  <a:schemeClr val="tx1"/>
+                </a:solidFill>
+                <a:latin typeface="+mn-lt"/>
+                <a:ea typeface="+mn-ea"/>
+                <a:cs typeface="+mn-cs"/>
+              </a:rPr>
+              <a:t>不重覆</a:t>
+            </a:r>
+            <a:r>
+              <a:rPr lang="en-US" altLang="zh-TW" sz="1200" kern="1200" dirty="0" smtClean="0">
+                <a:solidFill>
+                  <a:schemeClr val="tx1"/>
+                </a:solidFill>
+                <a:latin typeface="+mn-lt"/>
+                <a:ea typeface="+mn-ea"/>
+                <a:cs typeface="+mn-cs"/>
+              </a:rPr>
+              <a:t>)</a:t>
+            </a:r>
+          </a:p>
+          <a:p>
+            <a:r>
+              <a:rPr lang="en-US" altLang="zh-TW" sz="1200" kern="1200" dirty="0" smtClean="0">
+                <a:solidFill>
+                  <a:schemeClr val="tx1"/>
+                </a:solidFill>
+                <a:latin typeface="+mn-lt"/>
+                <a:ea typeface="+mn-ea"/>
+                <a:cs typeface="+mn-cs"/>
+              </a:rPr>
+              <a:t>RANK() OVER(ORDER BY amount) AS </a:t>
+            </a:r>
+            <a:r>
+              <a:rPr lang="en-US" altLang="zh-TW" sz="1200" kern="1200" dirty="0" err="1" smtClean="0">
+                <a:solidFill>
+                  <a:schemeClr val="tx1"/>
+                </a:solidFill>
+                <a:latin typeface="+mn-lt"/>
+                <a:ea typeface="+mn-ea"/>
+                <a:cs typeface="+mn-cs"/>
+              </a:rPr>
+              <a:t>RANK_amount</a:t>
+            </a:r>
+            <a:r>
+              <a:rPr lang="en-US" altLang="zh-TW" sz="1200" kern="1200" dirty="0" smtClean="0">
+                <a:solidFill>
+                  <a:schemeClr val="tx1"/>
+                </a:solidFill>
+                <a:latin typeface="+mn-lt"/>
+                <a:ea typeface="+mn-ea"/>
+                <a:cs typeface="+mn-cs"/>
+              </a:rPr>
+              <a:t>,--</a:t>
+            </a:r>
+            <a:r>
+              <a:rPr lang="zh-TW" altLang="en-US" sz="1200" kern="1200" dirty="0" smtClean="0">
+                <a:solidFill>
+                  <a:schemeClr val="tx1"/>
+                </a:solidFill>
+                <a:latin typeface="+mn-lt"/>
+                <a:ea typeface="+mn-ea"/>
+                <a:cs typeface="+mn-cs"/>
+              </a:rPr>
+              <a:t>排序</a:t>
+            </a:r>
+            <a:r>
+              <a:rPr lang="en-US" altLang="zh-TW" sz="1200" kern="1200" dirty="0" smtClean="0">
+                <a:solidFill>
+                  <a:schemeClr val="tx1"/>
+                </a:solidFill>
+                <a:latin typeface="+mn-lt"/>
+                <a:ea typeface="+mn-ea"/>
+                <a:cs typeface="+mn-cs"/>
+              </a:rPr>
+              <a:t>(</a:t>
+            </a:r>
+            <a:r>
+              <a:rPr lang="zh-TW" altLang="en-US" sz="1200" kern="1200" dirty="0" smtClean="0">
+                <a:solidFill>
+                  <a:schemeClr val="tx1"/>
+                </a:solidFill>
+                <a:latin typeface="+mn-lt"/>
+                <a:ea typeface="+mn-ea"/>
+                <a:cs typeface="+mn-cs"/>
+              </a:rPr>
+              <a:t>跳號</a:t>
+            </a:r>
+            <a:r>
+              <a:rPr lang="en-US" altLang="zh-TW" sz="1200" kern="1200" dirty="0" smtClean="0">
+                <a:solidFill>
+                  <a:schemeClr val="tx1"/>
+                </a:solidFill>
+                <a:latin typeface="+mn-lt"/>
+                <a:ea typeface="+mn-ea"/>
+                <a:cs typeface="+mn-cs"/>
+              </a:rPr>
+              <a:t>)</a:t>
+            </a:r>
+          </a:p>
+          <a:p>
+            <a:r>
+              <a:rPr lang="en-US" altLang="zh-TW" sz="1200" kern="1200" dirty="0" smtClean="0">
+                <a:solidFill>
+                  <a:schemeClr val="tx1"/>
+                </a:solidFill>
+                <a:latin typeface="+mn-lt"/>
+                <a:ea typeface="+mn-ea"/>
+                <a:cs typeface="+mn-cs"/>
+              </a:rPr>
+              <a:t>DENSE_RANK() OVER(ORDER BY amount) AS </a:t>
+            </a:r>
+            <a:r>
+              <a:rPr lang="en-US" altLang="zh-TW" sz="1200" kern="1200" dirty="0" err="1" smtClean="0">
+                <a:solidFill>
+                  <a:schemeClr val="tx1"/>
+                </a:solidFill>
+                <a:latin typeface="+mn-lt"/>
+                <a:ea typeface="+mn-ea"/>
+                <a:cs typeface="+mn-cs"/>
+              </a:rPr>
+              <a:t>DENSE_RANK_amount</a:t>
+            </a:r>
+            <a:r>
+              <a:rPr lang="en-US" altLang="zh-TW" sz="1200" kern="1200" dirty="0" smtClean="0">
+                <a:solidFill>
+                  <a:schemeClr val="tx1"/>
+                </a:solidFill>
+                <a:latin typeface="+mn-lt"/>
+                <a:ea typeface="+mn-ea"/>
+                <a:cs typeface="+mn-cs"/>
+              </a:rPr>
+              <a:t>,--</a:t>
+            </a:r>
+            <a:r>
+              <a:rPr lang="zh-TW" altLang="en-US" sz="1200" kern="1200" dirty="0" smtClean="0">
+                <a:solidFill>
+                  <a:schemeClr val="tx1"/>
+                </a:solidFill>
+                <a:latin typeface="+mn-lt"/>
+                <a:ea typeface="+mn-ea"/>
+                <a:cs typeface="+mn-cs"/>
+              </a:rPr>
+              <a:t>排序</a:t>
+            </a:r>
+            <a:r>
+              <a:rPr lang="en-US" altLang="zh-TW" sz="1200" kern="1200" dirty="0" smtClean="0">
+                <a:solidFill>
+                  <a:schemeClr val="tx1"/>
+                </a:solidFill>
+                <a:latin typeface="+mn-lt"/>
+                <a:ea typeface="+mn-ea"/>
+                <a:cs typeface="+mn-cs"/>
+              </a:rPr>
+              <a:t>(</a:t>
+            </a:r>
+            <a:r>
+              <a:rPr lang="zh-TW" altLang="en-US" sz="1200" kern="1200" dirty="0" smtClean="0">
+                <a:solidFill>
+                  <a:schemeClr val="tx1"/>
+                </a:solidFill>
+                <a:latin typeface="+mn-lt"/>
+                <a:ea typeface="+mn-ea"/>
+                <a:cs typeface="+mn-cs"/>
+              </a:rPr>
+              <a:t>不跳號</a:t>
+            </a:r>
+            <a:r>
+              <a:rPr lang="en-US" altLang="zh-TW" sz="1200" kern="1200" dirty="0" smtClean="0">
+                <a:solidFill>
+                  <a:schemeClr val="tx1"/>
+                </a:solidFill>
+                <a:latin typeface="+mn-lt"/>
+                <a:ea typeface="+mn-ea"/>
+                <a:cs typeface="+mn-cs"/>
+              </a:rPr>
+              <a:t>)</a:t>
+            </a:r>
+          </a:p>
+          <a:p>
+            <a:r>
+              <a:rPr lang="en-US" altLang="zh-TW" sz="1200" kern="1200" dirty="0" smtClean="0">
+                <a:solidFill>
+                  <a:schemeClr val="tx1"/>
+                </a:solidFill>
+                <a:latin typeface="+mn-lt"/>
+                <a:ea typeface="+mn-ea"/>
+                <a:cs typeface="+mn-cs"/>
+              </a:rPr>
+              <a:t>NTILE(5) over(order by amount )as </a:t>
+            </a:r>
+            <a:r>
+              <a:rPr lang="en-US" altLang="zh-TW" sz="1200" kern="1200" dirty="0" err="1" smtClean="0">
+                <a:solidFill>
+                  <a:schemeClr val="tx1"/>
+                </a:solidFill>
+                <a:latin typeface="+mn-lt"/>
+                <a:ea typeface="+mn-ea"/>
+                <a:cs typeface="+mn-cs"/>
+              </a:rPr>
+              <a:t>NTILE_amount</a:t>
+            </a:r>
+            <a:r>
+              <a:rPr lang="en-US" altLang="zh-TW" sz="1200" kern="1200" dirty="0" smtClean="0">
+                <a:solidFill>
+                  <a:schemeClr val="tx1"/>
+                </a:solidFill>
+                <a:latin typeface="+mn-lt"/>
+                <a:ea typeface="+mn-ea"/>
+                <a:cs typeface="+mn-cs"/>
+              </a:rPr>
+              <a:t>, --</a:t>
+            </a:r>
+            <a:r>
+              <a:rPr lang="zh-TW" altLang="en-US" sz="1200" kern="1200" dirty="0" smtClean="0">
+                <a:solidFill>
+                  <a:schemeClr val="tx1"/>
+                </a:solidFill>
+                <a:latin typeface="+mn-lt"/>
+                <a:ea typeface="+mn-ea"/>
+                <a:cs typeface="+mn-cs"/>
+              </a:rPr>
+              <a:t>分級</a:t>
+            </a:r>
+          </a:p>
+          <a:p>
+            <a:r>
+              <a:rPr lang="en-US" altLang="zh-TW" sz="1200" kern="1200" dirty="0" smtClean="0">
+                <a:solidFill>
+                  <a:schemeClr val="tx1"/>
+                </a:solidFill>
+                <a:latin typeface="+mn-lt"/>
+                <a:ea typeface="+mn-ea"/>
+                <a:cs typeface="+mn-cs"/>
+              </a:rPr>
+              <a:t>ROW_NUMBER() over(partition by commodity order by amount)</a:t>
+            </a:r>
+            <a:r>
+              <a:rPr lang="en-US" altLang="zh-TW" sz="1200" kern="1200" dirty="0" err="1" smtClean="0">
+                <a:solidFill>
+                  <a:schemeClr val="tx1"/>
+                </a:solidFill>
+                <a:latin typeface="+mn-lt"/>
+                <a:ea typeface="+mn-ea"/>
+                <a:cs typeface="+mn-cs"/>
+              </a:rPr>
+              <a:t>DENSE_RANK_partition</a:t>
+            </a:r>
+            <a:r>
+              <a:rPr lang="en-US" altLang="zh-TW" sz="1200" kern="1200" dirty="0" smtClean="0">
+                <a:solidFill>
+                  <a:schemeClr val="tx1"/>
+                </a:solidFill>
+                <a:latin typeface="+mn-lt"/>
+                <a:ea typeface="+mn-ea"/>
+                <a:cs typeface="+mn-cs"/>
+              </a:rPr>
+              <a:t>  --</a:t>
+            </a:r>
+            <a:r>
+              <a:rPr lang="zh-TW" altLang="en-US" sz="1200" kern="1200" dirty="0" smtClean="0">
+                <a:solidFill>
+                  <a:schemeClr val="tx1"/>
+                </a:solidFill>
+                <a:latin typeface="+mn-lt"/>
+                <a:ea typeface="+mn-ea"/>
+                <a:cs typeface="+mn-cs"/>
+              </a:rPr>
+              <a:t>分群組</a:t>
+            </a:r>
+            <a:r>
+              <a:rPr lang="en-US" altLang="zh-TW" sz="1200" kern="1200" dirty="0" smtClean="0">
+                <a:solidFill>
+                  <a:schemeClr val="tx1"/>
+                </a:solidFill>
+                <a:latin typeface="+mn-lt"/>
+                <a:ea typeface="+mn-ea"/>
+                <a:cs typeface="+mn-cs"/>
+              </a:rPr>
+              <a:t>(</a:t>
+            </a:r>
+            <a:r>
+              <a:rPr lang="zh-TW" altLang="en-US" sz="1200" kern="1200" dirty="0" smtClean="0">
+                <a:solidFill>
+                  <a:schemeClr val="tx1"/>
+                </a:solidFill>
+                <a:latin typeface="+mn-lt"/>
+                <a:ea typeface="+mn-ea"/>
+                <a:cs typeface="+mn-cs"/>
+              </a:rPr>
+              <a:t>排序</a:t>
+            </a:r>
+            <a:r>
+              <a:rPr lang="en-US" altLang="zh-TW" sz="1200" kern="1200" dirty="0" smtClean="0">
+                <a:solidFill>
+                  <a:schemeClr val="tx1"/>
+                </a:solidFill>
+                <a:latin typeface="+mn-lt"/>
+                <a:ea typeface="+mn-ea"/>
+                <a:cs typeface="+mn-cs"/>
+              </a:rPr>
+              <a:t>)</a:t>
+            </a:r>
+          </a:p>
+          <a:p>
+            <a:r>
+              <a:rPr lang="en-US" altLang="zh-TW" sz="1200" kern="1200" dirty="0" smtClean="0">
+                <a:solidFill>
+                  <a:schemeClr val="tx1"/>
+                </a:solidFill>
+                <a:latin typeface="+mn-lt"/>
+                <a:ea typeface="+mn-ea"/>
+                <a:cs typeface="+mn-cs"/>
+              </a:rPr>
+              <a:t>from Orders</a:t>
+            </a:r>
+          </a:p>
+          <a:p>
+            <a:r>
+              <a:rPr lang="en-US" altLang="zh-TW" sz="1200" kern="1200" dirty="0" smtClean="0">
+                <a:solidFill>
+                  <a:schemeClr val="tx1"/>
+                </a:solidFill>
+                <a:latin typeface="+mn-lt"/>
+                <a:ea typeface="+mn-ea"/>
+                <a:cs typeface="+mn-cs"/>
+              </a:rPr>
+              <a:t>where commodity = 'Apple'</a:t>
+            </a:r>
+          </a:p>
+          <a:p>
+            <a:endParaRPr lang="zh-TW" altLang="en-US" dirty="0" smtClean="0"/>
+          </a:p>
+          <a:p>
+            <a:endParaRPr lang="zh-TW" altLang="en-US" dirty="0"/>
+          </a:p>
+        </p:txBody>
+      </p:sp>
+      <p:sp>
+        <p:nvSpPr>
+          <p:cNvPr id="4" name="投影片編號版面配置區 3"/>
+          <p:cNvSpPr>
+            <a:spLocks noGrp="1"/>
+          </p:cNvSpPr>
+          <p:nvPr>
+            <p:ph type="sldNum" sz="quarter" idx="10"/>
+          </p:nvPr>
+        </p:nvSpPr>
+        <p:spPr/>
+        <p:txBody>
+          <a:bodyPr/>
+          <a:lstStyle/>
+          <a:p>
+            <a:fld id="{2B1663CF-8C17-4655-AA89-0972D7B0EC7B}" type="slidenum">
+              <a:rPr lang="zh-TW" altLang="en-US" smtClean="0"/>
+              <a:t>4</a:t>
+            </a:fld>
+            <a:endParaRPr lang="zh-TW" altLang="en-US"/>
+          </a:p>
+        </p:txBody>
+      </p:sp>
+    </p:spTree>
+  </p:cSld>
+  <p:clrMapOvr>
+    <a:masterClrMapping/>
+  </p:clrMapOvr>
+</p:notes>
+</file>
+
+<file path=ppt/notesSlides/notesSlide3.xml><?xml version="1.0" encoding="utf-8"?>
+<p:notes xmlns:a="http://schemas.openxmlformats.org/drawingml/2006/main" xmlns:r="http://schemas.openxmlformats.org/officeDocument/2006/relationships" xmlns:p="http://schemas.openxmlformats.org/presentationml/2006/main">
+  <p:cSld>
+    <p:spTree>
+      <p:nvGrpSpPr>
+        <p:cNvPr id="1" name=""/>
+        <p:cNvGrpSpPr/>
+        <p:nvPr/>
+      </p:nvGrpSpPr>
+      <p:grpSpPr>
+        <a:xfrm>
+          <a:off x="0" y="0"/>
+          <a:ext cx="0" cy="0"/>
+          <a:chOff x="0" y="0"/>
+          <a:chExt cx="0" cy="0"/>
+        </a:xfrm>
+      </p:grpSpPr>
+      <p:sp>
+        <p:nvSpPr>
+          <p:cNvPr id="2" name="投影片圖像版面配置區 1"/>
+          <p:cNvSpPr>
+            <a:spLocks noGrp="1" noRot="1" noChangeAspect="1"/>
+          </p:cNvSpPr>
+          <p:nvPr>
+            <p:ph type="sldImg"/>
+          </p:nvPr>
+        </p:nvSpPr>
+        <p:spPr/>
+      </p:sp>
+      <p:sp>
+        <p:nvSpPr>
+          <p:cNvPr id="3" name="備忘稿版面配置區 2"/>
+          <p:cNvSpPr>
+            <a:spLocks noGrp="1"/>
+          </p:cNvSpPr>
+          <p:nvPr>
+            <p:ph type="body" idx="1"/>
+          </p:nvPr>
+        </p:nvSpPr>
+        <p:spPr/>
+        <p:txBody>
+          <a:bodyPr>
+            <a:normAutofit/>
+          </a:bodyPr>
+          <a:lstStyle/>
+          <a:p>
+            <a:endParaRPr lang="zh-TW" altLang="en-US" dirty="0"/>
+          </a:p>
+        </p:txBody>
+      </p:sp>
+      <p:sp>
+        <p:nvSpPr>
+          <p:cNvPr id="4" name="投影片編號版面配置區 3"/>
+          <p:cNvSpPr>
+            <a:spLocks noGrp="1"/>
+          </p:cNvSpPr>
+          <p:nvPr>
+            <p:ph type="sldNum" sz="quarter" idx="10"/>
+          </p:nvPr>
+        </p:nvSpPr>
+        <p:spPr/>
+        <p:txBody>
+          <a:bodyPr/>
+          <a:lstStyle/>
+          <a:p>
+            <a:fld id="{2B1663CF-8C17-4655-AA89-0972D7B0EC7B}" type="slidenum">
+              <a:rPr lang="zh-TW" altLang="en-US" smtClean="0"/>
+              <a:t>5</a:t>
+            </a:fld>
+            <a:endParaRPr lang="zh-TW" altLang="en-US"/>
+          </a:p>
+        </p:txBody>
+      </p:sp>
+    </p:spTree>
+  </p:cSld>
+  <p:clrMapOvr>
+    <a:masterClrMapping/>
+  </p:clrMapOvr>
+</p:notes>
+</file>
+
+<file path=ppt/notesSlides/notesSlide4.xml><?xml version="1.0" encoding="utf-8"?>
+<p:notes xmlns:a="http://schemas.openxmlformats.org/drawingml/2006/main" xmlns:r="http://schemas.openxmlformats.org/officeDocument/2006/relationships" xmlns:p="http://schemas.openxmlformats.org/presentationml/2006/main">
+  <p:cSld>
+    <p:spTree>
+      <p:nvGrpSpPr>
+        <p:cNvPr id="1" name=""/>
+        <p:cNvGrpSpPr/>
+        <p:nvPr/>
+      </p:nvGrpSpPr>
+      <p:grpSpPr>
+        <a:xfrm>
+          <a:off x="0" y="0"/>
+          <a:ext cx="0" cy="0"/>
+          <a:chOff x="0" y="0"/>
+          <a:chExt cx="0" cy="0"/>
+        </a:xfrm>
+      </p:grpSpPr>
+      <p:sp>
+        <p:nvSpPr>
+          <p:cNvPr id="2" name="投影片圖像版面配置區 1"/>
+          <p:cNvSpPr>
+            <a:spLocks noGrp="1" noRot="1" noChangeAspect="1"/>
+          </p:cNvSpPr>
+          <p:nvPr>
+            <p:ph type="sldImg"/>
+          </p:nvPr>
+        </p:nvSpPr>
+        <p:spPr/>
+      </p:sp>
+      <p:sp>
+        <p:nvSpPr>
+          <p:cNvPr id="3" name="備忘稿版面配置區 2"/>
+          <p:cNvSpPr>
+            <a:spLocks noGrp="1"/>
+          </p:cNvSpPr>
+          <p:nvPr>
+            <p:ph type="body" idx="1"/>
+          </p:nvPr>
+        </p:nvSpPr>
+        <p:spPr/>
+        <p:txBody>
+          <a:bodyPr>
+            <a:normAutofit/>
+          </a:bodyPr>
+          <a:lstStyle/>
+          <a:p>
+            <a:endParaRPr lang="zh-TW" altLang="en-US" sz="1200" kern="1200" dirty="0" smtClean="0">
+              <a:solidFill>
+                <a:schemeClr val="tx1"/>
+              </a:solidFill>
+              <a:latin typeface="+mn-lt"/>
+              <a:ea typeface="+mn-ea"/>
+              <a:cs typeface="+mn-cs"/>
+            </a:endParaRPr>
+          </a:p>
+          <a:p>
+            <a:r>
+              <a:rPr lang="en-US" altLang="zh-TW" sz="1200" kern="1200" dirty="0" smtClean="0">
+                <a:solidFill>
+                  <a:schemeClr val="tx1"/>
+                </a:solidFill>
+                <a:latin typeface="+mn-lt"/>
+                <a:ea typeface="+mn-ea"/>
+                <a:cs typeface="+mn-cs"/>
+              </a:rPr>
+              <a:t>--</a:t>
+            </a:r>
+            <a:r>
+              <a:rPr lang="zh-TW" altLang="en-US" sz="1200" kern="1200" dirty="0" smtClean="0">
+                <a:solidFill>
+                  <a:schemeClr val="tx1"/>
+                </a:solidFill>
+                <a:latin typeface="+mn-lt"/>
+                <a:ea typeface="+mn-ea"/>
+                <a:cs typeface="+mn-cs"/>
+              </a:rPr>
+              <a:t>建立旅客姓名 </a:t>
+            </a:r>
+            <a:r>
+              <a:rPr lang="en-US" altLang="zh-TW" sz="1200" kern="1200" dirty="0" smtClean="0">
+                <a:solidFill>
+                  <a:schemeClr val="tx1"/>
+                </a:solidFill>
+                <a:latin typeface="+mn-lt"/>
+                <a:ea typeface="+mn-ea"/>
+                <a:cs typeface="+mn-cs"/>
+              </a:rPr>
+              <a:t>view</a:t>
+            </a:r>
+          </a:p>
+          <a:p>
+            <a:r>
+              <a:rPr lang="en-US" altLang="zh-TW" sz="1200" kern="1200" dirty="0" smtClean="0">
+                <a:solidFill>
+                  <a:schemeClr val="tx1"/>
+                </a:solidFill>
+                <a:latin typeface="+mn-lt"/>
+                <a:ea typeface="+mn-ea"/>
+                <a:cs typeface="+mn-cs"/>
+              </a:rPr>
+              <a:t>CREATE VIEW </a:t>
+            </a:r>
+            <a:r>
+              <a:rPr lang="en-US" altLang="zh-TW" sz="1200" kern="1200" dirty="0" err="1" smtClean="0">
+                <a:solidFill>
+                  <a:schemeClr val="tx1"/>
+                </a:solidFill>
+                <a:latin typeface="+mn-lt"/>
+                <a:ea typeface="+mn-ea"/>
+                <a:cs typeface="+mn-cs"/>
+              </a:rPr>
+              <a:t>View_Pax_Cnma</a:t>
+            </a:r>
+            <a:endParaRPr lang="en-US" altLang="zh-TW" sz="1200" kern="1200" dirty="0" smtClean="0">
+              <a:solidFill>
+                <a:schemeClr val="tx1"/>
+              </a:solidFill>
+              <a:latin typeface="+mn-lt"/>
+              <a:ea typeface="+mn-ea"/>
+              <a:cs typeface="+mn-cs"/>
+            </a:endParaRPr>
+          </a:p>
+          <a:p>
+            <a:r>
+              <a:rPr lang="en-US" altLang="zh-TW" sz="1200" kern="1200" dirty="0" smtClean="0">
+                <a:solidFill>
+                  <a:schemeClr val="tx1"/>
+                </a:solidFill>
+                <a:latin typeface="+mn-lt"/>
+                <a:ea typeface="+mn-ea"/>
+                <a:cs typeface="+mn-cs"/>
+              </a:rPr>
+              <a:t>WITH SCHEMABINDING</a:t>
+            </a:r>
+          </a:p>
+          <a:p>
+            <a:r>
+              <a:rPr lang="en-US" altLang="zh-TW" sz="1200" kern="1200" dirty="0" smtClean="0">
+                <a:solidFill>
+                  <a:schemeClr val="tx1"/>
+                </a:solidFill>
+                <a:latin typeface="+mn-lt"/>
+                <a:ea typeface="+mn-ea"/>
+                <a:cs typeface="+mn-cs"/>
+              </a:rPr>
+              <a:t>AS </a:t>
+            </a:r>
+          </a:p>
+          <a:p>
+            <a:r>
+              <a:rPr lang="en-US" altLang="zh-TW" sz="1200" kern="1200" dirty="0" smtClean="0">
+                <a:solidFill>
+                  <a:schemeClr val="tx1"/>
+                </a:solidFill>
+                <a:latin typeface="+mn-lt"/>
+                <a:ea typeface="+mn-ea"/>
+                <a:cs typeface="+mn-cs"/>
+              </a:rPr>
+              <a:t>select PAX_CD,PAX_CNML+PAX_CNMF as PAX_CNM </a:t>
+            </a:r>
+          </a:p>
+          <a:p>
+            <a:r>
+              <a:rPr lang="en-US" altLang="zh-TW" sz="1200" kern="1200" dirty="0" smtClean="0">
+                <a:solidFill>
+                  <a:schemeClr val="tx1"/>
+                </a:solidFill>
+                <a:latin typeface="+mn-lt"/>
+                <a:ea typeface="+mn-ea"/>
+                <a:cs typeface="+mn-cs"/>
+              </a:rPr>
+              <a:t>from </a:t>
+            </a:r>
+            <a:r>
+              <a:rPr lang="en-US" altLang="zh-TW" sz="1200" kern="1200" dirty="0" err="1" smtClean="0">
+                <a:solidFill>
+                  <a:schemeClr val="tx1"/>
+                </a:solidFill>
+                <a:latin typeface="+mn-lt"/>
+                <a:ea typeface="+mn-ea"/>
+                <a:cs typeface="+mn-cs"/>
+              </a:rPr>
+              <a:t>dbo.TRPAX</a:t>
+            </a:r>
+            <a:endParaRPr lang="en-US" altLang="zh-TW" sz="1200" kern="1200" dirty="0" smtClean="0">
+              <a:solidFill>
+                <a:schemeClr val="tx1"/>
+              </a:solidFill>
+              <a:latin typeface="+mn-lt"/>
+              <a:ea typeface="+mn-ea"/>
+              <a:cs typeface="+mn-cs"/>
+            </a:endParaRPr>
+          </a:p>
+          <a:p>
+            <a:r>
+              <a:rPr lang="en-US" altLang="zh-TW" sz="1200" kern="1200" dirty="0" smtClean="0">
+                <a:solidFill>
+                  <a:schemeClr val="tx1"/>
+                </a:solidFill>
+                <a:latin typeface="+mn-lt"/>
+                <a:ea typeface="+mn-ea"/>
+                <a:cs typeface="+mn-cs"/>
+              </a:rPr>
+              <a:t>--</a:t>
+            </a:r>
+            <a:r>
+              <a:rPr lang="zh-TW" altLang="en-US" sz="1200" kern="1200" dirty="0" smtClean="0">
+                <a:solidFill>
+                  <a:schemeClr val="tx1"/>
+                </a:solidFill>
+                <a:latin typeface="+mn-lt"/>
+                <a:ea typeface="+mn-ea"/>
+                <a:cs typeface="+mn-cs"/>
+              </a:rPr>
+              <a:t>建立</a:t>
+            </a:r>
+            <a:r>
+              <a:rPr lang="en-US" altLang="zh-TW" sz="1200" kern="1200" dirty="0" smtClean="0">
+                <a:solidFill>
+                  <a:schemeClr val="tx1"/>
+                </a:solidFill>
+                <a:latin typeface="+mn-lt"/>
+                <a:ea typeface="+mn-ea"/>
+                <a:cs typeface="+mn-cs"/>
+              </a:rPr>
+              <a:t>view</a:t>
+            </a:r>
+            <a:r>
+              <a:rPr lang="zh-TW" altLang="en-US" sz="1200" kern="1200" dirty="0" smtClean="0">
+                <a:solidFill>
+                  <a:schemeClr val="tx1"/>
+                </a:solidFill>
+                <a:latin typeface="+mn-lt"/>
+                <a:ea typeface="+mn-ea"/>
+                <a:cs typeface="+mn-cs"/>
+              </a:rPr>
+              <a:t>索引</a:t>
+            </a:r>
+          </a:p>
+          <a:p>
+            <a:r>
+              <a:rPr lang="en-US" altLang="zh-TW" sz="1200" kern="1200" dirty="0" smtClean="0">
+                <a:solidFill>
+                  <a:schemeClr val="tx1"/>
+                </a:solidFill>
+                <a:latin typeface="+mn-lt"/>
+                <a:ea typeface="+mn-ea"/>
+                <a:cs typeface="+mn-cs"/>
+              </a:rPr>
+              <a:t>CREATE UNIQUE CLUSTERED INDEX </a:t>
+            </a:r>
+            <a:r>
+              <a:rPr lang="en-US" altLang="zh-TW" sz="1200" kern="1200" dirty="0" err="1" smtClean="0">
+                <a:solidFill>
+                  <a:schemeClr val="tx1"/>
+                </a:solidFill>
+                <a:latin typeface="+mn-lt"/>
+                <a:ea typeface="+mn-ea"/>
+                <a:cs typeface="+mn-cs"/>
+              </a:rPr>
+              <a:t>PK_View_Pax_Cnma</a:t>
+            </a:r>
+            <a:endParaRPr lang="en-US" altLang="zh-TW" sz="1200" kern="1200" dirty="0" smtClean="0">
+              <a:solidFill>
+                <a:schemeClr val="tx1"/>
+              </a:solidFill>
+              <a:latin typeface="+mn-lt"/>
+              <a:ea typeface="+mn-ea"/>
+              <a:cs typeface="+mn-cs"/>
+            </a:endParaRPr>
+          </a:p>
+          <a:p>
+            <a:r>
+              <a:rPr lang="en-US" altLang="zh-TW" sz="1200" kern="1200" dirty="0" smtClean="0">
+                <a:solidFill>
+                  <a:schemeClr val="tx1"/>
+                </a:solidFill>
+                <a:latin typeface="+mn-lt"/>
+                <a:ea typeface="+mn-ea"/>
+                <a:cs typeface="+mn-cs"/>
+              </a:rPr>
+              <a:t>ON </a:t>
+            </a:r>
+            <a:r>
+              <a:rPr lang="en-US" altLang="zh-TW" sz="1200" kern="1200" dirty="0" err="1" smtClean="0">
+                <a:solidFill>
+                  <a:schemeClr val="tx1"/>
+                </a:solidFill>
+                <a:latin typeface="+mn-lt"/>
+                <a:ea typeface="+mn-ea"/>
+                <a:cs typeface="+mn-cs"/>
+              </a:rPr>
+              <a:t>View_Pax_Cnma</a:t>
+            </a:r>
+            <a:r>
+              <a:rPr lang="en-US" altLang="zh-TW" sz="1200" kern="1200" dirty="0" smtClean="0">
+                <a:solidFill>
+                  <a:schemeClr val="tx1"/>
+                </a:solidFill>
+                <a:latin typeface="+mn-lt"/>
+                <a:ea typeface="+mn-ea"/>
+                <a:cs typeface="+mn-cs"/>
+              </a:rPr>
+              <a:t> (PAX_CD) </a:t>
+            </a:r>
+          </a:p>
+          <a:p>
+            <a:r>
+              <a:rPr lang="en-US" altLang="zh-TW" sz="1200" kern="1200" dirty="0" smtClean="0">
+                <a:solidFill>
+                  <a:schemeClr val="tx1"/>
+                </a:solidFill>
+                <a:latin typeface="+mn-lt"/>
+                <a:ea typeface="+mn-ea"/>
+                <a:cs typeface="+mn-cs"/>
+              </a:rPr>
+              <a:t>--</a:t>
+            </a:r>
+            <a:r>
+              <a:rPr lang="zh-TW" altLang="en-US" sz="1200" kern="1200" dirty="0" smtClean="0">
+                <a:solidFill>
+                  <a:schemeClr val="tx1"/>
+                </a:solidFill>
+                <a:latin typeface="+mn-lt"/>
+                <a:ea typeface="+mn-ea"/>
+                <a:cs typeface="+mn-cs"/>
+              </a:rPr>
+              <a:t>建立</a:t>
+            </a:r>
+            <a:r>
+              <a:rPr lang="en-US" altLang="zh-TW" sz="1200" kern="1200" dirty="0" smtClean="0">
+                <a:solidFill>
+                  <a:schemeClr val="tx1"/>
+                </a:solidFill>
+                <a:latin typeface="+mn-lt"/>
+                <a:ea typeface="+mn-ea"/>
+                <a:cs typeface="+mn-cs"/>
+              </a:rPr>
+              <a:t>index</a:t>
+            </a:r>
+          </a:p>
+          <a:p>
+            <a:r>
+              <a:rPr lang="en-US" altLang="zh-TW" sz="1200" kern="1200" dirty="0" smtClean="0">
+                <a:solidFill>
+                  <a:schemeClr val="tx1"/>
+                </a:solidFill>
+                <a:latin typeface="+mn-lt"/>
+                <a:ea typeface="+mn-ea"/>
+                <a:cs typeface="+mn-cs"/>
+              </a:rPr>
+              <a:t>CREATE NONCLUSTERED INDEX NCI_View_Pax_Cnm1a</a:t>
+            </a:r>
+          </a:p>
+          <a:p>
+            <a:r>
+              <a:rPr lang="en-US" altLang="zh-TW" sz="1200" kern="1200" dirty="0" smtClean="0">
+                <a:solidFill>
+                  <a:schemeClr val="tx1"/>
+                </a:solidFill>
+                <a:latin typeface="+mn-lt"/>
+                <a:ea typeface="+mn-ea"/>
+                <a:cs typeface="+mn-cs"/>
+              </a:rPr>
+              <a:t>ON </a:t>
+            </a:r>
+            <a:r>
+              <a:rPr lang="en-US" altLang="zh-TW" sz="1200" kern="1200" dirty="0" err="1" smtClean="0">
+                <a:solidFill>
+                  <a:schemeClr val="tx1"/>
+                </a:solidFill>
+                <a:latin typeface="+mn-lt"/>
+                <a:ea typeface="+mn-ea"/>
+                <a:cs typeface="+mn-cs"/>
+              </a:rPr>
+              <a:t>View_Pax_Cnma</a:t>
+            </a:r>
+            <a:r>
+              <a:rPr lang="en-US" altLang="zh-TW" sz="1200" kern="1200" dirty="0" smtClean="0">
+                <a:solidFill>
+                  <a:schemeClr val="tx1"/>
+                </a:solidFill>
+                <a:latin typeface="+mn-lt"/>
+                <a:ea typeface="+mn-ea"/>
+                <a:cs typeface="+mn-cs"/>
+              </a:rPr>
+              <a:t> (PAX_CNM) </a:t>
+            </a:r>
+          </a:p>
+          <a:p>
+            <a:r>
+              <a:rPr lang="en-US" altLang="zh-TW" sz="1200" kern="1200" dirty="0" smtClean="0">
+                <a:solidFill>
+                  <a:schemeClr val="tx1"/>
+                </a:solidFill>
+                <a:latin typeface="+mn-lt"/>
+                <a:ea typeface="+mn-ea"/>
+                <a:cs typeface="+mn-cs"/>
+              </a:rPr>
+              <a:t>INCLUDE (PAX_CD)</a:t>
+            </a:r>
+          </a:p>
+          <a:p>
+            <a:r>
+              <a:rPr lang="en-US" altLang="zh-TW" sz="1200" kern="1200" dirty="0" smtClean="0">
+                <a:solidFill>
+                  <a:schemeClr val="tx1"/>
+                </a:solidFill>
+                <a:latin typeface="+mn-lt"/>
+                <a:ea typeface="+mn-ea"/>
+                <a:cs typeface="+mn-cs"/>
+              </a:rPr>
+              <a:t>--</a:t>
+            </a:r>
+            <a:r>
+              <a:rPr lang="zh-TW" altLang="en-US" sz="1200" kern="1200" dirty="0" smtClean="0">
+                <a:solidFill>
+                  <a:schemeClr val="tx1"/>
+                </a:solidFill>
+                <a:latin typeface="+mn-lt"/>
+                <a:ea typeface="+mn-ea"/>
+                <a:cs typeface="+mn-cs"/>
+              </a:rPr>
+              <a:t>檢視</a:t>
+            </a:r>
+            <a:r>
+              <a:rPr lang="en-US" altLang="zh-TW" sz="1200" kern="1200" dirty="0" smtClean="0">
+                <a:solidFill>
+                  <a:schemeClr val="tx1"/>
+                </a:solidFill>
+                <a:latin typeface="+mn-lt"/>
+                <a:ea typeface="+mn-ea"/>
+                <a:cs typeface="+mn-cs"/>
+              </a:rPr>
+              <a:t>view</a:t>
+            </a:r>
+          </a:p>
+          <a:p>
+            <a:r>
+              <a:rPr lang="en-US" altLang="zh-TW" sz="1200" kern="1200" dirty="0" smtClean="0">
+                <a:solidFill>
+                  <a:schemeClr val="tx1"/>
+                </a:solidFill>
+                <a:latin typeface="+mn-lt"/>
+                <a:ea typeface="+mn-ea"/>
+                <a:cs typeface="+mn-cs"/>
+              </a:rPr>
+              <a:t>select * from  </a:t>
+            </a:r>
+            <a:r>
+              <a:rPr lang="en-US" altLang="zh-TW" sz="1200" kern="1200" dirty="0" err="1" smtClean="0">
+                <a:solidFill>
+                  <a:schemeClr val="tx1"/>
+                </a:solidFill>
+                <a:latin typeface="+mn-lt"/>
+                <a:ea typeface="+mn-ea"/>
+                <a:cs typeface="+mn-cs"/>
+              </a:rPr>
+              <a:t>View_Pax_Cnm</a:t>
+            </a:r>
+            <a:endParaRPr lang="en-US" altLang="zh-TW" sz="1200" kern="1200" dirty="0" smtClean="0">
+              <a:solidFill>
+                <a:schemeClr val="tx1"/>
+              </a:solidFill>
+              <a:latin typeface="+mn-lt"/>
+              <a:ea typeface="+mn-ea"/>
+              <a:cs typeface="+mn-cs"/>
+            </a:endParaRPr>
+          </a:p>
+          <a:p>
+            <a:r>
+              <a:rPr lang="en-US" altLang="zh-TW" sz="1200" kern="1200" dirty="0" smtClean="0">
+                <a:solidFill>
+                  <a:schemeClr val="tx1"/>
+                </a:solidFill>
+                <a:latin typeface="+mn-lt"/>
+                <a:ea typeface="+mn-ea"/>
+                <a:cs typeface="+mn-cs"/>
+              </a:rPr>
+              <a:t>--</a:t>
+            </a:r>
+            <a:r>
+              <a:rPr lang="zh-TW" altLang="en-US" sz="1200" kern="1200" dirty="0" smtClean="0">
+                <a:solidFill>
+                  <a:schemeClr val="tx1"/>
+                </a:solidFill>
+                <a:latin typeface="+mn-lt"/>
+                <a:ea typeface="+mn-ea"/>
+                <a:cs typeface="+mn-cs"/>
+              </a:rPr>
+              <a:t>刪除</a:t>
+            </a:r>
+            <a:r>
+              <a:rPr lang="en-US" altLang="zh-TW" sz="1200" kern="1200" dirty="0" smtClean="0">
+                <a:solidFill>
+                  <a:schemeClr val="tx1"/>
+                </a:solidFill>
+                <a:latin typeface="+mn-lt"/>
+                <a:ea typeface="+mn-ea"/>
+                <a:cs typeface="+mn-cs"/>
+              </a:rPr>
+              <a:t>view</a:t>
+            </a:r>
+          </a:p>
+          <a:p>
+            <a:r>
+              <a:rPr lang="en-US" altLang="zh-TW" sz="1200" kern="1200" dirty="0" smtClean="0">
+                <a:solidFill>
+                  <a:schemeClr val="tx1"/>
+                </a:solidFill>
+                <a:latin typeface="+mn-lt"/>
+                <a:ea typeface="+mn-ea"/>
+                <a:cs typeface="+mn-cs"/>
+              </a:rPr>
+              <a:t>drop VIEW </a:t>
+            </a:r>
+            <a:r>
+              <a:rPr lang="en-US" altLang="zh-TW" sz="1200" kern="1200" dirty="0" err="1" smtClean="0">
+                <a:solidFill>
+                  <a:schemeClr val="tx1"/>
+                </a:solidFill>
+                <a:latin typeface="+mn-lt"/>
+                <a:ea typeface="+mn-ea"/>
+                <a:cs typeface="+mn-cs"/>
+              </a:rPr>
+              <a:t>View_Pax_Cnma</a:t>
+            </a:r>
+            <a:endParaRPr lang="en-US" altLang="zh-TW" sz="1200" kern="1200" dirty="0" smtClean="0">
+              <a:solidFill>
+                <a:schemeClr val="tx1"/>
+              </a:solidFill>
+              <a:latin typeface="+mn-lt"/>
+              <a:ea typeface="+mn-ea"/>
+              <a:cs typeface="+mn-cs"/>
+            </a:endParaRPr>
+          </a:p>
+          <a:p>
+            <a:endParaRPr lang="zh-TW" altLang="en-US" dirty="0"/>
+          </a:p>
+        </p:txBody>
+      </p:sp>
+      <p:sp>
+        <p:nvSpPr>
+          <p:cNvPr id="4" name="投影片編號版面配置區 3"/>
+          <p:cNvSpPr>
+            <a:spLocks noGrp="1"/>
+          </p:cNvSpPr>
+          <p:nvPr>
+            <p:ph type="sldNum" sz="quarter" idx="10"/>
+          </p:nvPr>
+        </p:nvSpPr>
+        <p:spPr/>
+        <p:txBody>
+          <a:bodyPr/>
+          <a:lstStyle/>
+          <a:p>
+            <a:fld id="{2B1663CF-8C17-4655-AA89-0972D7B0EC7B}" type="slidenum">
+              <a:rPr lang="zh-TW" altLang="en-US" smtClean="0"/>
+              <a:t>6</a:t>
+            </a:fld>
+            <a:endParaRPr lang="zh-TW" altLang="en-US"/>
+          </a:p>
+        </p:txBody>
+      </p:sp>
+    </p:spTree>
+  </p:cSld>
+  <p:clrMapOvr>
+    <a:masterClrMapping/>
+  </p:clrMapOvr>
+</p:notes>
+</file>
+
+<file path=ppt/notesSlides/notesSlide5.xml><?xml version="1.0" encoding="utf-8"?>
+<p:notes xmlns:a="http://schemas.openxmlformats.org/drawingml/2006/main" xmlns:r="http://schemas.openxmlformats.org/officeDocument/2006/relationships" xmlns:p="http://schemas.openxmlformats.org/presentationml/2006/main">
+  <p:cSld>
+    <p:spTree>
+      <p:nvGrpSpPr>
+        <p:cNvPr id="1" name=""/>
+        <p:cNvGrpSpPr/>
+        <p:nvPr/>
+      </p:nvGrpSpPr>
+      <p:grpSpPr>
+        <a:xfrm>
+          <a:off x="0" y="0"/>
+          <a:ext cx="0" cy="0"/>
+          <a:chOff x="0" y="0"/>
+          <a:chExt cx="0" cy="0"/>
+        </a:xfrm>
+      </p:grpSpPr>
+      <p:sp>
+        <p:nvSpPr>
+          <p:cNvPr id="2" name="投影片圖像版面配置區 1"/>
+          <p:cNvSpPr>
+            <a:spLocks noGrp="1" noRot="1" noChangeAspect="1"/>
+          </p:cNvSpPr>
+          <p:nvPr>
+            <p:ph type="sldImg"/>
+          </p:nvPr>
+        </p:nvSpPr>
+        <p:spPr/>
+      </p:sp>
+      <p:sp>
+        <p:nvSpPr>
+          <p:cNvPr id="3" name="備忘稿版面配置區 2"/>
+          <p:cNvSpPr>
+            <a:spLocks noGrp="1"/>
+          </p:cNvSpPr>
+          <p:nvPr>
+            <p:ph type="body" idx="1"/>
+          </p:nvPr>
+        </p:nvSpPr>
+        <p:spPr/>
+        <p:txBody>
+          <a:bodyPr>
+            <a:normAutofit/>
+          </a:bodyPr>
+          <a:lstStyle/>
+          <a:p>
+            <a:endParaRPr lang="zh-TW" altLang="en-US" sz="1200" kern="1200" dirty="0" smtClean="0">
+              <a:solidFill>
+                <a:schemeClr val="tx1"/>
+              </a:solidFill>
+              <a:latin typeface="+mn-lt"/>
+              <a:ea typeface="+mn-ea"/>
+              <a:cs typeface="+mn-cs"/>
+            </a:endParaRPr>
+          </a:p>
+          <a:p>
+            <a:r>
+              <a:rPr lang="en-US" altLang="zh-TW" sz="1200" kern="1200" dirty="0" smtClean="0">
+                <a:solidFill>
+                  <a:schemeClr val="tx1"/>
+                </a:solidFill>
+                <a:latin typeface="+mn-lt"/>
+                <a:ea typeface="+mn-ea"/>
+                <a:cs typeface="+mn-cs"/>
+              </a:rPr>
+              <a:t>select * ,ROW_NUMBER() OVER(ORDER BY </a:t>
+            </a:r>
+            <a:r>
+              <a:rPr lang="en-US" altLang="zh-TW" sz="1200" kern="1200" dirty="0" err="1" smtClean="0">
+                <a:solidFill>
+                  <a:schemeClr val="tx1"/>
+                </a:solidFill>
+                <a:latin typeface="+mn-lt"/>
+                <a:ea typeface="+mn-ea"/>
+                <a:cs typeface="+mn-cs"/>
+              </a:rPr>
+              <a:t>Totle</a:t>
+            </a:r>
+            <a:r>
+              <a:rPr lang="en-US" altLang="zh-TW" sz="1200" kern="1200" dirty="0" smtClean="0">
+                <a:solidFill>
+                  <a:schemeClr val="tx1"/>
+                </a:solidFill>
+                <a:latin typeface="+mn-lt"/>
+                <a:ea typeface="+mn-ea"/>
+                <a:cs typeface="+mn-cs"/>
+              </a:rPr>
+              <a:t> </a:t>
+            </a:r>
+            <a:r>
+              <a:rPr lang="en-US" altLang="zh-TW" sz="1200" kern="1200" dirty="0" err="1" smtClean="0">
+                <a:solidFill>
+                  <a:schemeClr val="tx1"/>
+                </a:solidFill>
+                <a:latin typeface="+mn-lt"/>
+                <a:ea typeface="+mn-ea"/>
+                <a:cs typeface="+mn-cs"/>
+              </a:rPr>
+              <a:t>desc</a:t>
+            </a:r>
+            <a:r>
+              <a:rPr lang="en-US" altLang="zh-TW" sz="1200" kern="1200" dirty="0" smtClean="0">
+                <a:solidFill>
+                  <a:schemeClr val="tx1"/>
+                </a:solidFill>
+                <a:latin typeface="+mn-lt"/>
+                <a:ea typeface="+mn-ea"/>
+                <a:cs typeface="+mn-cs"/>
+              </a:rPr>
+              <a:t>)as sq</a:t>
+            </a:r>
+          </a:p>
+          <a:p>
+            <a:r>
+              <a:rPr lang="en-US" altLang="zh-TW" sz="1200" kern="1200" dirty="0" smtClean="0">
+                <a:solidFill>
+                  <a:schemeClr val="tx1"/>
+                </a:solidFill>
+                <a:latin typeface="+mn-lt"/>
+                <a:ea typeface="+mn-ea"/>
+                <a:cs typeface="+mn-cs"/>
+              </a:rPr>
+              <a:t>into </a:t>
+            </a:r>
+            <a:r>
+              <a:rPr lang="en-US" altLang="zh-TW" sz="1200" kern="1200" dirty="0" err="1" smtClean="0">
+                <a:solidFill>
+                  <a:schemeClr val="tx1"/>
+                </a:solidFill>
+                <a:latin typeface="+mn-lt"/>
+                <a:ea typeface="+mn-ea"/>
+                <a:cs typeface="+mn-cs"/>
+              </a:rPr>
+              <a:t>tmpa</a:t>
+            </a:r>
+            <a:endParaRPr lang="en-US" altLang="zh-TW" sz="1200" kern="1200" dirty="0" smtClean="0">
+              <a:solidFill>
+                <a:schemeClr val="tx1"/>
+              </a:solidFill>
+              <a:latin typeface="+mn-lt"/>
+              <a:ea typeface="+mn-ea"/>
+              <a:cs typeface="+mn-cs"/>
+            </a:endParaRPr>
+          </a:p>
+          <a:p>
+            <a:r>
+              <a:rPr lang="en-US" altLang="zh-TW" sz="1200" kern="1200" dirty="0" smtClean="0">
+                <a:solidFill>
+                  <a:schemeClr val="tx1"/>
+                </a:solidFill>
+                <a:latin typeface="+mn-lt"/>
+                <a:ea typeface="+mn-ea"/>
+                <a:cs typeface="+mn-cs"/>
+              </a:rPr>
+              <a:t>from (</a:t>
+            </a:r>
+          </a:p>
+          <a:p>
+            <a:r>
+              <a:rPr lang="en-US" altLang="zh-TW" sz="1200" kern="1200" dirty="0" smtClean="0">
+                <a:solidFill>
+                  <a:schemeClr val="tx1"/>
+                </a:solidFill>
+                <a:latin typeface="+mn-lt"/>
+                <a:ea typeface="+mn-ea"/>
+                <a:cs typeface="+mn-cs"/>
+              </a:rPr>
+              <a:t>select * , </a:t>
+            </a:r>
+            <a:r>
+              <a:rPr lang="en-US" altLang="zh-TW" sz="1200" kern="1200" dirty="0" err="1" smtClean="0">
+                <a:solidFill>
+                  <a:schemeClr val="tx1"/>
+                </a:solidFill>
+                <a:latin typeface="+mn-lt"/>
+                <a:ea typeface="+mn-ea"/>
+                <a:cs typeface="+mn-cs"/>
+              </a:rPr>
+              <a:t>isnull</a:t>
+            </a:r>
+            <a:r>
+              <a:rPr lang="en-US" altLang="zh-TW" sz="1200" kern="1200" dirty="0" smtClean="0">
+                <a:solidFill>
+                  <a:schemeClr val="tx1"/>
+                </a:solidFill>
+                <a:latin typeface="+mn-lt"/>
+                <a:ea typeface="+mn-ea"/>
+                <a:cs typeface="+mn-cs"/>
+              </a:rPr>
+              <a:t>([</a:t>
+            </a:r>
+            <a:r>
+              <a:rPr lang="en-US" altLang="zh-TW" sz="1200" kern="1200" dirty="0" err="1" smtClean="0">
+                <a:solidFill>
+                  <a:schemeClr val="tx1"/>
+                </a:solidFill>
+                <a:latin typeface="+mn-lt"/>
+                <a:ea typeface="+mn-ea"/>
+                <a:cs typeface="+mn-cs"/>
+              </a:rPr>
+              <a:t>Peache</a:t>
+            </a:r>
+            <a:r>
+              <a:rPr lang="en-US" altLang="zh-TW" sz="1200" kern="1200" dirty="0" smtClean="0">
+                <a:solidFill>
+                  <a:schemeClr val="tx1"/>
+                </a:solidFill>
+                <a:latin typeface="+mn-lt"/>
+                <a:ea typeface="+mn-ea"/>
+                <a:cs typeface="+mn-cs"/>
+              </a:rPr>
+              <a:t>],0)+</a:t>
+            </a:r>
+            <a:r>
+              <a:rPr lang="en-US" altLang="zh-TW" sz="1200" kern="1200" dirty="0" err="1" smtClean="0">
+                <a:solidFill>
+                  <a:schemeClr val="tx1"/>
+                </a:solidFill>
+                <a:latin typeface="+mn-lt"/>
+                <a:ea typeface="+mn-ea"/>
+                <a:cs typeface="+mn-cs"/>
+              </a:rPr>
+              <a:t>isnull</a:t>
+            </a:r>
+            <a:r>
+              <a:rPr lang="en-US" altLang="zh-TW" sz="1200" kern="1200" dirty="0" smtClean="0">
+                <a:solidFill>
+                  <a:schemeClr val="tx1"/>
+                </a:solidFill>
+                <a:latin typeface="+mn-lt"/>
+                <a:ea typeface="+mn-ea"/>
+                <a:cs typeface="+mn-cs"/>
+              </a:rPr>
+              <a:t>([Apple],0)+</a:t>
+            </a:r>
+            <a:r>
+              <a:rPr lang="en-US" altLang="zh-TW" sz="1200" kern="1200" dirty="0" err="1" smtClean="0">
+                <a:solidFill>
+                  <a:schemeClr val="tx1"/>
+                </a:solidFill>
+                <a:latin typeface="+mn-lt"/>
+                <a:ea typeface="+mn-ea"/>
+                <a:cs typeface="+mn-cs"/>
+              </a:rPr>
+              <a:t>isnull</a:t>
+            </a:r>
+            <a:r>
+              <a:rPr lang="en-US" altLang="zh-TW" sz="1200" kern="1200" dirty="0" smtClean="0">
+                <a:solidFill>
+                  <a:schemeClr val="tx1"/>
+                </a:solidFill>
+                <a:latin typeface="+mn-lt"/>
+                <a:ea typeface="+mn-ea"/>
+                <a:cs typeface="+mn-cs"/>
+              </a:rPr>
+              <a:t>([banana],0) as </a:t>
+            </a:r>
+            <a:r>
+              <a:rPr lang="en-US" altLang="zh-TW" sz="1200" kern="1200" dirty="0" err="1" smtClean="0">
+                <a:solidFill>
+                  <a:schemeClr val="tx1"/>
+                </a:solidFill>
+                <a:latin typeface="+mn-lt"/>
+                <a:ea typeface="+mn-ea"/>
+                <a:cs typeface="+mn-cs"/>
+              </a:rPr>
+              <a:t>Totle</a:t>
+            </a:r>
+            <a:r>
+              <a:rPr lang="en-US" altLang="zh-TW" sz="1200" kern="1200" dirty="0" smtClean="0">
+                <a:solidFill>
+                  <a:schemeClr val="tx1"/>
+                </a:solidFill>
+                <a:latin typeface="+mn-lt"/>
+                <a:ea typeface="+mn-ea"/>
+                <a:cs typeface="+mn-cs"/>
+              </a:rPr>
+              <a:t> </a:t>
+            </a:r>
+          </a:p>
+          <a:p>
+            <a:r>
+              <a:rPr lang="en-US" altLang="zh-TW" sz="1200" kern="1200" dirty="0" smtClean="0">
+                <a:solidFill>
+                  <a:schemeClr val="tx1"/>
+                </a:solidFill>
+                <a:latin typeface="+mn-lt"/>
+                <a:ea typeface="+mn-ea"/>
+                <a:cs typeface="+mn-cs"/>
+              </a:rPr>
+              <a:t>from (</a:t>
+            </a:r>
+          </a:p>
+          <a:p>
+            <a:r>
+              <a:rPr lang="en-US" altLang="zh-TW" sz="1200" kern="1200" dirty="0" smtClean="0">
+                <a:solidFill>
+                  <a:schemeClr val="tx1"/>
+                </a:solidFill>
+                <a:latin typeface="+mn-lt"/>
+                <a:ea typeface="+mn-ea"/>
+                <a:cs typeface="+mn-cs"/>
+              </a:rPr>
+              <a:t>SELECT * FROM (</a:t>
+            </a:r>
+          </a:p>
+          <a:p>
+            <a:r>
+              <a:rPr lang="en-US" altLang="zh-TW" sz="1200" kern="1200" dirty="0" smtClean="0">
+                <a:solidFill>
+                  <a:schemeClr val="tx1"/>
+                </a:solidFill>
+                <a:latin typeface="+mn-lt"/>
+                <a:ea typeface="+mn-ea"/>
+                <a:cs typeface="+mn-cs"/>
+              </a:rPr>
+              <a:t>select </a:t>
+            </a:r>
+            <a:r>
+              <a:rPr lang="en-US" altLang="zh-TW" sz="1200" kern="1200" dirty="0" err="1" smtClean="0">
+                <a:solidFill>
+                  <a:schemeClr val="tx1"/>
+                </a:solidFill>
+                <a:latin typeface="+mn-lt"/>
+                <a:ea typeface="+mn-ea"/>
+                <a:cs typeface="+mn-cs"/>
+              </a:rPr>
+              <a:t>o.ID,o.commodity,o.amount</a:t>
+            </a:r>
+            <a:endParaRPr lang="en-US" altLang="zh-TW" sz="1200" kern="1200" dirty="0" smtClean="0">
+              <a:solidFill>
+                <a:schemeClr val="tx1"/>
+              </a:solidFill>
+              <a:latin typeface="+mn-lt"/>
+              <a:ea typeface="+mn-ea"/>
+              <a:cs typeface="+mn-cs"/>
+            </a:endParaRPr>
+          </a:p>
+          <a:p>
+            <a:r>
+              <a:rPr lang="en-US" altLang="zh-TW" sz="1200" kern="1200" dirty="0" smtClean="0">
+                <a:solidFill>
+                  <a:schemeClr val="tx1"/>
+                </a:solidFill>
+                <a:latin typeface="+mn-lt"/>
+                <a:ea typeface="+mn-ea"/>
+                <a:cs typeface="+mn-cs"/>
+              </a:rPr>
+              <a:t>from Orders o</a:t>
+            </a:r>
+          </a:p>
+          <a:p>
+            <a:r>
+              <a:rPr lang="en-US" altLang="zh-TW" sz="1200" kern="1200" dirty="0" smtClean="0">
+                <a:solidFill>
+                  <a:schemeClr val="tx1"/>
+                </a:solidFill>
+                <a:latin typeface="+mn-lt"/>
+                <a:ea typeface="+mn-ea"/>
+                <a:cs typeface="+mn-cs"/>
+              </a:rPr>
+              <a:t>) T</a:t>
+            </a:r>
+          </a:p>
+          <a:p>
+            <a:r>
+              <a:rPr lang="en-US" altLang="zh-TW" sz="1200" kern="1200" dirty="0" smtClean="0">
+                <a:solidFill>
+                  <a:schemeClr val="tx1"/>
+                </a:solidFill>
+                <a:latin typeface="+mn-lt"/>
+                <a:ea typeface="+mn-ea"/>
+                <a:cs typeface="+mn-cs"/>
+              </a:rPr>
+              <a:t>PIVOT (</a:t>
+            </a:r>
+          </a:p>
+          <a:p>
+            <a:r>
+              <a:rPr lang="en-US" altLang="zh-TW" sz="1200" kern="1200" dirty="0" smtClean="0">
+                <a:solidFill>
+                  <a:schemeClr val="tx1"/>
+                </a:solidFill>
+                <a:latin typeface="+mn-lt"/>
+                <a:ea typeface="+mn-ea"/>
+                <a:cs typeface="+mn-cs"/>
+              </a:rPr>
+              <a:t>SUM(amount) FOR commodity  IN (</a:t>
+            </a:r>
+            <a:r>
+              <a:rPr lang="en-US" altLang="zh-TW" sz="1200" kern="1200" dirty="0" err="1" smtClean="0">
+                <a:solidFill>
+                  <a:schemeClr val="tx1"/>
+                </a:solidFill>
+                <a:latin typeface="+mn-lt"/>
+                <a:ea typeface="+mn-ea"/>
+                <a:cs typeface="+mn-cs"/>
+              </a:rPr>
+              <a:t>Peache,Apple,banana</a:t>
+            </a:r>
+            <a:r>
+              <a:rPr lang="en-US" altLang="zh-TW" sz="1200" kern="1200" dirty="0" smtClean="0">
+                <a:solidFill>
+                  <a:schemeClr val="tx1"/>
+                </a:solidFill>
+                <a:latin typeface="+mn-lt"/>
+                <a:ea typeface="+mn-ea"/>
+                <a:cs typeface="+mn-cs"/>
+              </a:rPr>
+              <a:t>) </a:t>
+            </a:r>
+          </a:p>
+          <a:p>
+            <a:r>
+              <a:rPr lang="en-US" altLang="zh-TW" sz="1200" kern="1200" dirty="0" smtClean="0">
+                <a:solidFill>
+                  <a:schemeClr val="tx1"/>
+                </a:solidFill>
+                <a:latin typeface="+mn-lt"/>
+                <a:ea typeface="+mn-ea"/>
+                <a:cs typeface="+mn-cs"/>
+              </a:rPr>
+              <a:t>) AS </a:t>
+            </a:r>
+            <a:r>
+              <a:rPr lang="en-US" altLang="zh-TW" sz="1200" kern="1200" dirty="0" err="1" smtClean="0">
+                <a:solidFill>
+                  <a:schemeClr val="tx1"/>
+                </a:solidFill>
+                <a:latin typeface="+mn-lt"/>
+                <a:ea typeface="+mn-ea"/>
+                <a:cs typeface="+mn-cs"/>
+              </a:rPr>
+              <a:t>pvt</a:t>
+            </a:r>
+            <a:endParaRPr lang="en-US" altLang="zh-TW" sz="1200" kern="1200" dirty="0" smtClean="0">
+              <a:solidFill>
+                <a:schemeClr val="tx1"/>
+              </a:solidFill>
+              <a:latin typeface="+mn-lt"/>
+              <a:ea typeface="+mn-ea"/>
+              <a:cs typeface="+mn-cs"/>
+            </a:endParaRPr>
+          </a:p>
+          <a:p>
+            <a:r>
+              <a:rPr lang="en-US" altLang="zh-TW" sz="1200" kern="1200" dirty="0" smtClean="0">
+                <a:solidFill>
+                  <a:schemeClr val="tx1"/>
+                </a:solidFill>
+                <a:latin typeface="+mn-lt"/>
+                <a:ea typeface="+mn-ea"/>
+                <a:cs typeface="+mn-cs"/>
+              </a:rPr>
+              <a:t>) T</a:t>
+            </a:r>
+          </a:p>
+          <a:p>
+            <a:r>
+              <a:rPr lang="en-US" altLang="zh-TW" sz="1200" kern="1200" dirty="0" smtClean="0">
+                <a:solidFill>
+                  <a:schemeClr val="tx1"/>
+                </a:solidFill>
+                <a:latin typeface="+mn-lt"/>
+                <a:ea typeface="+mn-ea"/>
+                <a:cs typeface="+mn-cs"/>
+              </a:rPr>
+              <a:t>)T1</a:t>
+            </a:r>
+          </a:p>
+          <a:p>
+            <a:r>
+              <a:rPr lang="en-US" altLang="zh-TW" sz="1200" kern="1200" dirty="0" smtClean="0">
+                <a:solidFill>
+                  <a:schemeClr val="tx1"/>
+                </a:solidFill>
+                <a:latin typeface="+mn-lt"/>
+                <a:ea typeface="+mn-ea"/>
+                <a:cs typeface="+mn-cs"/>
+              </a:rPr>
+              <a:t>--</a:t>
+            </a:r>
+            <a:r>
+              <a:rPr lang="zh-TW" altLang="en-US" sz="1200" kern="1200" dirty="0" smtClean="0">
+                <a:solidFill>
+                  <a:schemeClr val="tx1"/>
+                </a:solidFill>
+                <a:latin typeface="+mn-lt"/>
+                <a:ea typeface="+mn-ea"/>
+                <a:cs typeface="+mn-cs"/>
+              </a:rPr>
+              <a:t>轉置後的表</a:t>
+            </a:r>
+          </a:p>
+          <a:p>
+            <a:r>
+              <a:rPr lang="en-US" altLang="zh-TW" sz="1200" kern="1200" dirty="0" smtClean="0">
+                <a:solidFill>
+                  <a:schemeClr val="tx1"/>
+                </a:solidFill>
+                <a:latin typeface="+mn-lt"/>
+                <a:ea typeface="+mn-ea"/>
+                <a:cs typeface="+mn-cs"/>
+              </a:rPr>
+              <a:t>select * from </a:t>
+            </a:r>
+            <a:r>
+              <a:rPr lang="en-US" altLang="zh-TW" sz="1200" kern="1200" dirty="0" err="1" smtClean="0">
+                <a:solidFill>
+                  <a:schemeClr val="tx1"/>
+                </a:solidFill>
+                <a:latin typeface="+mn-lt"/>
+                <a:ea typeface="+mn-ea"/>
+                <a:cs typeface="+mn-cs"/>
+              </a:rPr>
+              <a:t>tmpa</a:t>
+            </a:r>
+            <a:endParaRPr lang="en-US" altLang="zh-TW" sz="1200" kern="1200" dirty="0" smtClean="0">
+              <a:solidFill>
+                <a:schemeClr val="tx1"/>
+              </a:solidFill>
+              <a:latin typeface="+mn-lt"/>
+              <a:ea typeface="+mn-ea"/>
+              <a:cs typeface="+mn-cs"/>
+            </a:endParaRPr>
+          </a:p>
+          <a:p>
+            <a:endParaRPr lang="zh-TW" altLang="en-US" sz="1200" kern="1200" dirty="0" smtClean="0">
+              <a:solidFill>
+                <a:schemeClr val="tx1"/>
+              </a:solidFill>
+              <a:latin typeface="+mn-lt"/>
+              <a:ea typeface="+mn-ea"/>
+              <a:cs typeface="+mn-cs"/>
+            </a:endParaRPr>
+          </a:p>
+          <a:p>
+            <a:r>
+              <a:rPr lang="en-US" altLang="zh-TW" sz="1200" kern="1200" dirty="0" smtClean="0">
+                <a:solidFill>
+                  <a:schemeClr val="tx1"/>
+                </a:solidFill>
+                <a:latin typeface="+mn-lt"/>
+                <a:ea typeface="+mn-ea"/>
+                <a:cs typeface="+mn-cs"/>
+              </a:rPr>
+              <a:t>--</a:t>
+            </a:r>
+            <a:r>
+              <a:rPr lang="zh-TW" altLang="en-US" sz="1200" kern="1200" dirty="0" smtClean="0">
+                <a:solidFill>
+                  <a:schemeClr val="tx1"/>
+                </a:solidFill>
+                <a:latin typeface="+mn-lt"/>
+                <a:ea typeface="+mn-ea"/>
+                <a:cs typeface="+mn-cs"/>
+              </a:rPr>
+              <a:t>反轉置</a:t>
+            </a:r>
+          </a:p>
+          <a:p>
+            <a:r>
+              <a:rPr lang="en-US" altLang="zh-TW" sz="1200" kern="1200" dirty="0" smtClean="0">
+                <a:solidFill>
+                  <a:schemeClr val="tx1"/>
+                </a:solidFill>
+                <a:latin typeface="+mn-lt"/>
+                <a:ea typeface="+mn-ea"/>
+                <a:cs typeface="+mn-cs"/>
+              </a:rPr>
+              <a:t>select * from </a:t>
+            </a:r>
+            <a:r>
+              <a:rPr lang="en-US" altLang="zh-TW" sz="1200" kern="1200" dirty="0" err="1" smtClean="0">
+                <a:solidFill>
+                  <a:schemeClr val="tx1"/>
+                </a:solidFill>
+                <a:latin typeface="+mn-lt"/>
+                <a:ea typeface="+mn-ea"/>
+                <a:cs typeface="+mn-cs"/>
+              </a:rPr>
+              <a:t>tmpa</a:t>
+            </a:r>
+            <a:endParaRPr lang="en-US" altLang="zh-TW" sz="1200" kern="1200" dirty="0" smtClean="0">
+              <a:solidFill>
+                <a:schemeClr val="tx1"/>
+              </a:solidFill>
+              <a:latin typeface="+mn-lt"/>
+              <a:ea typeface="+mn-ea"/>
+              <a:cs typeface="+mn-cs"/>
+            </a:endParaRPr>
+          </a:p>
+          <a:p>
+            <a:r>
+              <a:rPr lang="en-US" altLang="zh-TW" sz="1200" kern="1200" dirty="0" err="1" smtClean="0">
+                <a:solidFill>
+                  <a:schemeClr val="tx1"/>
+                </a:solidFill>
+                <a:latin typeface="+mn-lt"/>
+                <a:ea typeface="+mn-ea"/>
+                <a:cs typeface="+mn-cs"/>
+              </a:rPr>
+              <a:t>unpivot</a:t>
+            </a:r>
+            <a:r>
+              <a:rPr lang="en-US" altLang="zh-TW" sz="1200" kern="1200" dirty="0" smtClean="0">
+                <a:solidFill>
+                  <a:schemeClr val="tx1"/>
+                </a:solidFill>
+                <a:latin typeface="+mn-lt"/>
+                <a:ea typeface="+mn-ea"/>
+                <a:cs typeface="+mn-cs"/>
+              </a:rPr>
+              <a:t> (amt for </a:t>
+            </a:r>
+            <a:r>
+              <a:rPr lang="en-US" altLang="zh-TW" sz="1200" kern="1200" dirty="0" err="1" smtClean="0">
+                <a:solidFill>
+                  <a:schemeClr val="tx1"/>
+                </a:solidFill>
+                <a:latin typeface="+mn-lt"/>
+                <a:ea typeface="+mn-ea"/>
+                <a:cs typeface="+mn-cs"/>
+              </a:rPr>
+              <a:t>tp</a:t>
+            </a:r>
+            <a:r>
+              <a:rPr lang="en-US" altLang="zh-TW" sz="1200" kern="1200" dirty="0" smtClean="0">
+                <a:solidFill>
+                  <a:schemeClr val="tx1"/>
+                </a:solidFill>
+                <a:latin typeface="+mn-lt"/>
+                <a:ea typeface="+mn-ea"/>
+                <a:cs typeface="+mn-cs"/>
+              </a:rPr>
+              <a:t> in ([apple],[banana],[</a:t>
+            </a:r>
+            <a:r>
+              <a:rPr lang="en-US" altLang="zh-TW" sz="1200" kern="1200" dirty="0" err="1" smtClean="0">
+                <a:solidFill>
+                  <a:schemeClr val="tx1"/>
+                </a:solidFill>
+                <a:latin typeface="+mn-lt"/>
+                <a:ea typeface="+mn-ea"/>
+                <a:cs typeface="+mn-cs"/>
+              </a:rPr>
+              <a:t>peache</a:t>
+            </a:r>
+            <a:r>
+              <a:rPr lang="en-US" altLang="zh-TW" sz="1200" kern="1200" dirty="0" smtClean="0">
+                <a:solidFill>
+                  <a:schemeClr val="tx1"/>
+                </a:solidFill>
+                <a:latin typeface="+mn-lt"/>
+                <a:ea typeface="+mn-ea"/>
+                <a:cs typeface="+mn-cs"/>
+              </a:rPr>
+              <a:t>])) as T</a:t>
+            </a:r>
+          </a:p>
+          <a:p>
+            <a:r>
+              <a:rPr lang="en-US" altLang="zh-TW" sz="1200" kern="1200" dirty="0" smtClean="0">
+                <a:solidFill>
+                  <a:schemeClr val="tx1"/>
+                </a:solidFill>
+                <a:latin typeface="+mn-lt"/>
+                <a:ea typeface="+mn-ea"/>
+                <a:cs typeface="+mn-cs"/>
+              </a:rPr>
+              <a:t>drop table </a:t>
+            </a:r>
+            <a:r>
+              <a:rPr lang="en-US" altLang="zh-TW" sz="1200" kern="1200" dirty="0" err="1" smtClean="0">
+                <a:solidFill>
+                  <a:schemeClr val="tx1"/>
+                </a:solidFill>
+                <a:latin typeface="+mn-lt"/>
+                <a:ea typeface="+mn-ea"/>
+                <a:cs typeface="+mn-cs"/>
+              </a:rPr>
+              <a:t>tmpa</a:t>
+            </a:r>
+            <a:endParaRPr lang="en-US" altLang="zh-TW" sz="1200" kern="1200" dirty="0" smtClean="0">
+              <a:solidFill>
+                <a:schemeClr val="tx1"/>
+              </a:solidFill>
+              <a:latin typeface="+mn-lt"/>
+              <a:ea typeface="+mn-ea"/>
+              <a:cs typeface="+mn-cs"/>
+            </a:endParaRPr>
+          </a:p>
+          <a:p>
+            <a:endParaRPr lang="zh-TW" altLang="en-US" sz="1200" kern="1200" dirty="0" smtClean="0">
+              <a:solidFill>
+                <a:schemeClr val="tx1"/>
+              </a:solidFill>
+              <a:latin typeface="+mn-lt"/>
+              <a:ea typeface="+mn-ea"/>
+              <a:cs typeface="+mn-cs"/>
+            </a:endParaRPr>
+          </a:p>
+          <a:p>
+            <a:endParaRPr lang="en-US" altLang="zh-TW" sz="1200" kern="1200" dirty="0" smtClean="0">
+              <a:solidFill>
+                <a:schemeClr val="tx1"/>
+              </a:solidFill>
+              <a:latin typeface="+mn-lt"/>
+              <a:ea typeface="+mn-ea"/>
+              <a:cs typeface="+mn-cs"/>
+            </a:endParaRPr>
+          </a:p>
+        </p:txBody>
+      </p:sp>
+      <p:sp>
+        <p:nvSpPr>
+          <p:cNvPr id="4" name="投影片編號版面配置區 3"/>
+          <p:cNvSpPr>
+            <a:spLocks noGrp="1"/>
+          </p:cNvSpPr>
+          <p:nvPr>
+            <p:ph type="sldNum" sz="quarter" idx="10"/>
+          </p:nvPr>
+        </p:nvSpPr>
+        <p:spPr/>
+        <p:txBody>
+          <a:bodyPr/>
+          <a:lstStyle/>
+          <a:p>
+            <a:fld id="{2B1663CF-8C17-4655-AA89-0972D7B0EC7B}" type="slidenum">
+              <a:rPr lang="zh-TW" altLang="en-US" smtClean="0"/>
+              <a:t>8</a:t>
+            </a:fld>
+            <a:endParaRPr lang="zh-TW" altLang="en-US"/>
+          </a:p>
+        </p:txBody>
+      </p:sp>
+    </p:spTree>
+  </p:cSld>
+  <p:clrMapOvr>
+    <a:masterClrMapping/>
+  </p:clrMapOvr>
+</p:notes>
+</file>
+
+<file path=ppt/notesSlides/notesSlide6.xml><?xml version="1.0" encoding="utf-8"?>
+<p:notes xmlns:a="http://schemas.openxmlformats.org/drawingml/2006/main" xmlns:r="http://schemas.openxmlformats.org/officeDocument/2006/relationships" xmlns:p="http://schemas.openxmlformats.org/presentationml/2006/main">
+  <p:cSld>
+    <p:spTree>
+      <p:nvGrpSpPr>
+        <p:cNvPr id="1" name=""/>
+        <p:cNvGrpSpPr/>
+        <p:nvPr/>
+      </p:nvGrpSpPr>
+      <p:grpSpPr>
+        <a:xfrm>
+          <a:off x="0" y="0"/>
+          <a:ext cx="0" cy="0"/>
+          <a:chOff x="0" y="0"/>
+          <a:chExt cx="0" cy="0"/>
+        </a:xfrm>
+      </p:grpSpPr>
+      <p:sp>
+        <p:nvSpPr>
+          <p:cNvPr id="2" name="投影片圖像版面配置區 1"/>
+          <p:cNvSpPr>
+            <a:spLocks noGrp="1" noRot="1" noChangeAspect="1"/>
+          </p:cNvSpPr>
+          <p:nvPr>
+            <p:ph type="sldImg"/>
+          </p:nvPr>
+        </p:nvSpPr>
+        <p:spPr/>
+      </p:sp>
+      <p:sp>
+        <p:nvSpPr>
+          <p:cNvPr id="3" name="備忘稿版面配置區 2"/>
+          <p:cNvSpPr>
+            <a:spLocks noGrp="1"/>
+          </p:cNvSpPr>
+          <p:nvPr>
+            <p:ph type="body" idx="1"/>
+          </p:nvPr>
+        </p:nvSpPr>
+        <p:spPr/>
+        <p:txBody>
+          <a:bodyPr>
+            <a:normAutofit/>
+          </a:bodyPr>
+          <a:lstStyle/>
+          <a:p>
+            <a:endParaRPr lang="zh-TW" altLang="en-US" sz="1200" kern="1200" dirty="0" smtClean="0">
+              <a:solidFill>
+                <a:schemeClr val="tx1"/>
+              </a:solidFill>
+              <a:latin typeface="+mn-lt"/>
+              <a:ea typeface="+mn-ea"/>
+              <a:cs typeface="+mn-cs"/>
+            </a:endParaRPr>
+          </a:p>
+          <a:p>
+            <a:endParaRPr lang="zh-TW" altLang="en-US" sz="1200" kern="1200" dirty="0" smtClean="0">
+              <a:solidFill>
+                <a:schemeClr val="tx1"/>
+              </a:solidFill>
+              <a:latin typeface="+mn-lt"/>
+              <a:ea typeface="+mn-ea"/>
+              <a:cs typeface="+mn-cs"/>
+            </a:endParaRPr>
+          </a:p>
+          <a:p>
+            <a:r>
+              <a:rPr lang="en-US" altLang="zh-TW" sz="1200" kern="1200" dirty="0" smtClean="0">
+                <a:solidFill>
+                  <a:schemeClr val="tx1"/>
+                </a:solidFill>
+                <a:latin typeface="+mn-lt"/>
+                <a:ea typeface="+mn-ea"/>
+                <a:cs typeface="+mn-cs"/>
+              </a:rPr>
+              <a:t>--FOR XML</a:t>
+            </a:r>
+          </a:p>
+          <a:p>
+            <a:r>
+              <a:rPr lang="en-US" altLang="zh-TW" sz="1200" kern="1200" dirty="0" smtClean="0">
+                <a:solidFill>
+                  <a:schemeClr val="tx1"/>
+                </a:solidFill>
+                <a:latin typeface="+mn-lt"/>
+                <a:ea typeface="+mn-ea"/>
+                <a:cs typeface="+mn-cs"/>
+              </a:rPr>
+              <a:t>--FOR XML PATH  </a:t>
+            </a:r>
+          </a:p>
+          <a:p>
+            <a:r>
+              <a:rPr lang="en-US" altLang="zh-TW" sz="1200" kern="1200" dirty="0" smtClean="0">
+                <a:solidFill>
+                  <a:schemeClr val="tx1"/>
+                </a:solidFill>
+                <a:latin typeface="+mn-lt"/>
+                <a:ea typeface="+mn-ea"/>
+                <a:cs typeface="+mn-cs"/>
+              </a:rPr>
+              <a:t>SELECT id , </a:t>
+            </a:r>
+          </a:p>
+          <a:p>
+            <a:r>
+              <a:rPr lang="en-US" altLang="zh-TW" sz="1200" kern="1200" dirty="0" smtClean="0">
+                <a:solidFill>
+                  <a:schemeClr val="tx1"/>
+                </a:solidFill>
+                <a:latin typeface="+mn-lt"/>
+                <a:ea typeface="+mn-ea"/>
+                <a:cs typeface="+mn-cs"/>
+              </a:rPr>
+              <a:t>       commodity ,amount</a:t>
+            </a:r>
+          </a:p>
+          <a:p>
+            <a:r>
+              <a:rPr lang="en-US" altLang="zh-TW" sz="1200" kern="1200" dirty="0" smtClean="0">
+                <a:solidFill>
+                  <a:schemeClr val="tx1"/>
+                </a:solidFill>
+                <a:latin typeface="+mn-lt"/>
+                <a:ea typeface="+mn-ea"/>
+                <a:cs typeface="+mn-cs"/>
+              </a:rPr>
+              <a:t>FROM orders </a:t>
+            </a:r>
+          </a:p>
+          <a:p>
+            <a:r>
+              <a:rPr lang="en-US" altLang="zh-TW" sz="1200" kern="1200" dirty="0" smtClean="0">
+                <a:solidFill>
+                  <a:schemeClr val="tx1"/>
+                </a:solidFill>
+                <a:latin typeface="+mn-lt"/>
+                <a:ea typeface="+mn-ea"/>
+                <a:cs typeface="+mn-cs"/>
+              </a:rPr>
+              <a:t>WHERE id=7 </a:t>
+            </a:r>
+          </a:p>
+          <a:p>
+            <a:r>
+              <a:rPr lang="en-US" altLang="zh-TW" sz="1200" kern="1200" dirty="0" smtClean="0">
+                <a:solidFill>
+                  <a:schemeClr val="tx1"/>
+                </a:solidFill>
+                <a:latin typeface="+mn-lt"/>
+                <a:ea typeface="+mn-ea"/>
+                <a:cs typeface="+mn-cs"/>
+              </a:rPr>
+              <a:t>FOR XML PATH  </a:t>
+            </a:r>
+          </a:p>
+          <a:p>
+            <a:endParaRPr lang="zh-TW" altLang="en-US" sz="1200" kern="1200" dirty="0" smtClean="0">
+              <a:solidFill>
+                <a:schemeClr val="tx1"/>
+              </a:solidFill>
+              <a:latin typeface="+mn-lt"/>
+              <a:ea typeface="+mn-ea"/>
+              <a:cs typeface="+mn-cs"/>
+            </a:endParaRPr>
+          </a:p>
+          <a:p>
+            <a:r>
+              <a:rPr lang="en-US" altLang="zh-TW" sz="1200" kern="1200" dirty="0" smtClean="0">
+                <a:solidFill>
+                  <a:schemeClr val="tx1"/>
+                </a:solidFill>
+                <a:latin typeface="+mn-lt"/>
+                <a:ea typeface="+mn-ea"/>
+                <a:cs typeface="+mn-cs"/>
+              </a:rPr>
+              <a:t>SELECT CAST(</a:t>
+            </a:r>
+            <a:r>
+              <a:rPr lang="en-US" altLang="zh-TW" sz="1200" kern="1200" dirty="0" err="1" smtClean="0">
+                <a:solidFill>
+                  <a:schemeClr val="tx1"/>
+                </a:solidFill>
+                <a:latin typeface="+mn-lt"/>
+                <a:ea typeface="+mn-ea"/>
+                <a:cs typeface="+mn-cs"/>
+              </a:rPr>
+              <a:t>isnull</a:t>
+            </a:r>
+            <a:r>
+              <a:rPr lang="en-US" altLang="zh-TW" sz="1200" kern="1200" dirty="0" smtClean="0">
+                <a:solidFill>
+                  <a:schemeClr val="tx1"/>
+                </a:solidFill>
+                <a:latin typeface="+mn-lt"/>
+                <a:ea typeface="+mn-ea"/>
+                <a:cs typeface="+mn-cs"/>
+              </a:rPr>
+              <a:t>(commodity,'') AS VARCHAR)  +' - ' + CONVERT(</a:t>
+            </a:r>
+            <a:r>
+              <a:rPr lang="en-US" altLang="zh-TW" sz="1200" kern="1200" dirty="0" err="1" smtClean="0">
+                <a:solidFill>
+                  <a:schemeClr val="tx1"/>
+                </a:solidFill>
+                <a:latin typeface="+mn-lt"/>
+                <a:ea typeface="+mn-ea"/>
+                <a:cs typeface="+mn-cs"/>
+              </a:rPr>
+              <a:t>varchar</a:t>
+            </a:r>
+            <a:r>
+              <a:rPr lang="en-US" altLang="zh-TW" sz="1200" kern="1200" dirty="0" smtClean="0">
+                <a:solidFill>
+                  <a:schemeClr val="tx1"/>
+                </a:solidFill>
+                <a:latin typeface="+mn-lt"/>
+                <a:ea typeface="+mn-ea"/>
+                <a:cs typeface="+mn-cs"/>
+              </a:rPr>
+              <a:t>,(amount))+' | '</a:t>
+            </a:r>
+          </a:p>
+          <a:p>
+            <a:r>
+              <a:rPr lang="en-US" altLang="zh-TW" sz="1200" kern="1200" dirty="0" smtClean="0">
+                <a:solidFill>
+                  <a:schemeClr val="tx1"/>
+                </a:solidFill>
+                <a:latin typeface="+mn-lt"/>
+                <a:ea typeface="+mn-ea"/>
+                <a:cs typeface="+mn-cs"/>
+              </a:rPr>
+              <a:t>FROM orders </a:t>
+            </a:r>
+          </a:p>
+          <a:p>
+            <a:r>
+              <a:rPr lang="en-US" altLang="zh-TW" sz="1200" kern="1200" dirty="0" smtClean="0">
+                <a:solidFill>
+                  <a:schemeClr val="tx1"/>
+                </a:solidFill>
+                <a:latin typeface="+mn-lt"/>
+                <a:ea typeface="+mn-ea"/>
+                <a:cs typeface="+mn-cs"/>
+              </a:rPr>
+              <a:t>WHERE id=7 </a:t>
+            </a:r>
+          </a:p>
+          <a:p>
+            <a:r>
+              <a:rPr lang="en-US" altLang="zh-TW" sz="1200" kern="1200" dirty="0" smtClean="0">
+                <a:solidFill>
+                  <a:schemeClr val="tx1"/>
+                </a:solidFill>
+                <a:latin typeface="+mn-lt"/>
+                <a:ea typeface="+mn-ea"/>
+                <a:cs typeface="+mn-cs"/>
+              </a:rPr>
+              <a:t>FOR XML PATH('')  </a:t>
+            </a:r>
+          </a:p>
+          <a:p>
+            <a:endParaRPr lang="en-US" altLang="zh-TW" sz="1200" kern="1200" dirty="0" smtClean="0">
+              <a:solidFill>
+                <a:schemeClr val="tx1"/>
+              </a:solidFill>
+              <a:latin typeface="+mn-lt"/>
+              <a:ea typeface="+mn-ea"/>
+              <a:cs typeface="+mn-cs"/>
+            </a:endParaRPr>
+          </a:p>
+          <a:p>
+            <a:r>
+              <a:rPr lang="en-US" altLang="zh-TW" sz="1200" kern="1200" dirty="0" smtClean="0">
+                <a:solidFill>
+                  <a:schemeClr val="tx1"/>
+                </a:solidFill>
+                <a:latin typeface="+mn-lt"/>
+                <a:ea typeface="+mn-ea"/>
+                <a:cs typeface="+mn-cs"/>
+              </a:rPr>
+              <a:t>--FOR XML RAW </a:t>
+            </a:r>
+          </a:p>
+          <a:p>
+            <a:r>
+              <a:rPr lang="en-US" altLang="zh-TW" sz="1200" kern="1200" dirty="0" smtClean="0">
+                <a:solidFill>
+                  <a:schemeClr val="tx1"/>
+                </a:solidFill>
+                <a:latin typeface="+mn-lt"/>
+                <a:ea typeface="+mn-ea"/>
+                <a:cs typeface="+mn-cs"/>
+              </a:rPr>
+              <a:t>select PAX_CD,PAX_CNML+PAX_CNMF as PAX_CNM </a:t>
+            </a:r>
+          </a:p>
+          <a:p>
+            <a:r>
+              <a:rPr lang="en-US" altLang="zh-TW" sz="1200" kern="1200" dirty="0" smtClean="0">
+                <a:solidFill>
+                  <a:schemeClr val="tx1"/>
+                </a:solidFill>
+                <a:latin typeface="+mn-lt"/>
+                <a:ea typeface="+mn-ea"/>
+                <a:cs typeface="+mn-cs"/>
+              </a:rPr>
+              <a:t>from </a:t>
+            </a:r>
+            <a:r>
+              <a:rPr lang="en-US" altLang="zh-TW" sz="1200" kern="1200" dirty="0" err="1" smtClean="0">
+                <a:solidFill>
+                  <a:schemeClr val="tx1"/>
+                </a:solidFill>
+                <a:latin typeface="+mn-lt"/>
+                <a:ea typeface="+mn-ea"/>
+                <a:cs typeface="+mn-cs"/>
+              </a:rPr>
+              <a:t>dbo.TRPAX</a:t>
+            </a:r>
+            <a:r>
+              <a:rPr lang="en-US" altLang="zh-TW" sz="1200" kern="1200" dirty="0" smtClean="0">
+                <a:solidFill>
+                  <a:schemeClr val="tx1"/>
+                </a:solidFill>
+                <a:latin typeface="+mn-lt"/>
+                <a:ea typeface="+mn-ea"/>
+                <a:cs typeface="+mn-cs"/>
+              </a:rPr>
+              <a:t> AS P</a:t>
+            </a:r>
+          </a:p>
+          <a:p>
+            <a:r>
+              <a:rPr lang="en-US" altLang="zh-TW" sz="1200" kern="1200" dirty="0" smtClean="0">
+                <a:solidFill>
+                  <a:schemeClr val="tx1"/>
+                </a:solidFill>
+                <a:latin typeface="+mn-lt"/>
+                <a:ea typeface="+mn-ea"/>
+                <a:cs typeface="+mn-cs"/>
+              </a:rPr>
+              <a:t>FOR XML RAW, TYPE,ROOT('</a:t>
+            </a:r>
+            <a:r>
+              <a:rPr lang="en-US" altLang="zh-TW" sz="1200" kern="1200" dirty="0" err="1" smtClean="0">
+                <a:solidFill>
+                  <a:schemeClr val="tx1"/>
+                </a:solidFill>
+                <a:latin typeface="+mn-lt"/>
+                <a:ea typeface="+mn-ea"/>
+                <a:cs typeface="+mn-cs"/>
+              </a:rPr>
+              <a:t>myRoot</a:t>
+            </a:r>
+            <a:r>
+              <a:rPr lang="en-US" altLang="zh-TW" sz="1200" kern="1200" dirty="0" smtClean="0">
+                <a:solidFill>
+                  <a:schemeClr val="tx1"/>
+                </a:solidFill>
+                <a:latin typeface="+mn-lt"/>
+                <a:ea typeface="+mn-ea"/>
+                <a:cs typeface="+mn-cs"/>
+              </a:rPr>
+              <a:t>')</a:t>
+            </a:r>
+          </a:p>
+          <a:p>
+            <a:endParaRPr lang="zh-TW" altLang="en-US" sz="1200" kern="1200" dirty="0" smtClean="0">
+              <a:solidFill>
+                <a:schemeClr val="tx1"/>
+              </a:solidFill>
+              <a:latin typeface="+mn-lt"/>
+              <a:ea typeface="+mn-ea"/>
+              <a:cs typeface="+mn-cs"/>
+            </a:endParaRPr>
+          </a:p>
+          <a:p>
+            <a:r>
+              <a:rPr lang="en-US" altLang="zh-TW" sz="1200" kern="1200" dirty="0" smtClean="0">
+                <a:solidFill>
+                  <a:schemeClr val="tx1"/>
+                </a:solidFill>
+                <a:latin typeface="+mn-lt"/>
+                <a:ea typeface="+mn-ea"/>
+                <a:cs typeface="+mn-cs"/>
+              </a:rPr>
+              <a:t>--FOR XML AUT</a:t>
+            </a:r>
+          </a:p>
+          <a:p>
+            <a:r>
+              <a:rPr lang="en-US" altLang="zh-TW" sz="1200" kern="1200" dirty="0" smtClean="0">
+                <a:solidFill>
+                  <a:schemeClr val="tx1"/>
+                </a:solidFill>
+                <a:latin typeface="+mn-lt"/>
+                <a:ea typeface="+mn-ea"/>
+                <a:cs typeface="+mn-cs"/>
+              </a:rPr>
+              <a:t>select PAX_CD,PAX_CNML+PAX_CNMF as PAX_CNM </a:t>
+            </a:r>
+          </a:p>
+          <a:p>
+            <a:r>
+              <a:rPr lang="en-US" altLang="zh-TW" sz="1200" kern="1200" dirty="0" smtClean="0">
+                <a:solidFill>
+                  <a:schemeClr val="tx1"/>
+                </a:solidFill>
+                <a:latin typeface="+mn-lt"/>
+                <a:ea typeface="+mn-ea"/>
+                <a:cs typeface="+mn-cs"/>
+              </a:rPr>
+              <a:t>from </a:t>
+            </a:r>
+            <a:r>
+              <a:rPr lang="en-US" altLang="zh-TW" sz="1200" kern="1200" dirty="0" err="1" smtClean="0">
+                <a:solidFill>
+                  <a:schemeClr val="tx1"/>
+                </a:solidFill>
+                <a:latin typeface="+mn-lt"/>
+                <a:ea typeface="+mn-ea"/>
+                <a:cs typeface="+mn-cs"/>
+              </a:rPr>
+              <a:t>dbo.TRPAX</a:t>
+            </a:r>
+            <a:r>
+              <a:rPr lang="en-US" altLang="zh-TW" sz="1200" kern="1200" dirty="0" smtClean="0">
+                <a:solidFill>
+                  <a:schemeClr val="tx1"/>
+                </a:solidFill>
+                <a:latin typeface="+mn-lt"/>
+                <a:ea typeface="+mn-ea"/>
+                <a:cs typeface="+mn-cs"/>
+              </a:rPr>
+              <a:t> AS P</a:t>
+            </a:r>
+          </a:p>
+          <a:p>
+            <a:r>
+              <a:rPr lang="en-US" altLang="zh-TW" sz="1200" kern="1200" dirty="0" smtClean="0">
+                <a:solidFill>
+                  <a:schemeClr val="tx1"/>
+                </a:solidFill>
+                <a:latin typeface="+mn-lt"/>
+                <a:ea typeface="+mn-ea"/>
+                <a:cs typeface="+mn-cs"/>
+              </a:rPr>
+              <a:t>FOR XML AUTO, TYPE,ROOT('</a:t>
+            </a:r>
+            <a:r>
+              <a:rPr lang="en-US" altLang="zh-TW" sz="1200" kern="1200" dirty="0" err="1" smtClean="0">
+                <a:solidFill>
+                  <a:schemeClr val="tx1"/>
+                </a:solidFill>
+                <a:latin typeface="+mn-lt"/>
+                <a:ea typeface="+mn-ea"/>
+                <a:cs typeface="+mn-cs"/>
+              </a:rPr>
+              <a:t>myRoot</a:t>
+            </a:r>
+            <a:r>
+              <a:rPr lang="en-US" altLang="zh-TW" sz="1200" kern="1200" dirty="0" smtClean="0">
+                <a:solidFill>
+                  <a:schemeClr val="tx1"/>
+                </a:solidFill>
+                <a:latin typeface="+mn-lt"/>
+                <a:ea typeface="+mn-ea"/>
+                <a:cs typeface="+mn-cs"/>
+              </a:rPr>
+              <a:t>')</a:t>
+            </a:r>
+          </a:p>
+          <a:p>
+            <a:endParaRPr lang="zh-TW" altLang="en-US" sz="1200" kern="1200" dirty="0" smtClean="0">
+              <a:solidFill>
+                <a:schemeClr val="tx1"/>
+              </a:solidFill>
+              <a:latin typeface="+mn-lt"/>
+              <a:ea typeface="+mn-ea"/>
+              <a:cs typeface="+mn-cs"/>
+            </a:endParaRPr>
+          </a:p>
+          <a:p>
+            <a:r>
+              <a:rPr lang="en-US" altLang="zh-TW" sz="1200" kern="1200" dirty="0" smtClean="0">
+                <a:solidFill>
+                  <a:schemeClr val="tx1"/>
+                </a:solidFill>
+                <a:latin typeface="+mn-lt"/>
+                <a:ea typeface="+mn-ea"/>
+                <a:cs typeface="+mn-cs"/>
+              </a:rPr>
+              <a:t>--FOR XML RAW </a:t>
+            </a:r>
+            <a:r>
+              <a:rPr lang="zh-TW" altLang="en-US" sz="1200" kern="1200" dirty="0" smtClean="0">
+                <a:solidFill>
+                  <a:schemeClr val="tx1"/>
+                </a:solidFill>
+                <a:latin typeface="+mn-lt"/>
+                <a:ea typeface="+mn-ea"/>
+                <a:cs typeface="+mn-cs"/>
+              </a:rPr>
+              <a:t>與 </a:t>
+            </a:r>
+            <a:r>
+              <a:rPr lang="en-US" altLang="zh-TW" sz="1200" kern="1200" dirty="0" smtClean="0">
+                <a:solidFill>
+                  <a:schemeClr val="tx1"/>
+                </a:solidFill>
+                <a:latin typeface="+mn-lt"/>
+                <a:ea typeface="+mn-ea"/>
+                <a:cs typeface="+mn-cs"/>
+              </a:rPr>
+              <a:t>FOR XML AUTO</a:t>
+            </a:r>
+            <a:r>
+              <a:rPr lang="zh-TW" altLang="en-US" sz="1200" kern="1200" dirty="0" smtClean="0">
+                <a:solidFill>
+                  <a:schemeClr val="tx1"/>
+                </a:solidFill>
+                <a:latin typeface="+mn-lt"/>
+                <a:ea typeface="+mn-ea"/>
+                <a:cs typeface="+mn-cs"/>
+              </a:rPr>
+              <a:t>的差別 只是</a:t>
+            </a:r>
+            <a:r>
+              <a:rPr lang="en-US" altLang="zh-TW" sz="1200" kern="1200" dirty="0" smtClean="0">
+                <a:solidFill>
+                  <a:schemeClr val="tx1"/>
+                </a:solidFill>
+                <a:latin typeface="+mn-lt"/>
+                <a:ea typeface="+mn-ea"/>
+                <a:cs typeface="+mn-cs"/>
+              </a:rPr>
+              <a:t>Tag</a:t>
+            </a:r>
+            <a:r>
+              <a:rPr lang="zh-TW" altLang="en-US" sz="1200" kern="1200" dirty="0" smtClean="0">
+                <a:solidFill>
+                  <a:schemeClr val="tx1"/>
+                </a:solidFill>
+                <a:latin typeface="+mn-lt"/>
+                <a:ea typeface="+mn-ea"/>
+                <a:cs typeface="+mn-cs"/>
+              </a:rPr>
+              <a:t>的名稱不同其餘功能大至相同</a:t>
+            </a:r>
+          </a:p>
+          <a:p>
+            <a:endParaRPr lang="zh-TW" altLang="en-US" sz="1200" kern="1200" dirty="0" smtClean="0">
+              <a:solidFill>
+                <a:schemeClr val="tx1"/>
+              </a:solidFill>
+              <a:latin typeface="+mn-lt"/>
+              <a:ea typeface="+mn-ea"/>
+              <a:cs typeface="+mn-cs"/>
+            </a:endParaRPr>
+          </a:p>
+          <a:p>
+            <a:r>
+              <a:rPr lang="en-US" altLang="zh-TW" sz="1200" kern="1200" dirty="0" smtClean="0">
+                <a:solidFill>
+                  <a:schemeClr val="tx1"/>
+                </a:solidFill>
+                <a:latin typeface="+mn-lt"/>
+                <a:ea typeface="+mn-ea"/>
+                <a:cs typeface="+mn-cs"/>
+              </a:rPr>
+              <a:t>--FOR XML EXPLICIT</a:t>
+            </a:r>
+          </a:p>
+          <a:p>
+            <a:r>
+              <a:rPr lang="en-US" altLang="zh-TW" sz="1200" kern="1200" dirty="0" smtClean="0">
+                <a:solidFill>
+                  <a:schemeClr val="tx1"/>
+                </a:solidFill>
+                <a:latin typeface="+mn-lt"/>
+                <a:ea typeface="+mn-ea"/>
+                <a:cs typeface="+mn-cs"/>
+              </a:rPr>
+              <a:t>SELECT</a:t>
+            </a:r>
+          </a:p>
+          <a:p>
+            <a:r>
+              <a:rPr lang="en-US" altLang="zh-TW" sz="1200" kern="1200" dirty="0" smtClean="0">
+                <a:solidFill>
+                  <a:schemeClr val="tx1"/>
+                </a:solidFill>
+                <a:latin typeface="+mn-lt"/>
+                <a:ea typeface="+mn-ea"/>
+                <a:cs typeface="+mn-cs"/>
+              </a:rPr>
+              <a:t>    1 AS Tag,</a:t>
+            </a:r>
+          </a:p>
+          <a:p>
+            <a:r>
+              <a:rPr lang="en-US" altLang="zh-TW" sz="1200" kern="1200" dirty="0" smtClean="0">
+                <a:solidFill>
+                  <a:schemeClr val="tx1"/>
+                </a:solidFill>
+                <a:latin typeface="+mn-lt"/>
+                <a:ea typeface="+mn-ea"/>
+                <a:cs typeface="+mn-cs"/>
+              </a:rPr>
+              <a:t>    NULL AS Parent,</a:t>
+            </a:r>
+          </a:p>
+          <a:p>
+            <a:r>
+              <a:rPr lang="en-US" altLang="zh-TW" sz="1200" kern="1200" dirty="0" smtClean="0">
+                <a:solidFill>
+                  <a:schemeClr val="tx1"/>
+                </a:solidFill>
+                <a:latin typeface="+mn-lt"/>
+                <a:ea typeface="+mn-ea"/>
+                <a:cs typeface="+mn-cs"/>
+              </a:rPr>
+              <a:t>    NULL AS 'Agents!1!',</a:t>
+            </a:r>
+          </a:p>
+          <a:p>
+            <a:r>
+              <a:rPr lang="en-US" altLang="zh-TW" sz="1200" kern="1200" dirty="0" smtClean="0">
+                <a:solidFill>
+                  <a:schemeClr val="tx1"/>
+                </a:solidFill>
+                <a:latin typeface="+mn-lt"/>
+                <a:ea typeface="+mn-ea"/>
+                <a:cs typeface="+mn-cs"/>
+              </a:rPr>
+              <a:t>    NULL AS 'Agent!2!AgentID',</a:t>
+            </a:r>
+          </a:p>
+          <a:p>
+            <a:r>
+              <a:rPr lang="en-US" altLang="zh-TW" sz="1200" kern="1200" dirty="0" smtClean="0">
+                <a:solidFill>
+                  <a:schemeClr val="tx1"/>
+                </a:solidFill>
+                <a:latin typeface="+mn-lt"/>
+                <a:ea typeface="+mn-ea"/>
+                <a:cs typeface="+mn-cs"/>
+              </a:rPr>
+              <a:t>    NULL AS 'Agent!2!Fname!Element',</a:t>
+            </a:r>
+          </a:p>
+          <a:p>
+            <a:r>
+              <a:rPr lang="en-US" altLang="zh-TW" sz="1200" kern="1200" dirty="0" smtClean="0">
+                <a:solidFill>
+                  <a:schemeClr val="tx1"/>
+                </a:solidFill>
+                <a:latin typeface="+mn-lt"/>
+                <a:ea typeface="+mn-ea"/>
+                <a:cs typeface="+mn-cs"/>
+              </a:rPr>
+              <a:t>    NULL AS 'Agent!2!SSN!Element'</a:t>
+            </a:r>
+          </a:p>
+          <a:p>
+            <a:r>
+              <a:rPr lang="en-US" altLang="zh-TW" sz="1200" kern="1200" dirty="0" smtClean="0">
+                <a:solidFill>
+                  <a:schemeClr val="tx1"/>
+                </a:solidFill>
+                <a:latin typeface="+mn-lt"/>
+                <a:ea typeface="+mn-ea"/>
+                <a:cs typeface="+mn-cs"/>
+              </a:rPr>
+              <a:t>UNION ALL</a:t>
+            </a:r>
+          </a:p>
+          <a:p>
+            <a:r>
+              <a:rPr lang="en-US" altLang="zh-TW" sz="1200" kern="1200" dirty="0" smtClean="0">
+                <a:solidFill>
+                  <a:schemeClr val="tx1"/>
+                </a:solidFill>
+                <a:latin typeface="+mn-lt"/>
+                <a:ea typeface="+mn-ea"/>
+                <a:cs typeface="+mn-cs"/>
+              </a:rPr>
+              <a:t>SELECT</a:t>
+            </a:r>
+          </a:p>
+          <a:p>
+            <a:r>
+              <a:rPr lang="en-US" altLang="zh-TW" sz="1200" kern="1200" dirty="0" smtClean="0">
+                <a:solidFill>
+                  <a:schemeClr val="tx1"/>
+                </a:solidFill>
+                <a:latin typeface="+mn-lt"/>
+                <a:ea typeface="+mn-ea"/>
+                <a:cs typeface="+mn-cs"/>
+              </a:rPr>
+              <a:t>    2 AS Tag,</a:t>
+            </a:r>
+          </a:p>
+          <a:p>
+            <a:r>
+              <a:rPr lang="en-US" altLang="zh-TW" sz="1200" kern="1200" dirty="0" smtClean="0">
+                <a:solidFill>
+                  <a:schemeClr val="tx1"/>
+                </a:solidFill>
+                <a:latin typeface="+mn-lt"/>
+                <a:ea typeface="+mn-ea"/>
+                <a:cs typeface="+mn-cs"/>
+              </a:rPr>
+              <a:t>    1 AS Parent,</a:t>
+            </a:r>
+          </a:p>
+          <a:p>
+            <a:r>
+              <a:rPr lang="en-US" altLang="zh-TW" sz="1200" kern="1200" dirty="0" smtClean="0">
+                <a:solidFill>
+                  <a:schemeClr val="tx1"/>
+                </a:solidFill>
+                <a:latin typeface="+mn-lt"/>
+                <a:ea typeface="+mn-ea"/>
+                <a:cs typeface="+mn-cs"/>
+              </a:rPr>
+              <a:t>    NULL, </a:t>
+            </a:r>
+          </a:p>
+          <a:p>
+            <a:r>
+              <a:rPr lang="en-US" altLang="zh-TW" sz="1200" kern="1200" dirty="0" smtClean="0">
+                <a:solidFill>
+                  <a:schemeClr val="tx1"/>
+                </a:solidFill>
+                <a:latin typeface="+mn-lt"/>
+                <a:ea typeface="+mn-ea"/>
+                <a:cs typeface="+mn-cs"/>
+              </a:rPr>
+              <a:t>    '</a:t>
+            </a:r>
+            <a:r>
+              <a:rPr lang="en-US" altLang="zh-TW" sz="1200" kern="1200" dirty="0" err="1" smtClean="0">
+                <a:solidFill>
+                  <a:schemeClr val="tx1"/>
+                </a:solidFill>
+                <a:latin typeface="+mn-lt"/>
+                <a:ea typeface="+mn-ea"/>
+                <a:cs typeface="+mn-cs"/>
+              </a:rPr>
+              <a:t>AgentID</a:t>
+            </a:r>
+            <a:r>
+              <a:rPr lang="en-US" altLang="zh-TW" sz="1200" kern="1200" dirty="0" smtClean="0">
+                <a:solidFill>
+                  <a:schemeClr val="tx1"/>
+                </a:solidFill>
+                <a:latin typeface="+mn-lt"/>
+                <a:ea typeface="+mn-ea"/>
+                <a:cs typeface="+mn-cs"/>
+              </a:rPr>
+              <a:t>',</a:t>
+            </a:r>
+          </a:p>
+          <a:p>
+            <a:r>
+              <a:rPr lang="en-US" altLang="zh-TW" sz="1200" kern="1200" dirty="0" smtClean="0">
+                <a:solidFill>
+                  <a:schemeClr val="tx1"/>
+                </a:solidFill>
+                <a:latin typeface="+mn-lt"/>
+                <a:ea typeface="+mn-ea"/>
+                <a:cs typeface="+mn-cs"/>
+              </a:rPr>
+              <a:t>    '</a:t>
+            </a:r>
+            <a:r>
+              <a:rPr lang="en-US" altLang="zh-TW" sz="1200" kern="1200" dirty="0" err="1" smtClean="0">
+                <a:solidFill>
+                  <a:schemeClr val="tx1"/>
+                </a:solidFill>
+                <a:latin typeface="+mn-lt"/>
+                <a:ea typeface="+mn-ea"/>
+                <a:cs typeface="+mn-cs"/>
+              </a:rPr>
+              <a:t>Fname</a:t>
+            </a:r>
+            <a:r>
+              <a:rPr lang="en-US" altLang="zh-TW" sz="1200" kern="1200" dirty="0" smtClean="0">
+                <a:solidFill>
+                  <a:schemeClr val="tx1"/>
+                </a:solidFill>
+                <a:latin typeface="+mn-lt"/>
+                <a:ea typeface="+mn-ea"/>
+                <a:cs typeface="+mn-cs"/>
+              </a:rPr>
+              <a:t>',</a:t>
+            </a:r>
+          </a:p>
+          <a:p>
+            <a:r>
+              <a:rPr lang="en-US" altLang="zh-TW" sz="1200" kern="1200" dirty="0" smtClean="0">
+                <a:solidFill>
+                  <a:schemeClr val="tx1"/>
+                </a:solidFill>
+                <a:latin typeface="+mn-lt"/>
+                <a:ea typeface="+mn-ea"/>
+                <a:cs typeface="+mn-cs"/>
+              </a:rPr>
+              <a:t>    'SSN'</a:t>
+            </a:r>
+          </a:p>
+          <a:p>
+            <a:r>
+              <a:rPr lang="en-US" altLang="zh-TW" sz="1200" kern="1200" dirty="0" smtClean="0">
+                <a:solidFill>
+                  <a:schemeClr val="tx1"/>
+                </a:solidFill>
+                <a:latin typeface="+mn-lt"/>
+                <a:ea typeface="+mn-ea"/>
+                <a:cs typeface="+mn-cs"/>
+              </a:rPr>
+              <a:t>UNION ALL</a:t>
+            </a:r>
+          </a:p>
+          <a:p>
+            <a:r>
+              <a:rPr lang="en-US" altLang="zh-TW" sz="1200" kern="1200" dirty="0" smtClean="0">
+                <a:solidFill>
+                  <a:schemeClr val="tx1"/>
+                </a:solidFill>
+                <a:latin typeface="+mn-lt"/>
+                <a:ea typeface="+mn-ea"/>
+                <a:cs typeface="+mn-cs"/>
+              </a:rPr>
+              <a:t>SELECT</a:t>
+            </a:r>
+          </a:p>
+          <a:p>
+            <a:r>
+              <a:rPr lang="en-US" altLang="zh-TW" sz="1200" kern="1200" dirty="0" smtClean="0">
+                <a:solidFill>
+                  <a:schemeClr val="tx1"/>
+                </a:solidFill>
+                <a:latin typeface="+mn-lt"/>
+                <a:ea typeface="+mn-ea"/>
+                <a:cs typeface="+mn-cs"/>
+              </a:rPr>
+              <a:t>    2 AS Tag,</a:t>
+            </a:r>
+          </a:p>
+          <a:p>
+            <a:r>
+              <a:rPr lang="en-US" altLang="zh-TW" sz="1200" kern="1200" dirty="0" smtClean="0">
+                <a:solidFill>
+                  <a:schemeClr val="tx1"/>
+                </a:solidFill>
+                <a:latin typeface="+mn-lt"/>
+                <a:ea typeface="+mn-ea"/>
+                <a:cs typeface="+mn-cs"/>
+              </a:rPr>
+              <a:t>    1 AS Parent,</a:t>
+            </a:r>
+          </a:p>
+          <a:p>
+            <a:r>
+              <a:rPr lang="en-US" altLang="zh-TW" sz="1200" kern="1200" dirty="0" smtClean="0">
+                <a:solidFill>
+                  <a:schemeClr val="tx1"/>
+                </a:solidFill>
+                <a:latin typeface="+mn-lt"/>
+                <a:ea typeface="+mn-ea"/>
+                <a:cs typeface="+mn-cs"/>
+              </a:rPr>
+              <a:t>    NULL, </a:t>
+            </a:r>
+          </a:p>
+          <a:p>
+            <a:r>
+              <a:rPr lang="en-US" altLang="zh-TW" sz="1200" kern="1200" dirty="0" smtClean="0">
+                <a:solidFill>
+                  <a:schemeClr val="tx1"/>
+                </a:solidFill>
+                <a:latin typeface="+mn-lt"/>
+                <a:ea typeface="+mn-ea"/>
+                <a:cs typeface="+mn-cs"/>
+              </a:rPr>
+              <a:t>    'AgentID2',</a:t>
+            </a:r>
+          </a:p>
+          <a:p>
+            <a:r>
+              <a:rPr lang="en-US" altLang="zh-TW" sz="1200" kern="1200" dirty="0" smtClean="0">
+                <a:solidFill>
+                  <a:schemeClr val="tx1"/>
+                </a:solidFill>
+                <a:latin typeface="+mn-lt"/>
+                <a:ea typeface="+mn-ea"/>
+                <a:cs typeface="+mn-cs"/>
+              </a:rPr>
+              <a:t>    'Fname2',</a:t>
+            </a:r>
+          </a:p>
+          <a:p>
+            <a:r>
+              <a:rPr lang="en-US" altLang="zh-TW" sz="1200" kern="1200" dirty="0" smtClean="0">
+                <a:solidFill>
+                  <a:schemeClr val="tx1"/>
+                </a:solidFill>
+                <a:latin typeface="+mn-lt"/>
+                <a:ea typeface="+mn-ea"/>
+                <a:cs typeface="+mn-cs"/>
+              </a:rPr>
+              <a:t>    'SSN2'</a:t>
+            </a:r>
+          </a:p>
+          <a:p>
+            <a:r>
+              <a:rPr lang="en-US" altLang="zh-TW" sz="1200" kern="1200" dirty="0" smtClean="0">
+                <a:solidFill>
+                  <a:schemeClr val="tx1"/>
+                </a:solidFill>
+                <a:latin typeface="+mn-lt"/>
+                <a:ea typeface="+mn-ea"/>
+                <a:cs typeface="+mn-cs"/>
+              </a:rPr>
+              <a:t>FOR XML EXPLICIT</a:t>
+            </a:r>
+          </a:p>
+          <a:p>
+            <a:endParaRPr lang="zh-TW" altLang="en-US" sz="1200" kern="1200" dirty="0" smtClean="0">
+              <a:solidFill>
+                <a:schemeClr val="tx1"/>
+              </a:solidFill>
+              <a:latin typeface="+mn-lt"/>
+              <a:ea typeface="+mn-ea"/>
+              <a:cs typeface="+mn-cs"/>
+            </a:endParaRPr>
+          </a:p>
+          <a:p>
+            <a:endParaRPr lang="zh-TW" altLang="en-US" sz="1200" kern="1200" dirty="0" smtClean="0">
+              <a:solidFill>
+                <a:schemeClr val="tx1"/>
+              </a:solidFill>
+              <a:latin typeface="+mn-lt"/>
+              <a:ea typeface="+mn-ea"/>
+              <a:cs typeface="+mn-cs"/>
+            </a:endParaRPr>
+          </a:p>
+          <a:p>
+            <a:endParaRPr lang="zh-TW" altLang="en-US" sz="1200" kern="1200" dirty="0" smtClean="0">
+              <a:solidFill>
+                <a:schemeClr val="tx1"/>
+              </a:solidFill>
+              <a:latin typeface="+mn-lt"/>
+              <a:ea typeface="+mn-ea"/>
+              <a:cs typeface="+mn-cs"/>
+            </a:endParaRPr>
+          </a:p>
+          <a:p>
+            <a:endParaRPr lang="zh-TW" altLang="en-US" sz="1200" kern="1200" dirty="0" smtClean="0">
+              <a:solidFill>
+                <a:schemeClr val="tx1"/>
+              </a:solidFill>
+              <a:latin typeface="+mn-lt"/>
+              <a:ea typeface="+mn-ea"/>
+              <a:cs typeface="+mn-cs"/>
+            </a:endParaRPr>
+          </a:p>
+          <a:p>
+            <a:r>
+              <a:rPr lang="en-US" altLang="zh-TW" sz="1200" kern="1200" dirty="0" smtClean="0">
+                <a:solidFill>
+                  <a:schemeClr val="tx1"/>
+                </a:solidFill>
+                <a:latin typeface="+mn-lt"/>
+                <a:ea typeface="+mn-ea"/>
+                <a:cs typeface="+mn-cs"/>
+              </a:rPr>
+              <a:t>---EXPLICIT</a:t>
+            </a:r>
+            <a:r>
+              <a:rPr lang="zh-TW" altLang="en-US" sz="1200" kern="1200" dirty="0" smtClean="0">
+                <a:solidFill>
+                  <a:schemeClr val="tx1"/>
+                </a:solidFill>
+                <a:latin typeface="+mn-lt"/>
+                <a:ea typeface="+mn-ea"/>
+                <a:cs typeface="+mn-cs"/>
+              </a:rPr>
+              <a:t>進階</a:t>
+            </a:r>
+          </a:p>
+          <a:p>
+            <a:r>
+              <a:rPr lang="en-US" altLang="zh-TW" sz="1200" kern="1200" dirty="0" smtClean="0">
+                <a:solidFill>
+                  <a:schemeClr val="tx1"/>
+                </a:solidFill>
+                <a:latin typeface="+mn-lt"/>
+                <a:ea typeface="+mn-ea"/>
+                <a:cs typeface="+mn-cs"/>
+              </a:rPr>
+              <a:t>/*</a:t>
+            </a:r>
+          </a:p>
+          <a:p>
+            <a:r>
+              <a:rPr lang="en-US" altLang="zh-TW" sz="1200" kern="1200" dirty="0" smtClean="0">
+                <a:solidFill>
+                  <a:schemeClr val="tx1"/>
+                </a:solidFill>
+                <a:latin typeface="+mn-lt"/>
+                <a:ea typeface="+mn-ea"/>
+                <a:cs typeface="+mn-cs"/>
+              </a:rPr>
+              <a:t>Borrowed from Kent's code</a:t>
+            </a:r>
+          </a:p>
+          <a:p>
+            <a:r>
+              <a:rPr lang="zh-TW" altLang="en-US" sz="1200" kern="1200" dirty="0" smtClean="0">
+                <a:solidFill>
+                  <a:schemeClr val="tx1"/>
+                </a:solidFill>
+                <a:latin typeface="+mn-lt"/>
+                <a:ea typeface="+mn-ea"/>
+                <a:cs typeface="+mn-cs"/>
+              </a:rPr>
+              <a:t>*</a:t>
+            </a:r>
+            <a:r>
+              <a:rPr lang="en-US" altLang="zh-TW" sz="1200" kern="1200" dirty="0" smtClean="0">
+                <a:solidFill>
+                  <a:schemeClr val="tx1"/>
+                </a:solidFill>
+                <a:latin typeface="+mn-lt"/>
+                <a:ea typeface="+mn-ea"/>
+                <a:cs typeface="+mn-cs"/>
+              </a:rPr>
+              <a:t>/</a:t>
+            </a:r>
+          </a:p>
+          <a:p>
+            <a:r>
+              <a:rPr lang="en-US" altLang="zh-TW" sz="1200" kern="1200" dirty="0" smtClean="0">
+                <a:solidFill>
+                  <a:schemeClr val="tx1"/>
+                </a:solidFill>
+                <a:latin typeface="+mn-lt"/>
+                <a:ea typeface="+mn-ea"/>
+                <a:cs typeface="+mn-cs"/>
+              </a:rPr>
+              <a:t>declare @agent table</a:t>
+            </a:r>
+          </a:p>
+          <a:p>
+            <a:r>
+              <a:rPr lang="en-US" altLang="zh-TW" sz="1200" kern="1200" dirty="0" smtClean="0">
+                <a:solidFill>
+                  <a:schemeClr val="tx1"/>
+                </a:solidFill>
+                <a:latin typeface="+mn-lt"/>
+                <a:ea typeface="+mn-ea"/>
+                <a:cs typeface="+mn-cs"/>
+              </a:rPr>
+              <a:t>(</a:t>
+            </a:r>
+          </a:p>
+          <a:p>
+            <a:r>
+              <a:rPr lang="en-US" altLang="zh-TW" sz="1200" kern="1200" dirty="0" smtClean="0">
+                <a:solidFill>
+                  <a:schemeClr val="tx1"/>
+                </a:solidFill>
+                <a:latin typeface="+mn-lt"/>
+                <a:ea typeface="+mn-ea"/>
+                <a:cs typeface="+mn-cs"/>
+              </a:rPr>
+              <a:t>    </a:t>
+            </a:r>
+            <a:r>
+              <a:rPr lang="en-US" altLang="zh-TW" sz="1200" kern="1200" dirty="0" err="1" smtClean="0">
+                <a:solidFill>
+                  <a:schemeClr val="tx1"/>
+                </a:solidFill>
+                <a:latin typeface="+mn-lt"/>
+                <a:ea typeface="+mn-ea"/>
+                <a:cs typeface="+mn-cs"/>
+              </a:rPr>
+              <a:t>AgentID</a:t>
+            </a:r>
+            <a:r>
+              <a:rPr lang="en-US" altLang="zh-TW" sz="1200" kern="1200" dirty="0" smtClean="0">
+                <a:solidFill>
+                  <a:schemeClr val="tx1"/>
+                </a:solidFill>
+                <a:latin typeface="+mn-lt"/>
+                <a:ea typeface="+mn-ea"/>
+                <a:cs typeface="+mn-cs"/>
+              </a:rPr>
+              <a:t> </a:t>
+            </a:r>
+            <a:r>
+              <a:rPr lang="en-US" altLang="zh-TW" sz="1200" kern="1200" dirty="0" err="1" smtClean="0">
+                <a:solidFill>
+                  <a:schemeClr val="tx1"/>
+                </a:solidFill>
+                <a:latin typeface="+mn-lt"/>
+                <a:ea typeface="+mn-ea"/>
+                <a:cs typeface="+mn-cs"/>
+              </a:rPr>
+              <a:t>int</a:t>
+            </a:r>
+            <a:r>
+              <a:rPr lang="en-US" altLang="zh-TW" sz="1200" kern="1200" dirty="0" smtClean="0">
+                <a:solidFill>
+                  <a:schemeClr val="tx1"/>
+                </a:solidFill>
+                <a:latin typeface="+mn-lt"/>
+                <a:ea typeface="+mn-ea"/>
+                <a:cs typeface="+mn-cs"/>
+              </a:rPr>
+              <a:t>,</a:t>
+            </a:r>
+          </a:p>
+          <a:p>
+            <a:r>
+              <a:rPr lang="en-US" altLang="zh-TW" sz="1200" kern="1200" dirty="0" smtClean="0">
+                <a:solidFill>
+                  <a:schemeClr val="tx1"/>
+                </a:solidFill>
+                <a:latin typeface="+mn-lt"/>
+                <a:ea typeface="+mn-ea"/>
+                <a:cs typeface="+mn-cs"/>
+              </a:rPr>
+              <a:t>    </a:t>
+            </a:r>
+            <a:r>
+              <a:rPr lang="en-US" altLang="zh-TW" sz="1200" kern="1200" dirty="0" err="1" smtClean="0">
+                <a:solidFill>
+                  <a:schemeClr val="tx1"/>
+                </a:solidFill>
+                <a:latin typeface="+mn-lt"/>
+                <a:ea typeface="+mn-ea"/>
+                <a:cs typeface="+mn-cs"/>
+              </a:rPr>
+              <a:t>Fname</a:t>
+            </a:r>
+            <a:r>
+              <a:rPr lang="en-US" altLang="zh-TW" sz="1200" kern="1200" dirty="0" smtClean="0">
+                <a:solidFill>
+                  <a:schemeClr val="tx1"/>
+                </a:solidFill>
+                <a:latin typeface="+mn-lt"/>
+                <a:ea typeface="+mn-ea"/>
+                <a:cs typeface="+mn-cs"/>
+              </a:rPr>
+              <a:t> </a:t>
+            </a:r>
+            <a:r>
+              <a:rPr lang="en-US" altLang="zh-TW" sz="1200" kern="1200" dirty="0" err="1" smtClean="0">
+                <a:solidFill>
+                  <a:schemeClr val="tx1"/>
+                </a:solidFill>
+                <a:latin typeface="+mn-lt"/>
+                <a:ea typeface="+mn-ea"/>
+                <a:cs typeface="+mn-cs"/>
+              </a:rPr>
+              <a:t>varchar</a:t>
+            </a:r>
+            <a:r>
+              <a:rPr lang="en-US" altLang="zh-TW" sz="1200" kern="1200" dirty="0" smtClean="0">
+                <a:solidFill>
+                  <a:schemeClr val="tx1"/>
+                </a:solidFill>
+                <a:latin typeface="+mn-lt"/>
+                <a:ea typeface="+mn-ea"/>
+                <a:cs typeface="+mn-cs"/>
+              </a:rPr>
+              <a:t>(5),</a:t>
+            </a:r>
+          </a:p>
+          <a:p>
+            <a:r>
+              <a:rPr lang="en-US" altLang="zh-TW" sz="1200" kern="1200" dirty="0" smtClean="0">
+                <a:solidFill>
+                  <a:schemeClr val="tx1"/>
+                </a:solidFill>
+                <a:latin typeface="+mn-lt"/>
+                <a:ea typeface="+mn-ea"/>
+                <a:cs typeface="+mn-cs"/>
+              </a:rPr>
+              <a:t>    SSN </a:t>
+            </a:r>
+            <a:r>
+              <a:rPr lang="en-US" altLang="zh-TW" sz="1200" kern="1200" dirty="0" err="1" smtClean="0">
+                <a:solidFill>
+                  <a:schemeClr val="tx1"/>
+                </a:solidFill>
+                <a:latin typeface="+mn-lt"/>
+                <a:ea typeface="+mn-ea"/>
+                <a:cs typeface="+mn-cs"/>
+              </a:rPr>
+              <a:t>varchar</a:t>
+            </a:r>
+            <a:r>
+              <a:rPr lang="en-US" altLang="zh-TW" sz="1200" kern="1200" dirty="0" smtClean="0">
+                <a:solidFill>
+                  <a:schemeClr val="tx1"/>
+                </a:solidFill>
+                <a:latin typeface="+mn-lt"/>
+                <a:ea typeface="+mn-ea"/>
+                <a:cs typeface="+mn-cs"/>
+              </a:rPr>
+              <a:t>(11)</a:t>
+            </a:r>
+          </a:p>
+          <a:p>
+            <a:r>
+              <a:rPr lang="en-US" altLang="zh-TW" sz="1200" kern="1200" dirty="0" smtClean="0">
+                <a:solidFill>
+                  <a:schemeClr val="tx1"/>
+                </a:solidFill>
+                <a:latin typeface="+mn-lt"/>
+                <a:ea typeface="+mn-ea"/>
+                <a:cs typeface="+mn-cs"/>
+              </a:rPr>
+              <a:t>)</a:t>
+            </a:r>
+          </a:p>
+          <a:p>
+            <a:r>
+              <a:rPr lang="en-US" altLang="zh-TW" sz="1200" kern="1200" dirty="0" smtClean="0">
+                <a:solidFill>
+                  <a:schemeClr val="tx1"/>
+                </a:solidFill>
+                <a:latin typeface="+mn-lt"/>
+                <a:ea typeface="+mn-ea"/>
+                <a:cs typeface="+mn-cs"/>
+              </a:rPr>
+              <a:t>insert into @agent</a:t>
+            </a:r>
+          </a:p>
+          <a:p>
+            <a:r>
+              <a:rPr lang="en-US" altLang="zh-TW" sz="1200" kern="1200" dirty="0" smtClean="0">
+                <a:solidFill>
+                  <a:schemeClr val="tx1"/>
+                </a:solidFill>
+                <a:latin typeface="+mn-lt"/>
+                <a:ea typeface="+mn-ea"/>
+                <a:cs typeface="+mn-cs"/>
+              </a:rPr>
+              <a:t>select 1, '</a:t>
+            </a:r>
+            <a:r>
+              <a:rPr lang="en-US" altLang="zh-TW" sz="1200" kern="1200" dirty="0" err="1" smtClean="0">
+                <a:solidFill>
+                  <a:schemeClr val="tx1"/>
+                </a:solidFill>
+                <a:latin typeface="+mn-lt"/>
+                <a:ea typeface="+mn-ea"/>
+                <a:cs typeface="+mn-cs"/>
+              </a:rPr>
+              <a:t>Vimal</a:t>
+            </a:r>
+            <a:r>
+              <a:rPr lang="en-US" altLang="zh-TW" sz="1200" kern="1200" dirty="0" smtClean="0">
+                <a:solidFill>
+                  <a:schemeClr val="tx1"/>
+                </a:solidFill>
+                <a:latin typeface="+mn-lt"/>
+                <a:ea typeface="+mn-ea"/>
+                <a:cs typeface="+mn-cs"/>
+              </a:rPr>
+              <a:t>', '123-23-4521' union all</a:t>
+            </a:r>
+          </a:p>
+          <a:p>
+            <a:r>
+              <a:rPr lang="en-US" altLang="zh-TW" sz="1200" kern="1200" dirty="0" smtClean="0">
+                <a:solidFill>
+                  <a:schemeClr val="tx1"/>
+                </a:solidFill>
+                <a:latin typeface="+mn-lt"/>
+                <a:ea typeface="+mn-ea"/>
+                <a:cs typeface="+mn-cs"/>
+              </a:rPr>
+              <a:t>select 2, 'Jacob', '321-52-4562' union all</a:t>
+            </a:r>
+          </a:p>
+          <a:p>
+            <a:r>
+              <a:rPr lang="en-US" altLang="zh-TW" sz="1200" kern="1200" dirty="0" smtClean="0">
+                <a:solidFill>
+                  <a:schemeClr val="tx1"/>
+                </a:solidFill>
+                <a:latin typeface="+mn-lt"/>
+                <a:ea typeface="+mn-ea"/>
+                <a:cs typeface="+mn-cs"/>
+              </a:rPr>
+              <a:t>select 3, 'Tom', '252-52-4563'</a:t>
+            </a:r>
+          </a:p>
+          <a:p>
+            <a:r>
+              <a:rPr lang="en-US" altLang="zh-TW" sz="1200" kern="1200" dirty="0" smtClean="0">
+                <a:solidFill>
+                  <a:schemeClr val="tx1"/>
+                </a:solidFill>
+                <a:latin typeface="+mn-lt"/>
+                <a:ea typeface="+mn-ea"/>
+                <a:cs typeface="+mn-cs"/>
+              </a:rPr>
+              <a:t>declare @address table</a:t>
+            </a:r>
+          </a:p>
+          <a:p>
+            <a:r>
+              <a:rPr lang="en-US" altLang="zh-TW" sz="1200" kern="1200" dirty="0" smtClean="0">
+                <a:solidFill>
+                  <a:schemeClr val="tx1"/>
+                </a:solidFill>
+                <a:latin typeface="+mn-lt"/>
+                <a:ea typeface="+mn-ea"/>
+                <a:cs typeface="+mn-cs"/>
+              </a:rPr>
+              <a:t>(</a:t>
+            </a:r>
+          </a:p>
+          <a:p>
+            <a:r>
+              <a:rPr lang="en-US" altLang="zh-TW" sz="1200" kern="1200" dirty="0" smtClean="0">
+                <a:solidFill>
+                  <a:schemeClr val="tx1"/>
+                </a:solidFill>
+                <a:latin typeface="+mn-lt"/>
+                <a:ea typeface="+mn-ea"/>
+                <a:cs typeface="+mn-cs"/>
+              </a:rPr>
+              <a:t>    </a:t>
+            </a:r>
+            <a:r>
+              <a:rPr lang="en-US" altLang="zh-TW" sz="1200" kern="1200" dirty="0" err="1" smtClean="0">
+                <a:solidFill>
+                  <a:schemeClr val="tx1"/>
+                </a:solidFill>
+                <a:latin typeface="+mn-lt"/>
+                <a:ea typeface="+mn-ea"/>
+                <a:cs typeface="+mn-cs"/>
+              </a:rPr>
+              <a:t>AddressID</a:t>
+            </a:r>
+            <a:r>
+              <a:rPr lang="en-US" altLang="zh-TW" sz="1200" kern="1200" dirty="0" smtClean="0">
+                <a:solidFill>
+                  <a:schemeClr val="tx1"/>
+                </a:solidFill>
+                <a:latin typeface="+mn-lt"/>
+                <a:ea typeface="+mn-ea"/>
+                <a:cs typeface="+mn-cs"/>
+              </a:rPr>
+              <a:t> </a:t>
+            </a:r>
+            <a:r>
+              <a:rPr lang="en-US" altLang="zh-TW" sz="1200" kern="1200" dirty="0" err="1" smtClean="0">
+                <a:solidFill>
+                  <a:schemeClr val="tx1"/>
+                </a:solidFill>
+                <a:latin typeface="+mn-lt"/>
+                <a:ea typeface="+mn-ea"/>
+                <a:cs typeface="+mn-cs"/>
+              </a:rPr>
+              <a:t>int</a:t>
+            </a:r>
+            <a:r>
+              <a:rPr lang="en-US" altLang="zh-TW" sz="1200" kern="1200" dirty="0" smtClean="0">
+                <a:solidFill>
+                  <a:schemeClr val="tx1"/>
+                </a:solidFill>
+                <a:latin typeface="+mn-lt"/>
+                <a:ea typeface="+mn-ea"/>
+                <a:cs typeface="+mn-cs"/>
+              </a:rPr>
+              <a:t>,</a:t>
+            </a:r>
+          </a:p>
+          <a:p>
+            <a:r>
+              <a:rPr lang="en-US" altLang="zh-TW" sz="1200" kern="1200" dirty="0" smtClean="0">
+                <a:solidFill>
+                  <a:schemeClr val="tx1"/>
+                </a:solidFill>
+                <a:latin typeface="+mn-lt"/>
+                <a:ea typeface="+mn-ea"/>
+                <a:cs typeface="+mn-cs"/>
+              </a:rPr>
+              <a:t>    </a:t>
+            </a:r>
+            <a:r>
+              <a:rPr lang="en-US" altLang="zh-TW" sz="1200" kern="1200" dirty="0" err="1" smtClean="0">
+                <a:solidFill>
+                  <a:schemeClr val="tx1"/>
+                </a:solidFill>
+                <a:latin typeface="+mn-lt"/>
+                <a:ea typeface="+mn-ea"/>
+                <a:cs typeface="+mn-cs"/>
+              </a:rPr>
+              <a:t>AddressType</a:t>
+            </a:r>
+            <a:r>
+              <a:rPr lang="en-US" altLang="zh-TW" sz="1200" kern="1200" dirty="0" smtClean="0">
+                <a:solidFill>
+                  <a:schemeClr val="tx1"/>
+                </a:solidFill>
+                <a:latin typeface="+mn-lt"/>
+                <a:ea typeface="+mn-ea"/>
+                <a:cs typeface="+mn-cs"/>
+              </a:rPr>
+              <a:t> </a:t>
+            </a:r>
+            <a:r>
+              <a:rPr lang="en-US" altLang="zh-TW" sz="1200" kern="1200" dirty="0" err="1" smtClean="0">
+                <a:solidFill>
+                  <a:schemeClr val="tx1"/>
+                </a:solidFill>
+                <a:latin typeface="+mn-lt"/>
+                <a:ea typeface="+mn-ea"/>
+                <a:cs typeface="+mn-cs"/>
+              </a:rPr>
+              <a:t>varchar</a:t>
+            </a:r>
+            <a:r>
+              <a:rPr lang="en-US" altLang="zh-TW" sz="1200" kern="1200" dirty="0" smtClean="0">
+                <a:solidFill>
+                  <a:schemeClr val="tx1"/>
+                </a:solidFill>
+                <a:latin typeface="+mn-lt"/>
+                <a:ea typeface="+mn-ea"/>
+                <a:cs typeface="+mn-cs"/>
+              </a:rPr>
+              <a:t>(12),</a:t>
+            </a:r>
+          </a:p>
+          <a:p>
+            <a:r>
+              <a:rPr lang="en-US" altLang="zh-TW" sz="1200" kern="1200" dirty="0" smtClean="0">
+                <a:solidFill>
+                  <a:schemeClr val="tx1"/>
+                </a:solidFill>
+                <a:latin typeface="+mn-lt"/>
+                <a:ea typeface="+mn-ea"/>
+                <a:cs typeface="+mn-cs"/>
+              </a:rPr>
+              <a:t>    Address1 </a:t>
+            </a:r>
+            <a:r>
+              <a:rPr lang="en-US" altLang="zh-TW" sz="1200" kern="1200" dirty="0" err="1" smtClean="0">
+                <a:solidFill>
+                  <a:schemeClr val="tx1"/>
+                </a:solidFill>
+                <a:latin typeface="+mn-lt"/>
+                <a:ea typeface="+mn-ea"/>
+                <a:cs typeface="+mn-cs"/>
+              </a:rPr>
+              <a:t>varchar</a:t>
+            </a:r>
+            <a:r>
+              <a:rPr lang="en-US" altLang="zh-TW" sz="1200" kern="1200" dirty="0" smtClean="0">
+                <a:solidFill>
+                  <a:schemeClr val="tx1"/>
+                </a:solidFill>
+                <a:latin typeface="+mn-lt"/>
+                <a:ea typeface="+mn-ea"/>
+                <a:cs typeface="+mn-cs"/>
+              </a:rPr>
+              <a:t>(20),</a:t>
+            </a:r>
+          </a:p>
+          <a:p>
+            <a:r>
+              <a:rPr lang="en-US" altLang="zh-TW" sz="1200" kern="1200" dirty="0" smtClean="0">
+                <a:solidFill>
+                  <a:schemeClr val="tx1"/>
+                </a:solidFill>
+                <a:latin typeface="+mn-lt"/>
+                <a:ea typeface="+mn-ea"/>
+                <a:cs typeface="+mn-cs"/>
+              </a:rPr>
+              <a:t>    Address2 </a:t>
+            </a:r>
+            <a:r>
+              <a:rPr lang="en-US" altLang="zh-TW" sz="1200" kern="1200" dirty="0" err="1" smtClean="0">
+                <a:solidFill>
+                  <a:schemeClr val="tx1"/>
+                </a:solidFill>
+                <a:latin typeface="+mn-lt"/>
+                <a:ea typeface="+mn-ea"/>
+                <a:cs typeface="+mn-cs"/>
+              </a:rPr>
+              <a:t>varchar</a:t>
+            </a:r>
+            <a:r>
+              <a:rPr lang="en-US" altLang="zh-TW" sz="1200" kern="1200" dirty="0" smtClean="0">
+                <a:solidFill>
+                  <a:schemeClr val="tx1"/>
+                </a:solidFill>
+                <a:latin typeface="+mn-lt"/>
+                <a:ea typeface="+mn-ea"/>
+                <a:cs typeface="+mn-cs"/>
+              </a:rPr>
+              <a:t>(20),</a:t>
+            </a:r>
+          </a:p>
+          <a:p>
+            <a:r>
+              <a:rPr lang="en-US" altLang="zh-TW" sz="1200" kern="1200" dirty="0" smtClean="0">
+                <a:solidFill>
+                  <a:schemeClr val="tx1"/>
+                </a:solidFill>
+                <a:latin typeface="+mn-lt"/>
+                <a:ea typeface="+mn-ea"/>
+                <a:cs typeface="+mn-cs"/>
+              </a:rPr>
+              <a:t>    City </a:t>
+            </a:r>
+            <a:r>
+              <a:rPr lang="en-US" altLang="zh-TW" sz="1200" kern="1200" dirty="0" err="1" smtClean="0">
+                <a:solidFill>
+                  <a:schemeClr val="tx1"/>
+                </a:solidFill>
+                <a:latin typeface="+mn-lt"/>
+                <a:ea typeface="+mn-ea"/>
+                <a:cs typeface="+mn-cs"/>
+              </a:rPr>
+              <a:t>varchar</a:t>
+            </a:r>
+            <a:r>
+              <a:rPr lang="en-US" altLang="zh-TW" sz="1200" kern="1200" dirty="0" smtClean="0">
+                <a:solidFill>
+                  <a:schemeClr val="tx1"/>
+                </a:solidFill>
+                <a:latin typeface="+mn-lt"/>
+                <a:ea typeface="+mn-ea"/>
+                <a:cs typeface="+mn-cs"/>
+              </a:rPr>
+              <a:t>(25),</a:t>
+            </a:r>
+          </a:p>
+          <a:p>
+            <a:r>
+              <a:rPr lang="en-US" altLang="zh-TW" sz="1200" kern="1200" dirty="0" smtClean="0">
+                <a:solidFill>
+                  <a:schemeClr val="tx1"/>
+                </a:solidFill>
+                <a:latin typeface="+mn-lt"/>
+                <a:ea typeface="+mn-ea"/>
+                <a:cs typeface="+mn-cs"/>
+              </a:rPr>
+              <a:t>    </a:t>
+            </a:r>
+            <a:r>
+              <a:rPr lang="en-US" altLang="zh-TW" sz="1200" kern="1200" dirty="0" err="1" smtClean="0">
+                <a:solidFill>
+                  <a:schemeClr val="tx1"/>
+                </a:solidFill>
+                <a:latin typeface="+mn-lt"/>
+                <a:ea typeface="+mn-ea"/>
+                <a:cs typeface="+mn-cs"/>
+              </a:rPr>
+              <a:t>AgentID</a:t>
+            </a:r>
+            <a:r>
+              <a:rPr lang="en-US" altLang="zh-TW" sz="1200" kern="1200" dirty="0" smtClean="0">
+                <a:solidFill>
+                  <a:schemeClr val="tx1"/>
+                </a:solidFill>
+                <a:latin typeface="+mn-lt"/>
+                <a:ea typeface="+mn-ea"/>
+                <a:cs typeface="+mn-cs"/>
+              </a:rPr>
+              <a:t> </a:t>
+            </a:r>
+            <a:r>
+              <a:rPr lang="en-US" altLang="zh-TW" sz="1200" kern="1200" dirty="0" err="1" smtClean="0">
+                <a:solidFill>
+                  <a:schemeClr val="tx1"/>
+                </a:solidFill>
+                <a:latin typeface="+mn-lt"/>
+                <a:ea typeface="+mn-ea"/>
+                <a:cs typeface="+mn-cs"/>
+              </a:rPr>
+              <a:t>int</a:t>
+            </a:r>
+            <a:endParaRPr lang="en-US" altLang="zh-TW" sz="1200" kern="1200" dirty="0" smtClean="0">
+              <a:solidFill>
+                <a:schemeClr val="tx1"/>
+              </a:solidFill>
+              <a:latin typeface="+mn-lt"/>
+              <a:ea typeface="+mn-ea"/>
+              <a:cs typeface="+mn-cs"/>
+            </a:endParaRPr>
+          </a:p>
+          <a:p>
+            <a:r>
+              <a:rPr lang="en-US" altLang="zh-TW" sz="1200" kern="1200" dirty="0" smtClean="0">
+                <a:solidFill>
+                  <a:schemeClr val="tx1"/>
+                </a:solidFill>
+                <a:latin typeface="+mn-lt"/>
+                <a:ea typeface="+mn-ea"/>
+                <a:cs typeface="+mn-cs"/>
+              </a:rPr>
+              <a:t>)</a:t>
+            </a:r>
+          </a:p>
+          <a:p>
+            <a:r>
+              <a:rPr lang="en-US" altLang="zh-TW" sz="1200" kern="1200" dirty="0" smtClean="0">
+                <a:solidFill>
+                  <a:schemeClr val="tx1"/>
+                </a:solidFill>
+                <a:latin typeface="+mn-lt"/>
+                <a:ea typeface="+mn-ea"/>
+                <a:cs typeface="+mn-cs"/>
+              </a:rPr>
+              <a:t>insert into @address</a:t>
+            </a:r>
+          </a:p>
+          <a:p>
+            <a:r>
+              <a:rPr lang="en-US" altLang="zh-TW" sz="1200" kern="1200" dirty="0" smtClean="0">
+                <a:solidFill>
+                  <a:schemeClr val="tx1"/>
+                </a:solidFill>
+                <a:latin typeface="+mn-lt"/>
+                <a:ea typeface="+mn-ea"/>
+                <a:cs typeface="+mn-cs"/>
+              </a:rPr>
+              <a:t>select 1, 'Home', '</a:t>
+            </a:r>
+            <a:r>
+              <a:rPr lang="en-US" altLang="zh-TW" sz="1200" kern="1200" dirty="0" err="1" smtClean="0">
+                <a:solidFill>
+                  <a:schemeClr val="tx1"/>
+                </a:solidFill>
+                <a:latin typeface="+mn-lt"/>
+                <a:ea typeface="+mn-ea"/>
+                <a:cs typeface="+mn-cs"/>
+              </a:rPr>
+              <a:t>abc</a:t>
+            </a:r>
+            <a:r>
+              <a:rPr lang="en-US" altLang="zh-TW" sz="1200" kern="1200" dirty="0" smtClean="0">
+                <a:solidFill>
+                  <a:schemeClr val="tx1"/>
+                </a:solidFill>
+                <a:latin typeface="+mn-lt"/>
+                <a:ea typeface="+mn-ea"/>
+                <a:cs typeface="+mn-cs"/>
+              </a:rPr>
+              <a:t>', 'xyz road', 'RJ', 1 union all</a:t>
+            </a:r>
+          </a:p>
+          <a:p>
+            <a:r>
+              <a:rPr lang="en-US" altLang="zh-TW" sz="1200" kern="1200" dirty="0" smtClean="0">
+                <a:solidFill>
+                  <a:schemeClr val="tx1"/>
+                </a:solidFill>
+                <a:latin typeface="+mn-lt"/>
+                <a:ea typeface="+mn-ea"/>
+                <a:cs typeface="+mn-cs"/>
+              </a:rPr>
+              <a:t>select 2, 'Office', 'temp', '</a:t>
+            </a:r>
+            <a:r>
+              <a:rPr lang="en-US" altLang="zh-TW" sz="1200" kern="1200" dirty="0" err="1" smtClean="0">
+                <a:solidFill>
+                  <a:schemeClr val="tx1"/>
+                </a:solidFill>
+                <a:latin typeface="+mn-lt"/>
+                <a:ea typeface="+mn-ea"/>
+                <a:cs typeface="+mn-cs"/>
+              </a:rPr>
+              <a:t>ppp</a:t>
+            </a:r>
+            <a:r>
+              <a:rPr lang="en-US" altLang="zh-TW" sz="1200" kern="1200" dirty="0" smtClean="0">
+                <a:solidFill>
+                  <a:schemeClr val="tx1"/>
+                </a:solidFill>
+                <a:latin typeface="+mn-lt"/>
+                <a:ea typeface="+mn-ea"/>
+                <a:cs typeface="+mn-cs"/>
+              </a:rPr>
+              <a:t> road', 'RJ', 1 union all</a:t>
+            </a:r>
+          </a:p>
+          <a:p>
+            <a:r>
+              <a:rPr lang="en-US" altLang="zh-TW" sz="1200" kern="1200" dirty="0" smtClean="0">
+                <a:solidFill>
+                  <a:schemeClr val="tx1"/>
+                </a:solidFill>
+                <a:latin typeface="+mn-lt"/>
+                <a:ea typeface="+mn-ea"/>
+                <a:cs typeface="+mn-cs"/>
+              </a:rPr>
+              <a:t>select 3, 'Home', 'xxx', '</a:t>
+            </a:r>
+            <a:r>
+              <a:rPr lang="en-US" altLang="zh-TW" sz="1200" kern="1200" dirty="0" err="1" smtClean="0">
+                <a:solidFill>
+                  <a:schemeClr val="tx1"/>
+                </a:solidFill>
+                <a:latin typeface="+mn-lt"/>
+                <a:ea typeface="+mn-ea"/>
+                <a:cs typeface="+mn-cs"/>
+              </a:rPr>
+              <a:t>aaa</a:t>
+            </a:r>
+            <a:r>
+              <a:rPr lang="en-US" altLang="zh-TW" sz="1200" kern="1200" dirty="0" smtClean="0">
+                <a:solidFill>
+                  <a:schemeClr val="tx1"/>
+                </a:solidFill>
+                <a:latin typeface="+mn-lt"/>
+                <a:ea typeface="+mn-ea"/>
+                <a:cs typeface="+mn-cs"/>
+              </a:rPr>
+              <a:t> road', 'NY', 2 union all</a:t>
+            </a:r>
+          </a:p>
+          <a:p>
+            <a:r>
+              <a:rPr lang="en-US" altLang="zh-TW" sz="1200" kern="1200" dirty="0" smtClean="0">
+                <a:solidFill>
+                  <a:schemeClr val="tx1"/>
+                </a:solidFill>
+                <a:latin typeface="+mn-lt"/>
+                <a:ea typeface="+mn-ea"/>
+                <a:cs typeface="+mn-cs"/>
+              </a:rPr>
+              <a:t>select 4, 'Office', '</a:t>
+            </a:r>
+            <a:r>
+              <a:rPr lang="en-US" altLang="zh-TW" sz="1200" kern="1200" dirty="0" err="1" smtClean="0">
+                <a:solidFill>
+                  <a:schemeClr val="tx1"/>
+                </a:solidFill>
+                <a:latin typeface="+mn-lt"/>
+                <a:ea typeface="+mn-ea"/>
+                <a:cs typeface="+mn-cs"/>
+              </a:rPr>
+              <a:t>ccc</a:t>
+            </a:r>
+            <a:r>
+              <a:rPr lang="en-US" altLang="zh-TW" sz="1200" kern="1200" dirty="0" smtClean="0">
+                <a:solidFill>
+                  <a:schemeClr val="tx1"/>
+                </a:solidFill>
+                <a:latin typeface="+mn-lt"/>
+                <a:ea typeface="+mn-ea"/>
+                <a:cs typeface="+mn-cs"/>
+              </a:rPr>
+              <a:t>', '</a:t>
+            </a:r>
+            <a:r>
+              <a:rPr lang="en-US" altLang="zh-TW" sz="1200" kern="1200" dirty="0" err="1" smtClean="0">
+                <a:solidFill>
+                  <a:schemeClr val="tx1"/>
+                </a:solidFill>
+                <a:latin typeface="+mn-lt"/>
+                <a:ea typeface="+mn-ea"/>
+                <a:cs typeface="+mn-cs"/>
+              </a:rPr>
+              <a:t>oli</a:t>
+            </a:r>
+            <a:r>
+              <a:rPr lang="en-US" altLang="zh-TW" sz="1200" kern="1200" dirty="0" smtClean="0">
+                <a:solidFill>
+                  <a:schemeClr val="tx1"/>
+                </a:solidFill>
+                <a:latin typeface="+mn-lt"/>
+                <a:ea typeface="+mn-ea"/>
+                <a:cs typeface="+mn-cs"/>
+              </a:rPr>
+              <a:t> Com', 'CL', 2 union all</a:t>
+            </a:r>
+          </a:p>
+          <a:p>
+            <a:r>
+              <a:rPr lang="en-US" altLang="zh-TW" sz="1200" kern="1200" dirty="0" smtClean="0">
+                <a:solidFill>
+                  <a:schemeClr val="tx1"/>
+                </a:solidFill>
+                <a:latin typeface="+mn-lt"/>
+                <a:ea typeface="+mn-ea"/>
+                <a:cs typeface="+mn-cs"/>
+              </a:rPr>
+              <a:t>select 5, 'Temp', '</a:t>
+            </a:r>
+            <a:r>
+              <a:rPr lang="en-US" altLang="zh-TW" sz="1200" kern="1200" dirty="0" err="1" smtClean="0">
+                <a:solidFill>
+                  <a:schemeClr val="tx1"/>
+                </a:solidFill>
+                <a:latin typeface="+mn-lt"/>
+                <a:ea typeface="+mn-ea"/>
+                <a:cs typeface="+mn-cs"/>
+              </a:rPr>
+              <a:t>eee</a:t>
+            </a:r>
+            <a:r>
+              <a:rPr lang="en-US" altLang="zh-TW" sz="1200" kern="1200" dirty="0" smtClean="0">
+                <a:solidFill>
+                  <a:schemeClr val="tx1"/>
+                </a:solidFill>
+                <a:latin typeface="+mn-lt"/>
+                <a:ea typeface="+mn-ea"/>
+                <a:cs typeface="+mn-cs"/>
+              </a:rPr>
+              <a:t>', '</a:t>
+            </a:r>
+            <a:r>
+              <a:rPr lang="en-US" altLang="zh-TW" sz="1200" kern="1200" dirty="0" err="1" smtClean="0">
+                <a:solidFill>
+                  <a:schemeClr val="tx1"/>
+                </a:solidFill>
+                <a:latin typeface="+mn-lt"/>
+                <a:ea typeface="+mn-ea"/>
+                <a:cs typeface="+mn-cs"/>
+              </a:rPr>
+              <a:t>olkiu</a:t>
+            </a:r>
+            <a:r>
+              <a:rPr lang="en-US" altLang="zh-TW" sz="1200" kern="1200" dirty="0" smtClean="0">
+                <a:solidFill>
+                  <a:schemeClr val="tx1"/>
+                </a:solidFill>
+                <a:latin typeface="+mn-lt"/>
+                <a:ea typeface="+mn-ea"/>
+                <a:cs typeface="+mn-cs"/>
+              </a:rPr>
+              <a:t> road', 'CL', 2 union all</a:t>
+            </a:r>
+          </a:p>
+          <a:p>
+            <a:r>
+              <a:rPr lang="en-US" altLang="zh-TW" sz="1200" kern="1200" dirty="0" smtClean="0">
+                <a:solidFill>
+                  <a:schemeClr val="tx1"/>
+                </a:solidFill>
+                <a:latin typeface="+mn-lt"/>
+                <a:ea typeface="+mn-ea"/>
+                <a:cs typeface="+mn-cs"/>
+              </a:rPr>
+              <a:t>select 6, 'Home', '</a:t>
+            </a:r>
+            <a:r>
+              <a:rPr lang="en-US" altLang="zh-TW" sz="1200" kern="1200" dirty="0" err="1" smtClean="0">
+                <a:solidFill>
+                  <a:schemeClr val="tx1"/>
+                </a:solidFill>
+                <a:latin typeface="+mn-lt"/>
+                <a:ea typeface="+mn-ea"/>
+                <a:cs typeface="+mn-cs"/>
+              </a:rPr>
+              <a:t>ttt</a:t>
+            </a:r>
+            <a:r>
+              <a:rPr lang="en-US" altLang="zh-TW" sz="1200" kern="1200" dirty="0" smtClean="0">
+                <a:solidFill>
+                  <a:schemeClr val="tx1"/>
+                </a:solidFill>
+                <a:latin typeface="+mn-lt"/>
+                <a:ea typeface="+mn-ea"/>
+                <a:cs typeface="+mn-cs"/>
+              </a:rPr>
+              <a:t>', '</a:t>
+            </a:r>
+            <a:r>
+              <a:rPr lang="en-US" altLang="zh-TW" sz="1200" kern="1200" dirty="0" err="1" smtClean="0">
+                <a:solidFill>
+                  <a:schemeClr val="tx1"/>
+                </a:solidFill>
+                <a:latin typeface="+mn-lt"/>
+                <a:ea typeface="+mn-ea"/>
+                <a:cs typeface="+mn-cs"/>
+              </a:rPr>
+              <a:t>loik</a:t>
+            </a:r>
+            <a:r>
+              <a:rPr lang="en-US" altLang="zh-TW" sz="1200" kern="1200" dirty="0" smtClean="0">
+                <a:solidFill>
+                  <a:schemeClr val="tx1"/>
+                </a:solidFill>
+                <a:latin typeface="+mn-lt"/>
+                <a:ea typeface="+mn-ea"/>
+                <a:cs typeface="+mn-cs"/>
+              </a:rPr>
+              <a:t> road', 'NY', 3</a:t>
+            </a:r>
+          </a:p>
+          <a:p>
+            <a:endParaRPr lang="zh-TW" altLang="en-US" sz="1200" kern="1200" dirty="0" smtClean="0">
+              <a:solidFill>
+                <a:schemeClr val="tx1"/>
+              </a:solidFill>
+              <a:latin typeface="+mn-lt"/>
+              <a:ea typeface="+mn-ea"/>
+              <a:cs typeface="+mn-cs"/>
+            </a:endParaRPr>
+          </a:p>
+          <a:p>
+            <a:r>
+              <a:rPr lang="en-US" altLang="zh-TW" sz="1200" kern="1200" dirty="0" smtClean="0">
+                <a:solidFill>
+                  <a:schemeClr val="tx1"/>
+                </a:solidFill>
+                <a:latin typeface="+mn-lt"/>
+                <a:ea typeface="+mn-ea"/>
+                <a:cs typeface="+mn-cs"/>
+              </a:rPr>
+              <a:t>SELECT</a:t>
+            </a:r>
+          </a:p>
+          <a:p>
+            <a:r>
+              <a:rPr lang="en-US" altLang="zh-TW" sz="1200" kern="1200" dirty="0" smtClean="0">
+                <a:solidFill>
+                  <a:schemeClr val="tx1"/>
+                </a:solidFill>
+                <a:latin typeface="+mn-lt"/>
+                <a:ea typeface="+mn-ea"/>
+                <a:cs typeface="+mn-cs"/>
+              </a:rPr>
+              <a:t>    1 AS Tag,</a:t>
+            </a:r>
+          </a:p>
+          <a:p>
+            <a:r>
+              <a:rPr lang="en-US" altLang="zh-TW" sz="1200" kern="1200" dirty="0" smtClean="0">
+                <a:solidFill>
+                  <a:schemeClr val="tx1"/>
+                </a:solidFill>
+                <a:latin typeface="+mn-lt"/>
+                <a:ea typeface="+mn-ea"/>
+                <a:cs typeface="+mn-cs"/>
+              </a:rPr>
+              <a:t>    NULL AS Parent,</a:t>
+            </a:r>
+          </a:p>
+          <a:p>
+            <a:r>
+              <a:rPr lang="en-US" altLang="zh-TW" sz="1200" kern="1200" dirty="0" smtClean="0">
+                <a:solidFill>
+                  <a:schemeClr val="tx1"/>
+                </a:solidFill>
+                <a:latin typeface="+mn-lt"/>
+                <a:ea typeface="+mn-ea"/>
+                <a:cs typeface="+mn-cs"/>
+              </a:rPr>
+              <a:t>    NULL AS 'Agents!1!',</a:t>
+            </a:r>
+          </a:p>
+          <a:p>
+            <a:r>
+              <a:rPr lang="en-US" altLang="zh-TW" sz="1200" kern="1200" dirty="0" smtClean="0">
+                <a:solidFill>
+                  <a:schemeClr val="tx1"/>
+                </a:solidFill>
+                <a:latin typeface="+mn-lt"/>
+                <a:ea typeface="+mn-ea"/>
+                <a:cs typeface="+mn-cs"/>
+              </a:rPr>
+              <a:t>    NULL AS 'Agent!2!AgentID',</a:t>
+            </a:r>
+          </a:p>
+          <a:p>
+            <a:r>
+              <a:rPr lang="en-US" altLang="zh-TW" sz="1200" kern="1200" dirty="0" smtClean="0">
+                <a:solidFill>
+                  <a:schemeClr val="tx1"/>
+                </a:solidFill>
+                <a:latin typeface="+mn-lt"/>
+                <a:ea typeface="+mn-ea"/>
+                <a:cs typeface="+mn-cs"/>
+              </a:rPr>
+              <a:t>    NULL AS 'Agent!2!Fname!Element',</a:t>
+            </a:r>
+          </a:p>
+          <a:p>
+            <a:r>
+              <a:rPr lang="en-US" altLang="zh-TW" sz="1200" kern="1200" dirty="0" smtClean="0">
+                <a:solidFill>
+                  <a:schemeClr val="tx1"/>
+                </a:solidFill>
+                <a:latin typeface="+mn-lt"/>
+                <a:ea typeface="+mn-ea"/>
+                <a:cs typeface="+mn-cs"/>
+              </a:rPr>
+              <a:t>    NULL AS 'Agent!2!SSN!Element'</a:t>
+            </a:r>
+          </a:p>
+          <a:p>
+            <a:r>
+              <a:rPr lang="en-US" altLang="zh-TW" sz="1200" kern="1200" dirty="0" smtClean="0">
+                <a:solidFill>
+                  <a:schemeClr val="tx1"/>
+                </a:solidFill>
+                <a:latin typeface="+mn-lt"/>
+                <a:ea typeface="+mn-ea"/>
+                <a:cs typeface="+mn-cs"/>
+              </a:rPr>
+              <a:t>UNION ALL</a:t>
+            </a:r>
+          </a:p>
+          <a:p>
+            <a:r>
+              <a:rPr lang="en-US" altLang="zh-TW" sz="1200" kern="1200" dirty="0" smtClean="0">
+                <a:solidFill>
+                  <a:schemeClr val="tx1"/>
+                </a:solidFill>
+                <a:latin typeface="+mn-lt"/>
+                <a:ea typeface="+mn-ea"/>
+                <a:cs typeface="+mn-cs"/>
+              </a:rPr>
+              <a:t>SELECT</a:t>
+            </a:r>
+          </a:p>
+          <a:p>
+            <a:r>
+              <a:rPr lang="en-US" altLang="zh-TW" sz="1200" kern="1200" dirty="0" smtClean="0">
+                <a:solidFill>
+                  <a:schemeClr val="tx1"/>
+                </a:solidFill>
+                <a:latin typeface="+mn-lt"/>
+                <a:ea typeface="+mn-ea"/>
+                <a:cs typeface="+mn-cs"/>
+              </a:rPr>
+              <a:t>    2 AS Tag,</a:t>
+            </a:r>
+          </a:p>
+          <a:p>
+            <a:r>
+              <a:rPr lang="en-US" altLang="zh-TW" sz="1200" kern="1200" dirty="0" smtClean="0">
+                <a:solidFill>
+                  <a:schemeClr val="tx1"/>
+                </a:solidFill>
+                <a:latin typeface="+mn-lt"/>
+                <a:ea typeface="+mn-ea"/>
+                <a:cs typeface="+mn-cs"/>
+              </a:rPr>
+              <a:t>    1 AS Parent,</a:t>
+            </a:r>
+          </a:p>
+          <a:p>
+            <a:r>
+              <a:rPr lang="en-US" altLang="zh-TW" sz="1200" kern="1200" dirty="0" smtClean="0">
+                <a:solidFill>
+                  <a:schemeClr val="tx1"/>
+                </a:solidFill>
+                <a:latin typeface="+mn-lt"/>
+                <a:ea typeface="+mn-ea"/>
+                <a:cs typeface="+mn-cs"/>
+              </a:rPr>
+              <a:t>    NULL, </a:t>
+            </a:r>
+          </a:p>
+          <a:p>
+            <a:r>
+              <a:rPr lang="en-US" altLang="zh-TW" sz="1200" kern="1200" dirty="0" smtClean="0">
+                <a:solidFill>
+                  <a:schemeClr val="tx1"/>
+                </a:solidFill>
+                <a:latin typeface="+mn-lt"/>
+                <a:ea typeface="+mn-ea"/>
+                <a:cs typeface="+mn-cs"/>
+              </a:rPr>
+              <a:t>    </a:t>
+            </a:r>
+            <a:r>
+              <a:rPr lang="en-US" altLang="zh-TW" sz="1200" kern="1200" dirty="0" err="1" smtClean="0">
+                <a:solidFill>
+                  <a:schemeClr val="tx1"/>
+                </a:solidFill>
+                <a:latin typeface="+mn-lt"/>
+                <a:ea typeface="+mn-ea"/>
+                <a:cs typeface="+mn-cs"/>
+              </a:rPr>
+              <a:t>AgentID</a:t>
+            </a:r>
+            <a:r>
+              <a:rPr lang="en-US" altLang="zh-TW" sz="1200" kern="1200" dirty="0" smtClean="0">
+                <a:solidFill>
+                  <a:schemeClr val="tx1"/>
+                </a:solidFill>
+                <a:latin typeface="+mn-lt"/>
+                <a:ea typeface="+mn-ea"/>
+                <a:cs typeface="+mn-cs"/>
+              </a:rPr>
+              <a:t>,</a:t>
+            </a:r>
+          </a:p>
+          <a:p>
+            <a:r>
+              <a:rPr lang="en-US" altLang="zh-TW" sz="1200" kern="1200" dirty="0" smtClean="0">
+                <a:solidFill>
+                  <a:schemeClr val="tx1"/>
+                </a:solidFill>
+                <a:latin typeface="+mn-lt"/>
+                <a:ea typeface="+mn-ea"/>
+                <a:cs typeface="+mn-cs"/>
+              </a:rPr>
+              <a:t>    </a:t>
+            </a:r>
+            <a:r>
+              <a:rPr lang="en-US" altLang="zh-TW" sz="1200" kern="1200" dirty="0" err="1" smtClean="0">
+                <a:solidFill>
+                  <a:schemeClr val="tx1"/>
+                </a:solidFill>
+                <a:latin typeface="+mn-lt"/>
+                <a:ea typeface="+mn-ea"/>
+                <a:cs typeface="+mn-cs"/>
+              </a:rPr>
+              <a:t>Fname</a:t>
+            </a:r>
+            <a:r>
+              <a:rPr lang="en-US" altLang="zh-TW" sz="1200" kern="1200" dirty="0" smtClean="0">
+                <a:solidFill>
+                  <a:schemeClr val="tx1"/>
+                </a:solidFill>
+                <a:latin typeface="+mn-lt"/>
+                <a:ea typeface="+mn-ea"/>
+                <a:cs typeface="+mn-cs"/>
+              </a:rPr>
+              <a:t>,</a:t>
+            </a:r>
+          </a:p>
+          <a:p>
+            <a:r>
+              <a:rPr lang="en-US" altLang="zh-TW" sz="1200" kern="1200" dirty="0" smtClean="0">
+                <a:solidFill>
+                  <a:schemeClr val="tx1"/>
+                </a:solidFill>
+                <a:latin typeface="+mn-lt"/>
+                <a:ea typeface="+mn-ea"/>
+                <a:cs typeface="+mn-cs"/>
+              </a:rPr>
+              <a:t>    SSN</a:t>
+            </a:r>
+          </a:p>
+          <a:p>
+            <a:r>
+              <a:rPr lang="en-US" altLang="zh-TW" sz="1200" kern="1200" dirty="0" smtClean="0">
+                <a:solidFill>
+                  <a:schemeClr val="tx1"/>
+                </a:solidFill>
+                <a:latin typeface="+mn-lt"/>
+                <a:ea typeface="+mn-ea"/>
+                <a:cs typeface="+mn-cs"/>
+              </a:rPr>
+              <a:t>FROM @agent</a:t>
+            </a:r>
+          </a:p>
+          <a:p>
+            <a:r>
+              <a:rPr lang="en-US" altLang="zh-TW" sz="1200" kern="1200" dirty="0" smtClean="0">
+                <a:solidFill>
+                  <a:schemeClr val="tx1"/>
+                </a:solidFill>
+                <a:latin typeface="+mn-lt"/>
+                <a:ea typeface="+mn-ea"/>
+                <a:cs typeface="+mn-cs"/>
+              </a:rPr>
+              <a:t>FOR XML EXPLICIT</a:t>
+            </a:r>
+          </a:p>
+          <a:p>
+            <a:endParaRPr lang="zh-TW" altLang="en-US" sz="1200" kern="1200" dirty="0" smtClean="0">
+              <a:solidFill>
+                <a:schemeClr val="tx1"/>
+              </a:solidFill>
+              <a:latin typeface="+mn-lt"/>
+              <a:ea typeface="+mn-ea"/>
+              <a:cs typeface="+mn-cs"/>
+            </a:endParaRPr>
+          </a:p>
+          <a:p>
+            <a:endParaRPr lang="en-US" altLang="zh-TW" sz="1200" kern="1200" dirty="0" smtClean="0">
+              <a:solidFill>
+                <a:schemeClr val="tx1"/>
+              </a:solidFill>
+              <a:latin typeface="+mn-lt"/>
+              <a:ea typeface="+mn-ea"/>
+              <a:cs typeface="+mn-cs"/>
+            </a:endParaRPr>
+          </a:p>
+        </p:txBody>
+      </p:sp>
+      <p:sp>
+        <p:nvSpPr>
+          <p:cNvPr id="4" name="投影片編號版面配置區 3"/>
+          <p:cNvSpPr>
+            <a:spLocks noGrp="1"/>
+          </p:cNvSpPr>
+          <p:nvPr>
+            <p:ph type="sldNum" sz="quarter" idx="10"/>
+          </p:nvPr>
+        </p:nvSpPr>
+        <p:spPr/>
+        <p:txBody>
+          <a:bodyPr/>
+          <a:lstStyle/>
+          <a:p>
+            <a:fld id="{2B1663CF-8C17-4655-AA89-0972D7B0EC7B}" type="slidenum">
+              <a:rPr lang="zh-TW" altLang="en-US" smtClean="0"/>
+              <a:t>10</a:t>
+            </a:fld>
+            <a:endParaRPr lang="zh-TW" altLang="en-US"/>
+          </a:p>
+        </p:txBody>
+      </p:sp>
+    </p:spTree>
+  </p:cSld>
+  <p:clrMapOvr>
+    <a:masterClrMapping/>
+  </p:clrMapOvr>
+</p:notes>
+</file>
+
 <file path=ppt/slideLayouts/slideLayout1.xml><?xml version="1.0" encoding="utf-8"?>
 <p:sldLayout xmlns:a="http://schemas.openxmlformats.org/drawingml/2006/main" xmlns:r="http://schemas.openxmlformats.org/officeDocument/2006/relationships" xmlns:p="http://schemas.openxmlformats.org/presentationml/2006/main" showMasterSp="0" type="title" preserve="1">
   <p:cSld name="標題投影片">
@@ -404,6 +4959,7 @@
           <a:p>
             <a:fld id="{95AEC2B8-C9C9-49F9-9DB1-644F60BF84EE}" type="datetimeFigureOut">
               <a:rPr lang="zh-TW" altLang="en-US" smtClean="0"/>
+              <a:pPr/>
               <a:t>2014/7/4</a:t>
             </a:fld>
             <a:endParaRPr lang="zh-TW" altLang="en-US"/>
@@ -472,6 +5028,7 @@
           <a:p>
             <a:fld id="{E06E8BFB-76C6-438D-BEE3-49D934DAA26F}" type="slidenum">
               <a:rPr lang="zh-TW" altLang="en-US" smtClean="0"/>
+              <a:pPr/>
               <a:t>‹#›</a:t>
             </a:fld>
             <a:endParaRPr lang="zh-TW" altLang="en-US"/>
@@ -595,6 +5152,7 @@
           <a:p>
             <a:fld id="{95AEC2B8-C9C9-49F9-9DB1-644F60BF84EE}" type="datetimeFigureOut">
               <a:rPr lang="zh-TW" altLang="en-US" smtClean="0"/>
+              <a:pPr/>
               <a:t>2014/7/4</a:t>
             </a:fld>
             <a:endParaRPr lang="zh-TW" altLang="en-US"/>
@@ -637,6 +5195,7 @@
           <a:p>
             <a:fld id="{E06E8BFB-76C6-438D-BEE3-49D934DAA26F}" type="slidenum">
               <a:rPr lang="zh-TW" altLang="en-US" smtClean="0"/>
+              <a:pPr/>
               <a:t>‹#›</a:t>
             </a:fld>
             <a:endParaRPr lang="zh-TW" altLang="en-US"/>
@@ -780,6 +5339,7 @@
           <a:p>
             <a:fld id="{95AEC2B8-C9C9-49F9-9DB1-644F60BF84EE}" type="datetimeFigureOut">
               <a:rPr lang="zh-TW" altLang="en-US" smtClean="0"/>
+              <a:pPr/>
               <a:t>2014/7/4</a:t>
             </a:fld>
             <a:endParaRPr lang="zh-TW" altLang="en-US"/>
@@ -967,6 +5527,7 @@
           <a:p>
             <a:fld id="{E06E8BFB-76C6-438D-BEE3-49D934DAA26F}" type="slidenum">
               <a:rPr lang="zh-TW" altLang="en-US" smtClean="0"/>
+              <a:pPr/>
               <a:t>‹#›</a:t>
             </a:fld>
             <a:endParaRPr lang="zh-TW" altLang="en-US"/>
@@ -1043,6 +5604,7 @@
           <a:p>
             <a:fld id="{95AEC2B8-C9C9-49F9-9DB1-644F60BF84EE}" type="datetimeFigureOut">
               <a:rPr lang="zh-TW" altLang="en-US" smtClean="0"/>
+              <a:pPr/>
               <a:t>2014/7/4</a:t>
             </a:fld>
             <a:endParaRPr lang="zh-TW" altLang="en-US"/>
@@ -1093,6 +5655,7 @@
           <a:p>
             <a:fld id="{E06E8BFB-76C6-438D-BEE3-49D934DAA26F}" type="slidenum">
               <a:rPr lang="zh-TW" altLang="en-US" smtClean="0"/>
+              <a:pPr/>
               <a:t>‹#›</a:t>
             </a:fld>
             <a:endParaRPr lang="zh-TW" altLang="en-US"/>
@@ -1459,6 +6022,7 @@
           <a:p>
             <a:fld id="{95AEC2B8-C9C9-49F9-9DB1-644F60BF84EE}" type="datetimeFigureOut">
               <a:rPr lang="zh-TW" altLang="en-US" smtClean="0"/>
+              <a:pPr/>
               <a:t>2014/7/4</a:t>
             </a:fld>
             <a:endParaRPr lang="zh-TW" altLang="en-US"/>
@@ -1497,6 +6061,7 @@
           <a:p>
             <a:fld id="{E06E8BFB-76C6-438D-BEE3-49D934DAA26F}" type="slidenum">
               <a:rPr lang="zh-TW" altLang="en-US" smtClean="0"/>
+              <a:pPr/>
               <a:t>‹#›</a:t>
             </a:fld>
             <a:endParaRPr lang="zh-TW" altLang="en-US"/>
@@ -1701,6 +6266,7 @@
           <a:p>
             <a:fld id="{95AEC2B8-C9C9-49F9-9DB1-644F60BF84EE}" type="datetimeFigureOut">
               <a:rPr lang="zh-TW" altLang="en-US" smtClean="0"/>
+              <a:pPr/>
               <a:t>2014/7/4</a:t>
             </a:fld>
             <a:endParaRPr lang="zh-TW" altLang="en-US"/>
@@ -1724,6 +6290,7 @@
           <a:p>
             <a:fld id="{E06E8BFB-76C6-438D-BEE3-49D934DAA26F}" type="slidenum">
               <a:rPr lang="zh-TW" altLang="en-US" smtClean="0"/>
+              <a:pPr/>
               <a:t>‹#›</a:t>
             </a:fld>
             <a:endParaRPr lang="zh-TW" altLang="en-US"/>
@@ -1937,6 +6504,7 @@
           <a:p>
             <a:fld id="{95AEC2B8-C9C9-49F9-9DB1-644F60BF84EE}" type="datetimeFigureOut">
               <a:rPr lang="zh-TW" altLang="en-US" smtClean="0"/>
+              <a:pPr/>
               <a:t>2014/7/4</a:t>
             </a:fld>
             <a:endParaRPr lang="zh-TW" altLang="en-US"/>
@@ -1960,6 +6528,7 @@
           <a:p>
             <a:fld id="{E06E8BFB-76C6-438D-BEE3-49D934DAA26F}" type="slidenum">
               <a:rPr lang="zh-TW" altLang="en-US" smtClean="0"/>
+              <a:pPr/>
               <a:t>‹#›</a:t>
             </a:fld>
             <a:endParaRPr lang="zh-TW" altLang="en-US"/>
@@ -2132,6 +6701,7 @@
           <a:p>
             <a:fld id="{95AEC2B8-C9C9-49F9-9DB1-644F60BF84EE}" type="datetimeFigureOut">
               <a:rPr lang="zh-TW" altLang="en-US" smtClean="0"/>
+              <a:pPr/>
               <a:t>2014/7/4</a:t>
             </a:fld>
             <a:endParaRPr lang="zh-TW" altLang="en-US"/>
@@ -2182,6 +6752,7 @@
           <a:p>
             <a:fld id="{E06E8BFB-76C6-438D-BEE3-49D934DAA26F}" type="slidenum">
               <a:rPr lang="zh-TW" altLang="en-US" smtClean="0"/>
+              <a:pPr/>
               <a:t>‹#›</a:t>
             </a:fld>
             <a:endParaRPr lang="zh-TW" altLang="en-US"/>
@@ -2230,6 +6801,7 @@
           <a:p>
             <a:fld id="{95AEC2B8-C9C9-49F9-9DB1-644F60BF84EE}" type="datetimeFigureOut">
               <a:rPr lang="zh-TW" altLang="en-US" smtClean="0"/>
+              <a:pPr/>
               <a:t>2014/7/4</a:t>
             </a:fld>
             <a:endParaRPr lang="zh-TW" altLang="en-US"/>
@@ -2285,6 +6857,7 @@
           <a:p>
             <a:fld id="{E06E8BFB-76C6-438D-BEE3-49D934DAA26F}" type="slidenum">
               <a:rPr lang="zh-TW" altLang="en-US" smtClean="0"/>
+              <a:pPr/>
               <a:t>‹#›</a:t>
             </a:fld>
             <a:endParaRPr lang="zh-TW" altLang="en-US"/>
@@ -2366,6 +6939,7 @@
           <a:p>
             <a:fld id="{95AEC2B8-C9C9-49F9-9DB1-644F60BF84EE}" type="datetimeFigureOut">
               <a:rPr lang="zh-TW" altLang="en-US" smtClean="0"/>
+              <a:pPr/>
               <a:t>2014/7/4</a:t>
             </a:fld>
             <a:endParaRPr lang="zh-TW" altLang="en-US"/>
@@ -2416,6 +6990,7 @@
           <a:p>
             <a:fld id="{E06E8BFB-76C6-438D-BEE3-49D934DAA26F}" type="slidenum">
               <a:rPr lang="zh-TW" altLang="en-US" smtClean="0"/>
+              <a:pPr/>
               <a:t>‹#›</a:t>
             </a:fld>
             <a:endParaRPr lang="zh-TW" altLang="en-US"/>
@@ -2884,6 +7459,7 @@
           <a:p>
             <a:fld id="{95AEC2B8-C9C9-49F9-9DB1-644F60BF84EE}" type="datetimeFigureOut">
               <a:rPr lang="zh-TW" altLang="en-US" smtClean="0"/>
+              <a:pPr/>
               <a:t>2014/7/4</a:t>
             </a:fld>
             <a:endParaRPr lang="zh-TW" altLang="en-US"/>
@@ -2916,6 +7492,7 @@
           <a:p>
             <a:fld id="{E06E8BFB-76C6-438D-BEE3-49D934DAA26F}" type="slidenum">
               <a:rPr lang="zh-TW" altLang="en-US" smtClean="0"/>
+              <a:pPr/>
               <a:t>‹#›</a:t>
             </a:fld>
             <a:endParaRPr lang="zh-TW" altLang="en-US"/>
@@ -3145,6 +7722,7 @@
           <a:p>
             <a:fld id="{95AEC2B8-C9C9-49F9-9DB1-644F60BF84EE}" type="datetimeFigureOut">
               <a:rPr lang="zh-TW" altLang="en-US" smtClean="0"/>
+              <a:pPr/>
               <a:t>2014/7/4</a:t>
             </a:fld>
             <a:endParaRPr lang="zh-TW" altLang="en-US"/>
@@ -3363,6 +7941,7 @@
           <a:p>
             <a:fld id="{E06E8BFB-76C6-438D-BEE3-49D934DAA26F}" type="slidenum">
               <a:rPr lang="zh-TW" altLang="en-US" smtClean="0"/>
+              <a:pPr/>
               <a:t>‹#›</a:t>
             </a:fld>
             <a:endParaRPr lang="zh-TW" altLang="en-US"/>
@@ -3738,6 +8317,196 @@
 </p:sld>
 </file>
 
+<file path=ppt/slides/slide10.xml><?xml version="1.0" encoding="utf-8"?>
+<p:sld xmlns:a="http://schemas.openxmlformats.org/drawingml/2006/main" xmlns:r="http://schemas.openxmlformats.org/officeDocument/2006/relationships" xmlns:p="http://schemas.openxmlformats.org/presentationml/2006/main">
+  <p:cSld>
+    <p:spTree>
+      <p:nvGrpSpPr>
+        <p:cNvPr id="1" name=""/>
+        <p:cNvGrpSpPr/>
+        <p:nvPr/>
+      </p:nvGrpSpPr>
+      <p:grpSpPr>
+        <a:xfrm>
+          <a:off x="0" y="0"/>
+          <a:ext cx="0" cy="0"/>
+          <a:chOff x="0" y="0"/>
+          <a:chExt cx="0" cy="0"/>
+        </a:xfrm>
+      </p:grpSpPr>
+      <p:sp>
+        <p:nvSpPr>
+          <p:cNvPr id="2" name="標題 1"/>
+          <p:cNvSpPr>
+            <a:spLocks noGrp="1"/>
+          </p:cNvSpPr>
+          <p:nvPr>
+            <p:ph type="title"/>
+          </p:nvPr>
+        </p:nvSpPr>
+        <p:spPr/>
+        <p:txBody>
+          <a:bodyPr/>
+          <a:lstStyle/>
+          <a:p>
+            <a:r>
+              <a:rPr lang="en-US" altLang="zh-TW" dirty="0" smtClean="0"/>
+              <a:t>FOR XML </a:t>
+            </a:r>
+            <a:r>
+              <a:rPr lang="en-US" altLang="zh-TW" dirty="0" smtClean="0"/>
+              <a:t>TSQL</a:t>
+            </a:r>
+            <a:r>
+              <a:rPr lang="zh-TW" altLang="en-US" dirty="0" smtClean="0"/>
+              <a:t>實作</a:t>
+            </a:r>
+            <a:endParaRPr lang="zh-TW" altLang="en-US" dirty="0"/>
+          </a:p>
+        </p:txBody>
+      </p:sp>
+    </p:spTree>
+  </p:cSld>
+  <p:clrMapOvr>
+    <a:masterClrMapping/>
+  </p:clrMapOvr>
+</p:sld>
+</file>
+
+<file path=ppt/slides/slide11.xml><?xml version="1.0" encoding="utf-8"?>
+<p:sld xmlns:a="http://schemas.openxmlformats.org/drawingml/2006/main" xmlns:r="http://schemas.openxmlformats.org/officeDocument/2006/relationships" xmlns:p="http://schemas.openxmlformats.org/presentationml/2006/main">
+  <p:cSld>
+    <p:spTree>
+      <p:nvGrpSpPr>
+        <p:cNvPr id="1" name=""/>
+        <p:cNvGrpSpPr/>
+        <p:nvPr/>
+      </p:nvGrpSpPr>
+      <p:grpSpPr>
+        <a:xfrm>
+          <a:off x="0" y="0"/>
+          <a:ext cx="0" cy="0"/>
+          <a:chOff x="0" y="0"/>
+          <a:chExt cx="0" cy="0"/>
+        </a:xfrm>
+      </p:grpSpPr>
+      <p:sp>
+        <p:nvSpPr>
+          <p:cNvPr id="2" name="文字版面配置區 1"/>
+          <p:cNvSpPr>
+            <a:spLocks noGrp="1"/>
+          </p:cNvSpPr>
+          <p:nvPr>
+            <p:ph type="body" idx="1"/>
+          </p:nvPr>
+        </p:nvSpPr>
+        <p:spPr/>
+        <p:txBody>
+          <a:bodyPr/>
+          <a:lstStyle/>
+          <a:p>
+            <a:endParaRPr lang="zh-TW" altLang="en-US"/>
+          </a:p>
+        </p:txBody>
+      </p:sp>
+      <p:sp>
+        <p:nvSpPr>
+          <p:cNvPr id="3" name="標題 2"/>
+          <p:cNvSpPr>
+            <a:spLocks noGrp="1"/>
+          </p:cNvSpPr>
+          <p:nvPr>
+            <p:ph type="title"/>
+          </p:nvPr>
+        </p:nvSpPr>
+        <p:spPr/>
+        <p:txBody>
+          <a:bodyPr/>
+          <a:lstStyle/>
+          <a:p>
+            <a:r>
+              <a:rPr lang="en-US" altLang="zh-TW" dirty="0" smtClean="0"/>
+              <a:t>Q&amp;A</a:t>
+            </a:r>
+            <a:endParaRPr lang="zh-TW" altLang="en-US" dirty="0"/>
+          </a:p>
+        </p:txBody>
+      </p:sp>
+    </p:spTree>
+  </p:cSld>
+  <p:clrMapOvr>
+    <a:masterClrMapping/>
+  </p:clrMapOvr>
+</p:sld>
+</file>
+
+<file path=ppt/slides/slide12.xml><?xml version="1.0" encoding="utf-8"?>
+<p:sld xmlns:a="http://schemas.openxmlformats.org/drawingml/2006/main" xmlns:r="http://schemas.openxmlformats.org/officeDocument/2006/relationships" xmlns:p="http://schemas.openxmlformats.org/presentationml/2006/main">
+  <p:cSld>
+    <p:spTree>
+      <p:nvGrpSpPr>
+        <p:cNvPr id="1" name=""/>
+        <p:cNvGrpSpPr/>
+        <p:nvPr/>
+      </p:nvGrpSpPr>
+      <p:grpSpPr>
+        <a:xfrm>
+          <a:off x="0" y="0"/>
+          <a:ext cx="0" cy="0"/>
+          <a:chOff x="0" y="0"/>
+          <a:chExt cx="0" cy="0"/>
+        </a:xfrm>
+      </p:grpSpPr>
+      <p:sp>
+        <p:nvSpPr>
+          <p:cNvPr id="2" name="文字版面配置區 1"/>
+          <p:cNvSpPr>
+            <a:spLocks noGrp="1"/>
+          </p:cNvSpPr>
+          <p:nvPr>
+            <p:ph type="body" idx="1"/>
+          </p:nvPr>
+        </p:nvSpPr>
+        <p:spPr/>
+        <p:txBody>
+          <a:bodyPr/>
+          <a:lstStyle/>
+          <a:p>
+            <a:endParaRPr lang="zh-TW" altLang="en-US"/>
+          </a:p>
+        </p:txBody>
+      </p:sp>
+      <p:sp>
+        <p:nvSpPr>
+          <p:cNvPr id="3" name="標題 2"/>
+          <p:cNvSpPr>
+            <a:spLocks noGrp="1"/>
+          </p:cNvSpPr>
+          <p:nvPr>
+            <p:ph type="title"/>
+          </p:nvPr>
+        </p:nvSpPr>
+        <p:spPr/>
+        <p:txBody>
+          <a:bodyPr/>
+          <a:lstStyle/>
+          <a:p>
+            <a:r>
+              <a:rPr lang="en-US" altLang="zh-TW" dirty="0" smtClean="0"/>
+              <a:t>End</a:t>
+            </a:r>
+            <a:endParaRPr lang="zh-TW" altLang="en-US" dirty="0"/>
+          </a:p>
+        </p:txBody>
+      </p:sp>
+    </p:spTree>
+  </p:cSld>
+  <p:clrMapOvr>
+    <a:masterClrMapping/>
+  </p:clrMapOvr>
+</p:sld>
+</file>
+
 <file path=ppt/slides/slide2.xml><?xml version="1.0" encoding="utf-8"?>
 <p:sld xmlns:a="http://schemas.openxmlformats.org/drawingml/2006/main" xmlns:r="http://schemas.openxmlformats.org/officeDocument/2006/relationships" xmlns:p="http://schemas.openxmlformats.org/presentationml/2006/main">
   <p:cSld>
@@ -3802,29 +8571,28 @@
           <a:p>
             <a:r>
               <a:rPr lang="zh-TW" altLang="en-US" dirty="0" smtClean="0"/>
-              <a:t>視觀</a:t>
-            </a:r>
+              <a:t>視觀表</a:t>
+            </a:r>
+            <a:r>
+              <a:rPr lang="en-US" altLang="zh-TW" dirty="0" smtClean="0"/>
+              <a:t>(View)</a:t>
+            </a:r>
+          </a:p>
+          <a:p>
             <a:r>
               <a:rPr lang="zh-TW" altLang="en-US" dirty="0" smtClean="0"/>
-              <a:t>表</a:t>
-            </a:r>
+              <a:t>轉</a:t>
+            </a:r>
+            <a:r>
+              <a:rPr lang="zh-TW" altLang="en-US" dirty="0" smtClean="0"/>
+              <a:t>置</a:t>
+            </a:r>
+            <a:endParaRPr lang="en-US" altLang="zh-TW" dirty="0" smtClean="0"/>
+          </a:p>
+          <a:p>
             <a:r>
               <a:rPr lang="en-US" altLang="zh-TW" dirty="0" smtClean="0"/>
-              <a:t>(</a:t>
-            </a:r>
-            <a:r>
-              <a:rPr lang="en-US" altLang="zh-TW" dirty="0" smtClean="0"/>
-              <a:t>View</a:t>
-            </a:r>
-            <a:r>
-              <a:rPr lang="en-US" altLang="zh-TW" dirty="0" smtClean="0"/>
-              <a:t>)</a:t>
-            </a:r>
-          </a:p>
-          <a:p>
-            <a:r>
-              <a:rPr lang="zh-TW" altLang="en-US" dirty="0" smtClean="0"/>
-              <a:t>轉置</a:t>
+              <a:t>FOR XML</a:t>
             </a:r>
             <a:endParaRPr lang="en-US" altLang="zh-TW" dirty="0" smtClean="0"/>
           </a:p>
@@ -3904,11 +8672,7 @@
           <a:p>
             <a:r>
               <a:rPr lang="en-US" altLang="zh-TW" dirty="0" smtClean="0"/>
-              <a:t>ROW_NUMBER</a:t>
-            </a:r>
-            <a:r>
-              <a:rPr lang="en-US" altLang="zh-TW" dirty="0" smtClean="0"/>
-              <a:t>()</a:t>
+              <a:t>ROW_NUMBER()</a:t>
             </a:r>
           </a:p>
           <a:p>
@@ -3922,11 +8686,7 @@
           <a:p>
             <a:r>
               <a:rPr lang="en-US" altLang="zh-TW" dirty="0" smtClean="0"/>
-              <a:t>RANK</a:t>
-            </a:r>
-            <a:r>
-              <a:rPr lang="en-US" altLang="zh-TW" dirty="0" smtClean="0"/>
-              <a:t>()</a:t>
+              <a:t>RANK()</a:t>
             </a:r>
           </a:p>
           <a:p>
@@ -3987,11 +8747,7 @@
             </a:r>
             <a:r>
               <a:rPr lang="zh-TW" altLang="pt-BR" sz="2000" dirty="0" smtClean="0"/>
-              <a:t>均</a:t>
-            </a:r>
-            <a:r>
-              <a:rPr lang="zh-TW" altLang="pt-BR" sz="2000" dirty="0" smtClean="0"/>
-              <a:t>等分成 </a:t>
+              <a:t>均等分成 </a:t>
             </a:r>
             <a:r>
               <a:rPr lang="pt-BR" altLang="zh-TW" sz="2000" dirty="0" smtClean="0"/>
@@ -3999,11 +8755,7 @@
             </a:r>
             <a:r>
               <a:rPr lang="zh-TW" altLang="pt-BR" sz="2000" dirty="0" smtClean="0"/>
-              <a:t>等</a:t>
-            </a:r>
-            <a:r>
-              <a:rPr lang="zh-TW" altLang="pt-BR" sz="2000" dirty="0" smtClean="0"/>
-              <a:t>份</a:t>
+              <a:t>等份</a:t>
             </a:r>
             <a:endParaRPr lang="en-US" altLang="zh-TW" sz="2000" dirty="0" smtClean="0"/>
           </a:p>
@@ -4033,11 +8785,7 @@
             </a:r>
             <a:r>
               <a:rPr lang="zh-TW" altLang="en-US" sz="2000" dirty="0" smtClean="0"/>
-              <a:t>筆資料列；亂數</a:t>
-            </a:r>
-            <a:r>
-              <a:rPr lang="zh-TW" altLang="en-US" sz="2000" dirty="0" smtClean="0"/>
-              <a:t>排序</a:t>
+              <a:t>筆資料列；亂數排序</a:t>
             </a:r>
             <a:endParaRPr lang="en-US" altLang="zh-TW" sz="2000" dirty="0" smtClean="0"/>
           </a:p>
@@ -4083,133 +8831,21 @@
         </p:nvSpPr>
         <p:spPr/>
         <p:txBody>
-          <a:bodyPr>
-            <a:normAutofit/>
-          </a:bodyPr>
-          <a:lstStyle/>
-          <a:p>
-            <a:r>
-              <a:rPr lang="zh-TW" altLang="en-US" dirty="0" smtClean="0"/>
-              <a:t>視觀表</a:t>
-            </a:r>
-            <a:r>
-              <a:rPr lang="en-US" altLang="zh-TW" dirty="0" smtClean="0"/>
-              <a:t>(View</a:t>
-            </a:r>
-            <a:r>
-              <a:rPr lang="en-US" altLang="zh-TW" dirty="0" smtClean="0"/>
-              <a:t>)</a:t>
-            </a:r>
-            <a:endParaRPr lang="zh-TW" altLang="en-US" dirty="0"/>
-          </a:p>
-        </p:txBody>
-      </p:sp>
-      <p:sp>
-        <p:nvSpPr>
-          <p:cNvPr id="3" name="內容版面配置區 2"/>
-          <p:cNvSpPr>
-            <a:spLocks noGrp="1"/>
-          </p:cNvSpPr>
-          <p:nvPr>
-            <p:ph sz="quarter" idx="1"/>
-          </p:nvPr>
-        </p:nvSpPr>
-        <p:spPr/>
-        <p:txBody>
           <a:bodyPr/>
           <a:lstStyle/>
           <a:p>
             <a:r>
               <a:rPr lang="zh-TW" altLang="en-US" dirty="0" smtClean="0"/>
-              <a:t>檢視表</a:t>
+              <a:t>排序</a:t>
             </a:r>
             <a:r>
               <a:rPr lang="en-US" altLang="zh-TW" dirty="0" smtClean="0"/>
-              <a:t>(Views)</a:t>
+              <a:t>TSQL</a:t>
             </a:r>
             <a:r>
               <a:rPr lang="zh-TW" altLang="en-US" dirty="0" smtClean="0"/>
-              <a:t>也稱為虛擬資料表</a:t>
-            </a:r>
-            <a:r>
-              <a:rPr lang="en-US" altLang="zh-TW" dirty="0" smtClean="0"/>
-              <a:t>(Virtual Tables)</a:t>
-            </a:r>
-            <a:r>
-              <a:rPr lang="zh-TW" altLang="en-US" dirty="0" smtClean="0"/>
-              <a:t>，因為</a:t>
-            </a:r>
-            <a:r>
-              <a:rPr lang="en-US" altLang="zh-TW" dirty="0" smtClean="0"/>
-              <a:t>Views</a:t>
-            </a:r>
-            <a:r>
-              <a:rPr lang="zh-TW" altLang="en-US" dirty="0" smtClean="0"/>
-              <a:t>所呈現出來的</a:t>
-            </a:r>
-            <a:r>
-              <a:rPr lang="zh-TW" altLang="en-US" dirty="0" smtClean="0"/>
-              <a:t>結果和</a:t>
-            </a:r>
-            <a:r>
-              <a:rPr lang="en-US" altLang="zh-TW" dirty="0" smtClean="0"/>
-              <a:t>Tables</a:t>
-            </a:r>
-            <a:r>
-              <a:rPr lang="zh-TW" altLang="en-US" dirty="0" smtClean="0"/>
-              <a:t>非常類似，最大的差異在於</a:t>
-            </a:r>
-            <a:r>
-              <a:rPr lang="en-US" altLang="zh-TW" dirty="0" smtClean="0"/>
-              <a:t>Tables</a:t>
-            </a:r>
-            <a:r>
-              <a:rPr lang="zh-TW" altLang="en-US" dirty="0" smtClean="0"/>
-              <a:t>是真正儲存資料的地方，而</a:t>
-            </a:r>
-            <a:r>
-              <a:rPr lang="en-US" altLang="zh-TW" dirty="0" smtClean="0"/>
-              <a:t>Views</a:t>
-            </a:r>
-            <a:r>
-              <a:rPr lang="zh-TW" altLang="en-US" dirty="0" smtClean="0"/>
-              <a:t>本身</a:t>
-            </a:r>
-            <a:r>
-              <a:rPr lang="zh-TW" altLang="en-US" dirty="0" smtClean="0"/>
-              <a:t>並不儲存任何的資料內容，而是查詢</a:t>
-            </a:r>
-            <a:r>
-              <a:rPr lang="en-US" altLang="zh-TW" dirty="0" smtClean="0"/>
-              <a:t>(Select)</a:t>
-            </a:r>
-            <a:r>
-              <a:rPr lang="zh-TW" altLang="en-US" dirty="0" smtClean="0"/>
-              <a:t>是自</a:t>
-            </a:r>
-            <a:r>
-              <a:rPr lang="en-US" altLang="zh-TW" dirty="0" smtClean="0"/>
-              <a:t>Tables</a:t>
-            </a:r>
-            <a:r>
-              <a:rPr lang="zh-TW" altLang="en-US" dirty="0" smtClean="0"/>
-              <a:t>，或是經由</a:t>
-            </a:r>
-            <a:r>
-              <a:rPr lang="zh-TW" altLang="en-US" dirty="0" smtClean="0"/>
-              <a:t>其他</a:t>
-            </a:r>
-            <a:r>
-              <a:rPr lang="en-US" altLang="zh-TW" dirty="0" smtClean="0"/>
-              <a:t>Views</a:t>
-            </a:r>
-            <a:r>
-              <a:rPr lang="zh-TW" altLang="en-US" dirty="0" smtClean="0"/>
-              <a:t>再自下層的資料表所取得的資料。</a:t>
-            </a:r>
-            <a:endParaRPr lang="en-US" altLang="zh-TW" dirty="0" smtClean="0"/>
-          </a:p>
-          <a:p>
+              <a:t>實作</a:t>
+            </a:r>
             <a:endParaRPr lang="zh-TW" altLang="en-US" dirty="0"/>
           </a:p>
         </p:txBody>
@@ -4258,7 +8894,11 @@
           <a:p>
             <a:r>
               <a:rPr lang="zh-TW" altLang="en-US" dirty="0" smtClean="0"/>
-              <a:t>轉置</a:t>
+              <a:t>視觀表</a:t>
+            </a:r>
+            <a:r>
+              <a:rPr lang="en-US" altLang="zh-TW" dirty="0" smtClean="0"/>
+              <a:t>(View)</a:t>
             </a:r>
             <a:endParaRPr lang="zh-TW" altLang="en-US" dirty="0"/>
           </a:p>
@@ -4280,138 +8920,84 @@
           <a:lstStyle/>
           <a:p>
             <a:r>
+              <a:rPr lang="zh-TW" altLang="en-US" dirty="0" smtClean="0"/>
+              <a:t>檢視表</a:t>
+            </a:r>
+            <a:r>
               <a:rPr lang="en-US" altLang="zh-TW" dirty="0" smtClean="0"/>
-              <a:t>PIVOT</a:t>
-            </a:r>
-          </a:p>
-          <a:p>
-            <a:pPr lvl="1"/>
+              <a:t>(Views)</a:t>
+            </a:r>
             <a:r>
               <a:rPr lang="zh-TW" altLang="en-US" dirty="0" smtClean="0"/>
-              <a:t>轉置</a:t>
+              <a:t>也稱為虛擬資料表</a:t>
             </a:r>
             <a:r>
               <a:rPr lang="en-US" altLang="zh-TW" dirty="0" smtClean="0"/>
-              <a:t>-</a:t>
-            </a:r>
-            <a:r>
-              <a:rPr lang="zh-TW" altLang="en-US" dirty="0" smtClean="0">
-                <a:solidFill>
-                  <a:schemeClr val="bg1">
-                    <a:lumMod val="65000"/>
-                  </a:schemeClr>
-                </a:solidFill>
-              </a:rPr>
-              <a:t>樞紐分析</a:t>
-            </a:r>
-            <a:r>
-              <a:rPr lang="zh-TW" altLang="en-US" dirty="0" smtClean="0">
-                <a:solidFill>
-                  <a:schemeClr val="bg1">
-                    <a:lumMod val="65000"/>
-                  </a:schemeClr>
-                </a:solidFill>
-              </a:rPr>
-              <a:t>表</a:t>
-            </a:r>
-            <a:endParaRPr lang="en-US" altLang="zh-TW" dirty="0" smtClean="0">
-              <a:solidFill>
-                <a:schemeClr val="bg1">
-                  <a:lumMod val="65000"/>
-                </a:schemeClr>
-              </a:solidFill>
-            </a:endParaRPr>
-          </a:p>
-          <a:p>
-            <a:pPr lvl="2"/>
+              <a:t>(Virtual Tables)</a:t>
+            </a:r>
             <a:r>
               <a:rPr lang="zh-TW" altLang="en-US" dirty="0" smtClean="0"/>
-              <a:t>第一步驟：先把要</a:t>
+              <a:t>，因為</a:t>
             </a:r>
             <a:r>
               <a:rPr lang="en-US" altLang="zh-TW" dirty="0" smtClean="0"/>
-              <a:t>PIVOT</a:t>
+              <a:t>Views</a:t>
             </a:r>
             <a:r>
               <a:rPr lang="zh-TW" altLang="en-US" dirty="0" smtClean="0"/>
-              <a:t>的原始資料查詢</a:t>
+              <a:t>所呈現出來的結果和</a:t>
             </a:r>
             <a:r>
               <a:rPr lang="en-US" altLang="zh-TW" dirty="0" smtClean="0"/>
-              <a:t>(Query)</a:t>
+              <a:t>Tables</a:t>
             </a:r>
             <a:r>
               <a:rPr lang="zh-TW" altLang="en-US" dirty="0" smtClean="0"/>
-              <a:t>好。 </a:t>
-            </a:r>
-            <a:br>
+              <a:t>非常類似，最大的差異在於</a:t>
+            </a:r>
+            <a:r>
+              <a:rPr lang="en-US" altLang="zh-TW" dirty="0" smtClean="0"/>
+              <a:t>Tables</a:t>
+            </a:r>
+            <a:r>
               <a:rPr lang="zh-TW" altLang="en-US" dirty="0" smtClean="0"/>
-            </a:br>
+              <a:t>是真正儲存資料的地方，而</a:t>
+            </a:r>
+            <a:r>
+              <a:rPr lang="en-US" altLang="zh-TW" dirty="0" smtClean="0"/>
+              <a:t>Views</a:t>
+            </a:r>
             <a:r>
               <a:rPr lang="zh-TW" altLang="en-US" dirty="0" smtClean="0"/>
-              <a:t>第二步驟：設定好</a:t>
+              <a:t>本身並不儲存任何的資料內容，而是查詢</a:t>
             </a:r>
             <a:r>
               <a:rPr lang="en-US" altLang="zh-TW" dirty="0" smtClean="0"/>
-              <a:t>PIVOT</a:t>
+              <a:t>(Select)</a:t>
             </a:r>
             <a:r>
               <a:rPr lang="zh-TW" altLang="en-US" dirty="0" smtClean="0"/>
-              <a:t>的欄位與方式。 </a:t>
-            </a:r>
-            <a:br>
+              <a:t>是自</a:t>
+            </a:r>
+            <a:r>
+              <a:rPr lang="en-US" altLang="zh-TW" dirty="0" smtClean="0"/>
+              <a:t>Tables</a:t>
+            </a:r>
+            <a:r>
               <a:rPr lang="zh-TW" altLang="en-US" dirty="0" smtClean="0"/>
-            </a:br>
+              <a:t>，或是經由其他</a:t>
+            </a:r>
+            <a:r>
+              <a:rPr lang="en-US" altLang="zh-TW" dirty="0" smtClean="0"/>
+              <a:t>Views</a:t>
+            </a:r>
             <a:r>
               <a:rPr lang="zh-TW" altLang="en-US" dirty="0" smtClean="0"/>
-              <a:t>第三步驟：依</a:t>
-            </a:r>
-            <a:r>
-              <a:rPr lang="en-US" altLang="zh-TW" dirty="0" smtClean="0"/>
-              <a:t>PIVOT</a:t>
-            </a:r>
-            <a:r>
-              <a:rPr lang="zh-TW" altLang="en-US" dirty="0" smtClean="0"/>
-              <a:t>好了的資料，呈現結果。</a:t>
+              <a:t>再自下層的資料表所取得的資料。</a:t>
             </a:r>
             <a:endParaRPr lang="en-US" altLang="zh-TW" dirty="0" smtClean="0"/>
           </a:p>
           <a:p>
-            <a:r>
-              <a:rPr lang="en-US" altLang="zh-TW" dirty="0" smtClean="0"/>
-              <a:t>UNPIVOT</a:t>
-            </a:r>
-          </a:p>
-          <a:p>
-            <a:pPr lvl="1"/>
-            <a:r>
-              <a:rPr lang="zh-TW" altLang="en-US" dirty="0" smtClean="0"/>
-              <a:t>反轉置</a:t>
-            </a:r>
-            <a:r>
-              <a:rPr lang="en-US" altLang="zh-TW" dirty="0" smtClean="0"/>
-              <a:t>-</a:t>
-            </a:r>
-            <a:r>
-              <a:rPr lang="zh-TW" altLang="en-US" dirty="0" smtClean="0">
-                <a:solidFill>
-                  <a:schemeClr val="bg1">
-                    <a:lumMod val="65000"/>
-                  </a:schemeClr>
-                </a:solidFill>
-              </a:rPr>
-              <a:t>樞紐分析</a:t>
-            </a:r>
-            <a:r>
-              <a:rPr lang="zh-TW" altLang="en-US" dirty="0" smtClean="0">
-                <a:solidFill>
-                  <a:schemeClr val="bg1">
-                    <a:lumMod val="65000"/>
-                  </a:schemeClr>
-                </a:solidFill>
-              </a:rPr>
-              <a:t>表轉成清單</a:t>
-            </a:r>
             <a:endParaRPr lang="zh-TW" altLang="en-US" dirty="0"/>
           </a:p>
         </p:txBody>
@@ -4443,12 +9029,12 @@
       </p:grpSpPr>
       <p:sp>
         <p:nvSpPr>
-          <p:cNvPr id="2" name="文字版面配置區 1"/>
+          <p:cNvPr id="2" name="標題 1"/>
           <p:cNvSpPr>
             <a:spLocks noGrp="1"/>
           </p:cNvSpPr>
           <p:nvPr>
-            <p:ph type="body" idx="1"/>
+            <p:ph type="title"/>
           </p:nvPr>
         </p:nvSpPr>
         <p:spPr/>
@@ -4456,28 +9042,21 @@
           <a:bodyPr/>
           <a:lstStyle/>
           <a:p>
-            <a:endParaRPr lang="zh-TW" altLang="en-US"/>
-          </a:p>
-        </p:txBody>
-      </p:sp>
-      <p:sp>
-        <p:nvSpPr>
-          <p:cNvPr id="3" name="標題 2"/>
-          <p:cNvSpPr>
-            <a:spLocks noGrp="1"/>
-          </p:cNvSpPr>
-          <p:nvPr>
-            <p:ph type="title"/>
-          </p:nvPr>
-        </p:nvSpPr>
-        <p:spPr/>
-        <p:txBody>
-          <a:bodyPr/>
-          <a:lstStyle/>
-          <a:p>
+            <a:r>
+              <a:rPr lang="zh-TW" altLang="en-US" dirty="0" smtClean="0"/>
+              <a:t>視觀表</a:t>
+            </a:r>
             <a:r>
               <a:rPr lang="en-US" altLang="zh-TW" dirty="0" smtClean="0"/>
-              <a:t>Q&amp;A</a:t>
+              <a:t>(View)</a:t>
+            </a:r>
+            <a:r>
+              <a:rPr lang="en-US" altLang="zh-TW" dirty="0" smtClean="0"/>
+              <a:t>TSQL</a:t>
+            </a:r>
+            <a:r>
+              <a:rPr lang="zh-TW" altLang="en-US" dirty="0" smtClean="0"/>
+              <a:t>實作</a:t>
             </a:r>
             <a:endParaRPr lang="zh-TW" altLang="en-US" dirty="0"/>
           </a:p>
@@ -4510,12 +9089,37 @@
       </p:grpSpPr>
       <p:sp>
         <p:nvSpPr>
-          <p:cNvPr id="2" name="文字版面配置區 1"/>
+          <p:cNvPr id="2" name="標題 1"/>
           <p:cNvSpPr>
             <a:spLocks noGrp="1"/>
           </p:cNvSpPr>
           <p:nvPr>
-            <p:ph type="body" idx="1"/>
+            <p:ph type="title"/>
+          </p:nvPr>
+        </p:nvSpPr>
+        <p:spPr/>
+        <p:txBody>
+          <a:bodyPr>
+            <a:normAutofit/>
+          </a:bodyPr>
+          <a:lstStyle/>
+          <a:p>
+            <a:r>
+              <a:rPr lang="zh-TW" altLang="en-US" dirty="0" smtClean="0"/>
+              <a:t>轉置</a:t>
+            </a:r>
+            <a:endParaRPr lang="zh-TW" altLang="en-US" dirty="0"/>
+          </a:p>
+        </p:txBody>
+      </p:sp>
+      <p:sp>
+        <p:nvSpPr>
+          <p:cNvPr id="3" name="內容版面配置區 2"/>
+          <p:cNvSpPr>
+            <a:spLocks noGrp="1"/>
+          </p:cNvSpPr>
+          <p:nvPr>
+            <p:ph sz="quarter" idx="1"/>
           </p:nvPr>
         </p:nvSpPr>
         <p:spPr/>
@@ -4523,13 +9127,151 @@
           <a:bodyPr/>
           <a:lstStyle/>
           <a:p>
-            <a:endParaRPr lang="zh-TW" altLang="en-US"/>
-          </a:p>
-        </p:txBody>
-      </p:sp>
-      <p:sp>
-        <p:nvSpPr>
-          <p:cNvPr id="3" name="標題 2"/>
+            <a:r>
+              <a:rPr lang="en-US" altLang="zh-TW" dirty="0" smtClean="0"/>
+              <a:t>PIVOT</a:t>
+            </a:r>
+          </a:p>
+          <a:p>
+            <a:pPr lvl="1"/>
+            <a:r>
+              <a:rPr lang="zh-TW" altLang="en-US" dirty="0" smtClean="0"/>
+              <a:t>轉置</a:t>
+            </a:r>
+            <a:r>
+              <a:rPr lang="en-US" altLang="zh-TW" dirty="0" smtClean="0"/>
+              <a:t>-</a:t>
+            </a:r>
+            <a:r>
+              <a:rPr lang="zh-TW" altLang="en-US" dirty="0" smtClean="0">
+                <a:solidFill>
+                  <a:schemeClr val="bg1">
+                    <a:lumMod val="65000"/>
+                  </a:schemeClr>
+                </a:solidFill>
+              </a:rPr>
+              <a:t>樞紐分析表</a:t>
+            </a:r>
+            <a:endParaRPr lang="en-US" altLang="zh-TW" dirty="0" smtClean="0">
+              <a:solidFill>
+                <a:schemeClr val="bg1">
+                  <a:lumMod val="65000"/>
+                </a:schemeClr>
+              </a:solidFill>
+            </a:endParaRPr>
+          </a:p>
+          <a:p>
+            <a:pPr lvl="2"/>
+            <a:r>
+              <a:rPr lang="zh-TW" altLang="en-US" dirty="0" smtClean="0"/>
+              <a:t>第一步驟：先把要</a:t>
+            </a:r>
+            <a:r>
+              <a:rPr lang="en-US" altLang="zh-TW" dirty="0" smtClean="0"/>
+              <a:t>PIVOT</a:t>
+            </a:r>
+            <a:r>
+              <a:rPr lang="zh-TW" altLang="en-US" dirty="0" smtClean="0"/>
+              <a:t>的原始資料查詢</a:t>
+            </a:r>
+            <a:r>
+              <a:rPr lang="en-US" altLang="zh-TW" dirty="0" smtClean="0"/>
+              <a:t>(Query)</a:t>
+            </a:r>
+            <a:r>
+              <a:rPr lang="zh-TW" altLang="en-US" dirty="0" smtClean="0"/>
+              <a:t>好。 </a:t>
+            </a:r>
+            <a:br>
+              <a:rPr lang="zh-TW" altLang="en-US" dirty="0" smtClean="0"/>
+            </a:br>
+            <a:r>
+              <a:rPr lang="zh-TW" altLang="en-US" dirty="0" smtClean="0"/>
+              <a:t>第二步驟：設定好</a:t>
+            </a:r>
+            <a:r>
+              <a:rPr lang="en-US" altLang="zh-TW" dirty="0" smtClean="0"/>
+              <a:t>PIVOT</a:t>
+            </a:r>
+            <a:r>
+              <a:rPr lang="zh-TW" altLang="en-US" dirty="0" smtClean="0"/>
+              <a:t>的欄位與方式。 </a:t>
+            </a:r>
+            <a:br>
+              <a:rPr lang="zh-TW" altLang="en-US" dirty="0" smtClean="0"/>
+            </a:br>
+            <a:r>
+              <a:rPr lang="zh-TW" altLang="en-US" dirty="0" smtClean="0"/>
+              <a:t>第三步驟：依</a:t>
+            </a:r>
+            <a:r>
+              <a:rPr lang="en-US" altLang="zh-TW" dirty="0" smtClean="0"/>
+              <a:t>PIVOT</a:t>
+            </a:r>
+            <a:r>
+              <a:rPr lang="zh-TW" altLang="en-US" dirty="0" smtClean="0"/>
+              <a:t>好了的資料，呈現結果。</a:t>
+            </a:r>
+            <a:endParaRPr lang="en-US" altLang="zh-TW" dirty="0" smtClean="0"/>
+          </a:p>
+          <a:p>
+            <a:r>
+              <a:rPr lang="en-US" altLang="zh-TW" dirty="0" smtClean="0"/>
+              <a:t>UNPIVOT</a:t>
+            </a:r>
+          </a:p>
+          <a:p>
+            <a:pPr lvl="1"/>
+            <a:r>
+              <a:rPr lang="zh-TW" altLang="en-US" dirty="0" smtClean="0"/>
+              <a:t>反轉置</a:t>
+            </a:r>
+            <a:r>
+              <a:rPr lang="en-US" altLang="zh-TW" dirty="0" smtClean="0"/>
+              <a:t>-</a:t>
+            </a:r>
+            <a:r>
+              <a:rPr lang="zh-TW" altLang="en-US" dirty="0" smtClean="0">
+                <a:solidFill>
+                  <a:schemeClr val="bg1">
+                    <a:lumMod val="65000"/>
+                  </a:schemeClr>
+                </a:solidFill>
+              </a:rPr>
+              <a:t>樞紐分析表轉成清單</a:t>
+            </a:r>
+            <a:endParaRPr lang="zh-TW" altLang="en-US" dirty="0"/>
+          </a:p>
+        </p:txBody>
+      </p:sp>
+    </p:spTree>
+  </p:cSld>
+  <p:clrMapOvr>
+    <a:masterClrMapping/>
+  </p:clrMapOvr>
+</p:sld>
+</file>
+
+<file path=ppt/slides/slide8.xml><?xml version="1.0" encoding="utf-8"?>
+<p:sld xmlns:a="http://schemas.openxmlformats.org/drawingml/2006/main" xmlns:r="http://schemas.openxmlformats.org/officeDocument/2006/relationships" xmlns:p="http://schemas.openxmlformats.org/presentationml/2006/main">
+  <p:cSld>
+    <p:spTree>
+      <p:nvGrpSpPr>
+        <p:cNvPr id="1" name=""/>
+        <p:cNvGrpSpPr/>
+        <p:nvPr/>
+      </p:nvGrpSpPr>
+      <p:grpSpPr>
+        <a:xfrm>
+          <a:off x="0" y="0"/>
+          <a:ext cx="0" cy="0"/>
+          <a:chOff x="0" y="0"/>
+          <a:chExt cx="0" cy="0"/>
+        </a:xfrm>
+      </p:grpSpPr>
+      <p:sp>
+        <p:nvSpPr>
+          <p:cNvPr id="2" name="標題 1"/>
           <p:cNvSpPr>
             <a:spLocks noGrp="1"/>
           </p:cNvSpPr>
@@ -4543,9 +9285,206 @@
           <a:lstStyle/>
           <a:p>
             <a:r>
+              <a:rPr lang="zh-TW" altLang="en-US" dirty="0" smtClean="0"/>
+              <a:t>轉置</a:t>
+            </a:r>
+            <a:r>
               <a:rPr lang="en-US" altLang="zh-TW" dirty="0" smtClean="0"/>
-              <a:t>End</a:t>
-            </a:r>
+              <a:t>TSQL</a:t>
+            </a:r>
+            <a:r>
+              <a:rPr lang="zh-TW" altLang="en-US" dirty="0" smtClean="0"/>
+              <a:t>實作</a:t>
+            </a:r>
+            <a:endParaRPr lang="zh-TW" altLang="en-US" dirty="0"/>
+          </a:p>
+        </p:txBody>
+      </p:sp>
+    </p:spTree>
+  </p:cSld>
+  <p:clrMapOvr>
+    <a:masterClrMapping/>
+  </p:clrMapOvr>
+</p:sld>
+</file>
+
+<file path=ppt/slides/slide9.xml><?xml version="1.0" encoding="utf-8"?>
+<p:sld xmlns:a="http://schemas.openxmlformats.org/drawingml/2006/main" xmlns:r="http://schemas.openxmlformats.org/officeDocument/2006/relationships" xmlns:p="http://schemas.openxmlformats.org/presentationml/2006/main">
+  <p:cSld>
+    <p:spTree>
+      <p:nvGrpSpPr>
+        <p:cNvPr id="1" name=""/>
+        <p:cNvGrpSpPr/>
+        <p:nvPr/>
+      </p:nvGrpSpPr>
+      <p:grpSpPr>
+        <a:xfrm>
+          <a:off x="0" y="0"/>
+          <a:ext cx="0" cy="0"/>
+          <a:chOff x="0" y="0"/>
+          <a:chExt cx="0" cy="0"/>
+        </a:xfrm>
+      </p:grpSpPr>
+      <p:sp>
+        <p:nvSpPr>
+          <p:cNvPr id="2" name="標題 1"/>
+          <p:cNvSpPr>
+            <a:spLocks noGrp="1"/>
+          </p:cNvSpPr>
+          <p:nvPr>
+            <p:ph type="title"/>
+          </p:nvPr>
+        </p:nvSpPr>
+        <p:spPr/>
+        <p:txBody>
+          <a:bodyPr>
+            <a:normAutofit/>
+          </a:bodyPr>
+          <a:lstStyle/>
+          <a:p>
+            <a:r>
+              <a:rPr lang="en-US" altLang="zh-TW" dirty="0" smtClean="0"/>
+              <a:t>FOR </a:t>
+            </a:r>
+            <a:r>
+              <a:rPr lang="en-US" altLang="zh-TW" dirty="0" smtClean="0"/>
+              <a:t>XML</a:t>
+            </a:r>
+            <a:endParaRPr lang="zh-TW" altLang="en-US" dirty="0"/>
+          </a:p>
+        </p:txBody>
+      </p:sp>
+      <p:sp>
+        <p:nvSpPr>
+          <p:cNvPr id="3" name="內容版面配置區 2"/>
+          <p:cNvSpPr>
+            <a:spLocks noGrp="1"/>
+          </p:cNvSpPr>
+          <p:nvPr>
+            <p:ph sz="quarter" idx="1"/>
+          </p:nvPr>
+        </p:nvSpPr>
+        <p:spPr/>
+        <p:txBody>
+          <a:bodyPr/>
+          <a:lstStyle/>
+          <a:p>
+            <a:r>
+              <a:rPr lang="en-US" altLang="zh-TW" dirty="0" smtClean="0"/>
+              <a:t>PATH </a:t>
+            </a:r>
+            <a:r>
+              <a:rPr lang="zh-TW" altLang="en-US" dirty="0" smtClean="0"/>
+              <a:t>將</a:t>
+            </a:r>
+            <a:r>
+              <a:rPr lang="zh-TW" altLang="en-US" dirty="0" smtClean="0"/>
+              <a:t>多筆資料合併為一筆</a:t>
+            </a:r>
+            <a:r>
+              <a:rPr lang="zh-TW" altLang="en-US" dirty="0" smtClean="0"/>
+              <a:t>顯示</a:t>
+            </a:r>
+            <a:endParaRPr lang="en-US" altLang="zh-TW" dirty="0" smtClean="0"/>
+          </a:p>
+          <a:p>
+            <a:r>
+              <a:rPr lang="en-US" altLang="zh-TW" dirty="0" smtClean="0"/>
+              <a:t>AUTO</a:t>
+            </a:r>
+            <a:r>
+              <a:rPr lang="zh-TW" altLang="en-US" dirty="0" smtClean="0"/>
+              <a:t>將資料轉成 </a:t>
+            </a:r>
+            <a:r>
+              <a:rPr lang="en-US" altLang="zh-TW" dirty="0" smtClean="0"/>
+              <a:t>XML </a:t>
+            </a:r>
+            <a:r>
+              <a:rPr lang="zh-TW" altLang="en-US" dirty="0" smtClean="0"/>
+              <a:t>格式顯示</a:t>
+            </a:r>
+            <a:endParaRPr lang="en-US" altLang="zh-TW" dirty="0" smtClean="0"/>
+          </a:p>
+          <a:p>
+            <a:r>
+              <a:rPr lang="en-US" altLang="zh-TW" dirty="0" smtClean="0"/>
+              <a:t>RAW</a:t>
+            </a:r>
+            <a:r>
+              <a:rPr lang="zh-TW" altLang="en-US" dirty="0" smtClean="0"/>
+              <a:t>將資料轉成 </a:t>
+            </a:r>
+            <a:r>
+              <a:rPr lang="en-US" altLang="zh-TW" dirty="0" smtClean="0"/>
+              <a:t>XML </a:t>
+            </a:r>
+            <a:r>
+              <a:rPr lang="zh-TW" altLang="en-US" dirty="0" smtClean="0"/>
+              <a:t>格式</a:t>
+            </a:r>
+            <a:r>
+              <a:rPr lang="zh-TW" altLang="en-US" dirty="0" smtClean="0"/>
+              <a:t>顯示</a:t>
+            </a:r>
+            <a:r>
+              <a:rPr lang="en-US" altLang="zh-TW" dirty="0" smtClean="0"/>
+              <a:t>(</a:t>
+            </a:r>
+            <a:r>
+              <a:rPr lang="zh-TW" altLang="en-US" dirty="0" smtClean="0"/>
+              <a:t>自訂</a:t>
+            </a:r>
+            <a:r>
+              <a:rPr lang="en-US" altLang="zh-TW" dirty="0" smtClean="0"/>
+              <a:t>Tag</a:t>
+            </a:r>
+            <a:r>
+              <a:rPr lang="zh-TW" altLang="en-US" dirty="0" smtClean="0"/>
+              <a:t>名稱</a:t>
+            </a:r>
+            <a:r>
+              <a:rPr lang="en-US" altLang="zh-TW" dirty="0" smtClean="0"/>
+              <a:t>)</a:t>
+            </a:r>
+            <a:endParaRPr lang="en-US" altLang="zh-TW" dirty="0" smtClean="0"/>
+          </a:p>
+          <a:p>
+            <a:r>
+              <a:rPr lang="en-US" altLang="zh-TW" dirty="0" smtClean="0"/>
+              <a:t>EXPLICIT</a:t>
+            </a:r>
+            <a:r>
+              <a:rPr lang="zh-TW" altLang="en-US" dirty="0" smtClean="0"/>
+              <a:t>將資料轉成 </a:t>
+            </a:r>
+            <a:r>
+              <a:rPr lang="en-US" altLang="zh-TW" dirty="0" smtClean="0"/>
+              <a:t>XML </a:t>
+            </a:r>
+            <a:r>
+              <a:rPr lang="zh-TW" altLang="en-US" dirty="0" smtClean="0"/>
+              <a:t>格式</a:t>
+            </a:r>
+            <a:r>
+              <a:rPr lang="zh-TW" altLang="en-US" dirty="0" smtClean="0"/>
+              <a:t>顯示</a:t>
+            </a:r>
+            <a:r>
+              <a:rPr lang="en-US" altLang="zh-TW" dirty="0" smtClean="0"/>
+              <a:t>(</a:t>
+            </a:r>
+            <a:r>
+              <a:rPr lang="zh-TW" altLang="en-US" dirty="0" smtClean="0"/>
+              <a:t>巢狀</a:t>
+            </a:r>
+            <a:r>
+              <a:rPr lang="en-US" altLang="zh-TW" dirty="0" smtClean="0"/>
+              <a:t>)</a:t>
+            </a:r>
+            <a:endParaRPr lang="en-US" altLang="zh-TW" dirty="0" smtClean="0"/>
+          </a:p>
+          <a:p>
             <a:endParaRPr lang="zh-TW" altLang="en-US" dirty="0"/>
           </a:p>
         </p:txBody>
@@ -4788,4 +9727,287 @@
   <a:objectDefaults/>
   <a:extraClrSchemeLst/>
 </a:theme>
+</file>
+
+<file path=ppt/theme/theme2.xml><?xml version="1.0" encoding="utf-8"?>
+<a:theme xmlns:a="http://schemas.openxmlformats.org/drawingml/2006/main" name="Office 佈景主題">
+  <a:themeElements>
+    <a:clrScheme name="Office">
+      <a:dk1>
+        <a:sysClr val="windowText" lastClr="000000"/>
+      </a:dk1>
+      <a:lt1>
+        <a:sysClr val="window" lastClr="FFFFFF"/>
+      </a:lt1>
+      <a:dk2>
+        <a:srgbClr val="1F497D"/>
+      </a:dk2>
+      <a:lt2>
+        <a:srgbClr val="EEECE1"/>
+      </a:lt2>
+      <a:accent1>
+        <a:srgbClr val="4F81BD"/>
+      </a:accent1>
+      <a:accent2>
+        <a:srgbClr val="C0504D"/>
+      </a:accent2>
+      <a:accent3>
+        <a:srgbClr val="9BBB59"/>
+      </a:accent3>
+      <a:accent4>
+        <a:srgbClr val="8064A2"/>
+      </a:accent4>
+      <a:accent5>
+        <a:srgbClr val="4BACC6"/>
+      </a:accent5>
+      <a:accent6>
+        <a:srgbClr val="F79646"/>
+      </a:accent6>
+      <a:hlink>
+        <a:srgbClr val="0000FF"/>
+      </a:hlink>
+      <a:folHlink>
+        <a:srgbClr val="800080"/>
+      </a:folHlink>
+    </a:clrScheme>
+    <a:fontScheme name="Office">
+      <a:majorFont>
+        <a:latin typeface="Calibri"/>
+        <a:ea typeface=""/>
+        <a:cs typeface=""/>
+        <a:font script="Jpan" typeface="ＭＳ Ｐゴシック"/>
+        <a:font script="Hang" typeface="맑은 고딕"/>
+        <a:font script="Hans" typeface="宋体"/>
+        <a:font script="Hant" typeface="新細明體"/>
+        <a:font script="Arab" typeface="Times New Roman"/>
+        <a:font script="Hebr" typeface="Times New Roman"/>
+        <a:font script="Thai" typeface="Angsana New"/>
+        <a:font script="Ethi" typeface="Nyala"/>
+        <a:font script="Beng" typeface="Vrinda"/>
+        <a:font script="Gujr" typeface="Shruti"/>
+        <a:font script="Khmr" typeface="MoolBoran"/>
+        <a:font script="Knda" typeface="Tunga"/>
+        <a:font script="Guru" typeface="Raavi"/>
+        <a:font script="Cans" typeface="Euphemia"/>
+        <a:font script="Cher" typeface="Plantagenet Cherokee"/>
+        <a:font script="Yiii" typeface="Microsoft Yi Baiti"/>
+        <a:font script="Tibt" typeface="Microsoft Himalaya"/>
+        <a:font script="Thaa" typeface="MV Boli"/>
+        <a:font script="Deva" typeface="Mangal"/>
+        <a:font script="Telu" typeface="Gautami"/>
+        <a:font script="Taml" typeface="Latha"/>
+        <a:font script="Syrc" typeface="Estrangelo Edessa"/>
+        <a:font script="Orya" typeface="Kalinga"/>
+        <a:font script="Mlym" typeface="Kartika"/>
+        <a:font script="Laoo" typeface="DokChampa"/>
+        <a:font script="Sinh" typeface="Iskoola Pota"/>
+        <a:font script="Mong" typeface="Mongolian Baiti"/>
+        <a:font script="Viet" typeface="Times New Roman"/>
+        <a:font script="Uigh" typeface="Microsoft Uighur"/>
+      </a:majorFont>
+      <a:minorFont>
+        <a:latin typeface="Calibri"/>
+        <a:ea typeface=""/>
+        <a:cs typeface=""/>
+        <a:font script="Jpan" typeface="ＭＳ Ｐゴシック"/>
+        <a:font script="Hang" typeface="맑은 고딕"/>
+        <a:font script="Hans" typeface="宋体"/>
+        <a:font script="Hant" typeface="新細明體"/>
+        <a:font script="Arab" typeface="Arial"/>
+        <a:font script="Hebr" typeface="Arial"/>
+        <a:font script="Thai" typeface="Cordia New"/>
+        <a:font script="Ethi" typeface="Nyala"/>
+        <a:font script="Beng" typeface="Vrinda"/>
+        <a:font script="Gujr" typeface="Shruti"/>
+        <a:font script="Khmr" typeface="DaunPenh"/>
+        <a:font script="Knda" typeface="Tunga"/>
+        <a:font script="Guru" typeface="Raavi"/>
+        <a:font script="Cans" typeface="Euphemia"/>
+        <a:font script="Cher" typeface="Plantagenet Cherokee"/>
+        <a:font script="Yiii" typeface="Microsoft Yi Baiti"/>
+        <a:font script="Tibt" typeface="Microsoft Himalaya"/>
+        <a:font script="Thaa" typeface="MV Boli"/>
+        <a:font script="Deva" typeface="Mangal"/>
+        <a:font script="Telu" typeface="Gautami"/>
+        <a:font script="Taml" typeface="Latha"/>
+        <a:font script="Syrc" typeface="Estrangelo Edessa"/>
+        <a:font script="Orya" typeface="Kalinga"/>
+        <a:font script="Mlym" typeface="Kartika"/>
+        <a:font script="Laoo" typeface="DokChampa"/>
+        <a:font script="Sinh" typeface="Iskoola Pota"/>
+        <a:font script="Mong" typeface="Mongolian Baiti"/>
+        <a:font script="Viet" typeface="Arial"/>
+        <a:font script="Uigh" typeface="Microsoft Uighur"/>
+      </a:minorFont>
+    </a:fontScheme>
+    <a:fmtScheme name="Office">
+      <a:fillStyleLst>
+        <a:solidFill>
+          <a:schemeClr val="phClr"/>
+        </a:solidFill>
+        <a:gradFill rotWithShape="1">
+          <a:gsLst>
+            <a:gs pos="0">
+              <a:schemeClr val="phClr">
+                <a:tint val="50000"/>
+                <a:satMod val="300000"/>
+              </a:schemeClr>
+            </a:gs>
+            <a:gs pos="35000">
+              <a:schemeClr val="phClr">
+                <a:tint val="37000"/>
+                <a:satMod val="300000"/>
+              </a:schemeClr>
+            </a:gs>
+            <a:gs pos="100000">
+              <a:schemeClr val="phClr">
+                <a:tint val="15000"/>
+                <a:satMod val="350000"/>
+              </a:schemeClr>
+            </a:gs>
+          </a:gsLst>
+          <a:lin ang="16200000" scaled="1"/>
+        </a:gradFill>
+        <a:gradFill rotWithShape="1">
+          <a:gsLst>
+            <a:gs pos="0">
+              <a:schemeClr val="phClr">
+                <a:shade val="51000"/>
+                <a:satMod val="130000"/>
+              </a:schemeClr>
+            </a:gs>
+            <a:gs pos="80000">
+              <a:schemeClr val="phClr">
+                <a:shade val="93000"/>
+                <a:satMod val="130000"/>
+              </a:schemeClr>
+            </a:gs>
+            <a:gs pos="100000">
+              <a:schemeClr val="phClr">
+                <a:shade val="94000"/>
+                <a:satMod val="135000"/>
+              </a:schemeClr>
+            </a:gs>
+          </a:gsLst>
+          <a:lin ang="16200000" scaled="0"/>
+        </a:gradFill>
+      </a:fillStyleLst>
+      <a:lnStyleLst>
+        <a:ln w="9525" cap="flat" cmpd="sng" algn="ctr">
+          <a:solidFill>
+            <a:schemeClr val="phClr">
+              <a:shade val="95000"/>
+              <a:satMod val="105000"/>
+            </a:schemeClr>
+          </a:solidFill>
+          <a:prstDash val="solid"/>
+        </a:ln>
+        <a:ln w="25400" cap="flat" cmpd="sng" algn="ctr">
+          <a:solidFill>
+            <a:schemeClr val="phClr"/>
+          </a:solidFill>
+          <a:prstDash val="solid"/>
+        </a:ln>
+        <a:ln w="38100" cap="flat" cmpd="sng" algn="ctr">
+          <a:solidFill>
+            <a:schemeClr val="phClr"/>
+          </a:solidFill>
+          <a:prstDash val="solid"/>
+        </a:ln>
+      </a:lnStyleLst>
+      <a:effectStyleLst>
+        <a:effectStyle>
+          <a:effectLst>
+            <a:outerShdw blurRad="40000" dist="20000" dir="5400000" rotWithShape="0">
+              <a:srgbClr val="000000">
+                <a:alpha val="38000"/>
+              </a:srgbClr>
+            </a:outerShdw>
+          </a:effectLst>
+        </a:effectStyle>
+        <a:effectStyle>
+          <a:effectLst>
+            <a:outerShdw blurRad="40000" dist="23000" dir="5400000" rotWithShape="0">
+              <a:srgbClr val="000000">
+                <a:alpha val="35000"/>
+              </a:srgbClr>
+            </a:outerShdw>
+          </a:effectLst>
+        </a:effectStyle>
+        <a:effectStyle>
+          <a:effectLst>
+            <a:outerShdw blurRad="40000" dist="23000" dir="5400000" rotWithShape="0">
+              <a:srgbClr val="000000">
+                <a:alpha val="35000"/>
+              </a:srgbClr>
+            </a:outerShdw>
+          </a:effectLst>
+          <a:scene3d>
+            <a:camera prst="orthographicFront">
+              <a:rot lat="0" lon="0" rev="0"/>
+            </a:camera>
+            <a:lightRig rig="threePt" dir="t">
+              <a:rot lat="0" lon="0" rev="1200000"/>
+            </a:lightRig>
+          </a:scene3d>
+          <a:sp3d>
+            <a:bevelT w="63500" h="25400"/>
+          </a:sp3d>
+        </a:effectStyle>
+      </a:effectStyleLst>
+      <a:bgFillStyleLst>
+        <a:solidFill>
+          <a:schemeClr val="phClr"/>
+        </a:solidFill>
+        <a:gradFill rotWithShape="1">
+          <a:gsLst>
+            <a:gs pos="0">
+              <a:schemeClr val="phClr">
+                <a:tint val="40000"/>
+                <a:satMod val="350000"/>
+              </a:schemeClr>
+            </a:gs>
+            <a:gs pos="40000">
+              <a:schemeClr val="phClr">
+                <a:tint val="45000"/>
+                <a:shade val="99000"/>
+                <a:satMod val="350000"/>
+              </a:schemeClr>
+            </a:gs>
+            <a:gs pos="100000">
+              <a:schemeClr val="phClr">
+                <a:shade val="20000"/>
+                <a:satMod val="255000"/>
+              </a:schemeClr>
+            </a:gs>
+          </a:gsLst>
+          <a:path path="circle">
+            <a:fillToRect l="50000" t="-80000" r="50000" b="180000"/>
+          </a:path>
+        </a:gradFill>
+        <a:gradFill rotWithShape="1">
+          <a:gsLst>
+            <a:gs pos="0">
+              <a:schemeClr val="phClr">
+                <a:tint val="80000"/>
+                <a:satMod val="300000"/>
+              </a:schemeClr>
+            </a:gs>
+            <a:gs pos="100000">
+              <a:schemeClr val="phClr">
+                <a:shade val="30000"/>
+                <a:satMod val="200000"/>
+              </a:schemeClr>
+            </a:gs>
+          </a:gsLst>
+          <a:path path="circle">
+            <a:fillToRect l="50000" t="50000" r="50000" b="50000"/>
+          </a:path>
+        </a:gradFill>
+      </a:bgFillStyleLst>
+    </a:fmtScheme>
+  </a:themeElements>
+  <a:objectDefaults/>
+  <a:extraClrSchemeLst/>
+</a:theme>
 </file>